--- a/Presentaion.pptx
+++ b/Presentaion.pptx
@@ -1,29 +1,29 @@
 
 <file path=ppt/presentation.xml><?xml version="1.0" encoding="utf-8"?>
-<p:presentation xmlns:a="http://schemas.openxmlformats.org/drawingml/2006/main" xmlns:r="http://schemas.openxmlformats.org/officeDocument/2006/relationships" xmlns:mc="http://schemas.openxmlformats.org/markup-compatibility/2006" xmlns:mv="urn:schemas-microsoft-com:mac:vml" xmlns:p="http://schemas.openxmlformats.org/presentationml/2006/main" xmlns:c="http://schemas.openxmlformats.org/drawingml/2006/chart" xmlns:dgm="http://schemas.openxmlformats.org/drawingml/2006/diagram" xmlns:o="urn:schemas-microsoft-com:office:office" xmlns:v="urn:schemas-microsoft-com:vml" xmlns:pvml="urn:schemas-microsoft-com:office:powerpoint" xmlns:com="http://schemas.openxmlformats.org/drawingml/2006/compatibility" xmlns:p14="http://schemas.microsoft.com/office/powerpoint/2010/main" autoCompressPictures="0" strictFirstAndLastChars="0" saveSubsetFonts="1">
+<p:presentation xmlns:a="http://schemas.openxmlformats.org/drawingml/2006/main" xmlns:r="http://schemas.openxmlformats.org/officeDocument/2006/relationships" xmlns:p="http://schemas.openxmlformats.org/presentationml/2006/main" strictFirstAndLastChars="0" saveSubsetFonts="1" autoCompressPictures="0">
   <p:sldMasterIdLst>
-    <p:sldMasterId id="2147483654" r:id="rId4"/>
+    <p:sldMasterId id="2147483654" r:id="rId1"/>
   </p:sldMasterIdLst>
   <p:notesMasterIdLst>
-    <p:notesMasterId r:id="rId5"/>
+    <p:notesMasterId r:id="rId13"/>
   </p:notesMasterIdLst>
   <p:sldIdLst>
-    <p:sldId id="256" r:id="rId6"/>
-    <p:sldId id="257" r:id="rId7"/>
-    <p:sldId id="258" r:id="rId8"/>
-    <p:sldId id="259" r:id="rId9"/>
-    <p:sldId id="260" r:id="rId10"/>
-    <p:sldId id="261" r:id="rId11"/>
-    <p:sldId id="262" r:id="rId12"/>
-    <p:sldId id="263" r:id="rId13"/>
-    <p:sldId id="264" r:id="rId14"/>
-    <p:sldId id="265" r:id="rId15"/>
-    <p:sldId id="266" r:id="rId16"/>
+    <p:sldId id="256" r:id="rId2"/>
+    <p:sldId id="257" r:id="rId3"/>
+    <p:sldId id="258" r:id="rId4"/>
+    <p:sldId id="259" r:id="rId5"/>
+    <p:sldId id="260" r:id="rId6"/>
+    <p:sldId id="261" r:id="rId7"/>
+    <p:sldId id="262" r:id="rId8"/>
+    <p:sldId id="263" r:id="rId9"/>
+    <p:sldId id="264" r:id="rId10"/>
+    <p:sldId id="265" r:id="rId11"/>
+    <p:sldId id="266" r:id="rId12"/>
   </p:sldIdLst>
-  <p:sldSz cy="5143500" cx="9144000"/>
+  <p:sldSz cx="9144000" cy="5143500" type="screen16x9"/>
   <p:notesSz cx="6858000" cy="9144000"/>
   <p:defaultTextStyle>
-    <a:defPPr marR="0" rtl="0" algn="l">
+    <a:defPPr marR="0" algn="l" rtl="0">
       <a:lnSpc>
         <a:spcPct val="100000"/>
       </a:lnSpc>
@@ -34,7 +34,7 @@
         <a:spcPts val="0"/>
       </a:spcAft>
     </a:defPPr>
-    <a:lvl1pPr marR="0" rtl="0" algn="l">
+    <a:lvl1pPr marR="0" algn="l" rtl="0">
       <a:lnSpc>
         <a:spcPct val="100000"/>
       </a:lnSpc>
@@ -45,7 +45,7 @@
         <a:spcPts val="0"/>
       </a:spcAft>
       <a:buNone/>
-      <a:defRPr b="0" baseline="0" i="0" sz="1400" u="none" cap="none" strike="noStrike">
+      <a:defRPr sz="1400" b="0" i="0" u="none" strike="noStrike" cap="none" baseline="0">
         <a:solidFill>
           <a:srgbClr val="000000"/>
         </a:solidFill>
@@ -56,7 +56,7 @@
         <a:rtl val="0"/>
       </a:defRPr>
     </a:lvl1pPr>
-    <a:lvl2pPr marR="0" rtl="0" algn="l">
+    <a:lvl2pPr marR="0" algn="l" rtl="0">
       <a:lnSpc>
         <a:spcPct val="100000"/>
       </a:lnSpc>
@@ -67,7 +67,7 @@
         <a:spcPts val="0"/>
       </a:spcAft>
       <a:buNone/>
-      <a:defRPr b="0" baseline="0" i="0" sz="1400" u="none" cap="none" strike="noStrike">
+      <a:defRPr sz="1400" b="0" i="0" u="none" strike="noStrike" cap="none" baseline="0">
         <a:solidFill>
           <a:srgbClr val="000000"/>
         </a:solidFill>
@@ -78,7 +78,7 @@
         <a:rtl val="0"/>
       </a:defRPr>
     </a:lvl2pPr>
-    <a:lvl3pPr marR="0" rtl="0" algn="l">
+    <a:lvl3pPr marR="0" algn="l" rtl="0">
       <a:lnSpc>
         <a:spcPct val="100000"/>
       </a:lnSpc>
@@ -89,7 +89,7 @@
         <a:spcPts val="0"/>
       </a:spcAft>
       <a:buNone/>
-      <a:defRPr b="0" baseline="0" i="0" sz="1400" u="none" cap="none" strike="noStrike">
+      <a:defRPr sz="1400" b="0" i="0" u="none" strike="noStrike" cap="none" baseline="0">
         <a:solidFill>
           <a:srgbClr val="000000"/>
         </a:solidFill>
@@ -100,7 +100,7 @@
         <a:rtl val="0"/>
       </a:defRPr>
     </a:lvl3pPr>
-    <a:lvl4pPr marR="0" rtl="0" algn="l">
+    <a:lvl4pPr marR="0" algn="l" rtl="0">
       <a:lnSpc>
         <a:spcPct val="100000"/>
       </a:lnSpc>
@@ -111,7 +111,7 @@
         <a:spcPts val="0"/>
       </a:spcAft>
       <a:buNone/>
-      <a:defRPr b="0" baseline="0" i="0" sz="1400" u="none" cap="none" strike="noStrike">
+      <a:defRPr sz="1400" b="0" i="0" u="none" strike="noStrike" cap="none" baseline="0">
         <a:solidFill>
           <a:srgbClr val="000000"/>
         </a:solidFill>
@@ -122,7 +122,7 @@
         <a:rtl val="0"/>
       </a:defRPr>
     </a:lvl4pPr>
-    <a:lvl5pPr marR="0" rtl="0" algn="l">
+    <a:lvl5pPr marR="0" algn="l" rtl="0">
       <a:lnSpc>
         <a:spcPct val="100000"/>
       </a:lnSpc>
@@ -133,7 +133,7 @@
         <a:spcPts val="0"/>
       </a:spcAft>
       <a:buNone/>
-      <a:defRPr b="0" baseline="0" i="0" sz="1400" u="none" cap="none" strike="noStrike">
+      <a:defRPr sz="1400" b="0" i="0" u="none" strike="noStrike" cap="none" baseline="0">
         <a:solidFill>
           <a:srgbClr val="000000"/>
         </a:solidFill>
@@ -144,7 +144,7 @@
         <a:rtl val="0"/>
       </a:defRPr>
     </a:lvl5pPr>
-    <a:lvl6pPr marR="0" rtl="0" algn="l">
+    <a:lvl6pPr marR="0" algn="l" rtl="0">
       <a:lnSpc>
         <a:spcPct val="100000"/>
       </a:lnSpc>
@@ -155,7 +155,7 @@
         <a:spcPts val="0"/>
       </a:spcAft>
       <a:buNone/>
-      <a:defRPr b="0" baseline="0" i="0" sz="1400" u="none" cap="none" strike="noStrike">
+      <a:defRPr sz="1400" b="0" i="0" u="none" strike="noStrike" cap="none" baseline="0">
         <a:solidFill>
           <a:srgbClr val="000000"/>
         </a:solidFill>
@@ -166,7 +166,7 @@
         <a:rtl val="0"/>
       </a:defRPr>
     </a:lvl6pPr>
-    <a:lvl7pPr marR="0" rtl="0" algn="l">
+    <a:lvl7pPr marR="0" algn="l" rtl="0">
       <a:lnSpc>
         <a:spcPct val="100000"/>
       </a:lnSpc>
@@ -177,7 +177,7 @@
         <a:spcPts val="0"/>
       </a:spcAft>
       <a:buNone/>
-      <a:defRPr b="0" baseline="0" i="0" sz="1400" u="none" cap="none" strike="noStrike">
+      <a:defRPr sz="1400" b="0" i="0" u="none" strike="noStrike" cap="none" baseline="0">
         <a:solidFill>
           <a:srgbClr val="000000"/>
         </a:solidFill>
@@ -188,7 +188,7 @@
         <a:rtl val="0"/>
       </a:defRPr>
     </a:lvl7pPr>
-    <a:lvl8pPr marR="0" rtl="0" algn="l">
+    <a:lvl8pPr marR="0" algn="l" rtl="0">
       <a:lnSpc>
         <a:spcPct val="100000"/>
       </a:lnSpc>
@@ -199,7 +199,7 @@
         <a:spcPts val="0"/>
       </a:spcAft>
       <a:buNone/>
-      <a:defRPr b="0" baseline="0" i="0" sz="1400" u="none" cap="none" strike="noStrike">
+      <a:defRPr sz="1400" b="0" i="0" u="none" strike="noStrike" cap="none" baseline="0">
         <a:solidFill>
           <a:srgbClr val="000000"/>
         </a:solidFill>
@@ -210,7 +210,7 @@
         <a:rtl val="0"/>
       </a:defRPr>
     </a:lvl8pPr>
-    <a:lvl9pPr marR="0" rtl="0" algn="l">
+    <a:lvl9pPr marR="0" algn="l" rtl="0">
       <a:lnSpc>
         <a:spcPct val="100000"/>
       </a:lnSpc>
@@ -221,7 +221,7 @@
         <a:spcPts val="0"/>
       </a:spcAft>
       <a:buNone/>
-      <a:defRPr b="0" baseline="0" i="0" sz="1400" u="none" cap="none" strike="noStrike">
+      <a:defRPr sz="1400" b="0" i="0" u="none" strike="noStrike" cap="none" baseline="0">
         <a:solidFill>
           <a:srgbClr val="000000"/>
         </a:solidFill>
@@ -237,8 +237,13 @@
 </file>
 
 <file path=ppt/notesMasters/notesMaster1.xml><?xml version="1.0" encoding="utf-8"?>
-<p:notesMaster xmlns:a="http://schemas.openxmlformats.org/drawingml/2006/main" xmlns:r="http://schemas.openxmlformats.org/officeDocument/2006/relationships" xmlns:mc="http://schemas.openxmlformats.org/markup-compatibility/2006" xmlns:mv="urn:schemas-microsoft-com:mac:vml" xmlns:p="http://schemas.openxmlformats.org/presentationml/2006/main" xmlns:c="http://schemas.openxmlformats.org/drawingml/2006/chart" xmlns:dgm="http://schemas.openxmlformats.org/drawingml/2006/diagram" xmlns:o="urn:schemas-microsoft-com:office:office" xmlns:v="urn:schemas-microsoft-com:vml" xmlns:pvml="urn:schemas-microsoft-com:office:powerpoint" xmlns:com="http://schemas.openxmlformats.org/drawingml/2006/compatibility" xmlns:p14="http://schemas.microsoft.com/office/powerpoint/2010/main">
+<p:notesMaster xmlns:a="http://schemas.openxmlformats.org/drawingml/2006/main" xmlns:r="http://schemas.openxmlformats.org/officeDocument/2006/relationships" xmlns:p="http://schemas.openxmlformats.org/presentationml/2006/main">
   <p:cSld>
+    <p:bg>
+      <p:bgRef idx="1001">
+        <a:schemeClr val="bg1"/>
+      </p:bgRef>
+    </p:bg>
     <p:spTree>
       <p:nvGrpSpPr>
         <p:cNvPr id="1" name="Shape 1"/>
@@ -256,9 +261,11 @@
       <p:sp>
         <p:nvSpPr>
           <p:cNvPr id="2" name="Shape 2"/>
-          <p:cNvSpPr/>
+          <p:cNvSpPr>
+            <a:spLocks noGrp="1" noRot="1" noChangeAspect="1"/>
+          </p:cNvSpPr>
           <p:nvPr>
-            <p:ph idx="2" type="sldImg"/>
+            <p:ph type="sldImg" idx="2"/>
           </p:nvPr>
         </p:nvSpPr>
         <p:spPr>
@@ -267,8 +274,13 @@
             <a:ext cx="6096299" cy="3429000"/>
           </a:xfrm>
           <a:custGeom>
+            <a:avLst/>
+            <a:gdLst/>
+            <a:ahLst/>
+            <a:cxnLst/>
+            <a:rect l="0" t="0" r="0" b="0"/>
             <a:pathLst>
-              <a:path extrusionOk="0" h="120000" w="120000">
+              <a:path w="120000" h="120000" extrusionOk="0">
                 <a:moveTo>
                   <a:pt x="0" y="0"/>
                 </a:moveTo>
@@ -286,23 +298,25 @@
             </a:pathLst>
           </a:custGeom>
           <a:noFill/>
-          <a:ln cap="flat" w="9525">
+          <a:ln w="9525" cap="flat">
             <a:solidFill>
               <a:srgbClr val="000000"/>
             </a:solidFill>
             <a:prstDash val="solid"/>
             <a:round/>
-            <a:headEnd len="med" w="med" type="none"/>
-            <a:tailEnd len="med" w="med" type="none"/>
+            <a:headEnd type="none" w="med" len="med"/>
+            <a:tailEnd type="none" w="med" len="med"/>
           </a:ln>
         </p:spPr>
       </p:sp>
       <p:sp>
         <p:nvSpPr>
           <p:cNvPr id="3" name="Shape 3"/>
-          <p:cNvSpPr txBox="1"/>
+          <p:cNvSpPr txBox="1">
+            <a:spLocks noGrp="1"/>
+          </p:cNvSpPr>
           <p:nvPr>
-            <p:ph idx="1" type="body"/>
+            <p:ph type="body" idx="1"/>
           </p:nvPr>
         </p:nvSpPr>
         <p:spPr>
@@ -319,7 +333,7 @@
           </a:ln>
         </p:spPr>
         <p:txBody>
-          <a:bodyPr anchorCtr="0" anchor="t" bIns="91425" lIns="91425" rIns="91425" tIns="91425"/>
+          <a:bodyPr lIns="91425" tIns="91425" rIns="91425" bIns="91425" anchor="t" anchorCtr="0"/>
           <a:lstStyle>
             <a:lvl1pPr>
               <a:spcBef>
@@ -376,21 +390,120 @@
               <a:defRPr sz="1100"/>
             </a:lvl9pPr>
           </a:lstStyle>
-          <a:p/>
+          <a:p>
+            <a:endParaRPr/>
+          </a:p>
         </p:txBody>
       </p:sp>
     </p:spTree>
+    <p:extLst>
+      <p:ext uri="{BB962C8B-B14F-4D97-AF65-F5344CB8AC3E}">
+        <p14:creationId xmlns:p14="http://schemas.microsoft.com/office/powerpoint/2010/main" val="3255902483"/>
+      </p:ext>
+    </p:extLst>
   </p:cSld>
-  <p:clrMap accent1="accent1" accent2="accent2" accent3="accent3" accent4="accent4" accent5="accent5" accent6="accent6" bg1="lt1" bg2="dk2" tx1="dk1" tx2="lt2" folHlink="folHlink" hlink="hlink"/>
+  <p:clrMap bg1="lt1" tx1="dk1" bg2="dk2" tx2="lt2" accent1="accent1" accent2="accent2" accent3="accent3" accent4="accent4" accent5="accent5" accent6="accent6" hlink="hlink" folHlink="folHlink"/>
+  <p:notesStyle>
+    <a:lvl1pPr marL="0" algn="l" defTabSz="914400" rtl="0" eaLnBrk="1" latinLnBrk="0" hangingPunct="1">
+      <a:defRPr sz="1200" kern="1200">
+        <a:solidFill>
+          <a:schemeClr val="tx1"/>
+        </a:solidFill>
+        <a:latin typeface="+mn-lt"/>
+        <a:ea typeface="+mn-ea"/>
+        <a:cs typeface="+mn-cs"/>
+      </a:defRPr>
+    </a:lvl1pPr>
+    <a:lvl2pPr marL="457200" algn="l" defTabSz="914400" rtl="0" eaLnBrk="1" latinLnBrk="0" hangingPunct="1">
+      <a:defRPr sz="1200" kern="1200">
+        <a:solidFill>
+          <a:schemeClr val="tx1"/>
+        </a:solidFill>
+        <a:latin typeface="+mn-lt"/>
+        <a:ea typeface="+mn-ea"/>
+        <a:cs typeface="+mn-cs"/>
+      </a:defRPr>
+    </a:lvl2pPr>
+    <a:lvl3pPr marL="914400" algn="l" defTabSz="914400" rtl="0" eaLnBrk="1" latinLnBrk="0" hangingPunct="1">
+      <a:defRPr sz="1200" kern="1200">
+        <a:solidFill>
+          <a:schemeClr val="tx1"/>
+        </a:solidFill>
+        <a:latin typeface="+mn-lt"/>
+        <a:ea typeface="+mn-ea"/>
+        <a:cs typeface="+mn-cs"/>
+      </a:defRPr>
+    </a:lvl3pPr>
+    <a:lvl4pPr marL="1371600" algn="l" defTabSz="914400" rtl="0" eaLnBrk="1" latinLnBrk="0" hangingPunct="1">
+      <a:defRPr sz="1200" kern="1200">
+        <a:solidFill>
+          <a:schemeClr val="tx1"/>
+        </a:solidFill>
+        <a:latin typeface="+mn-lt"/>
+        <a:ea typeface="+mn-ea"/>
+        <a:cs typeface="+mn-cs"/>
+      </a:defRPr>
+    </a:lvl4pPr>
+    <a:lvl5pPr marL="1828800" algn="l" defTabSz="914400" rtl="0" eaLnBrk="1" latinLnBrk="0" hangingPunct="1">
+      <a:defRPr sz="1200" kern="1200">
+        <a:solidFill>
+          <a:schemeClr val="tx1"/>
+        </a:solidFill>
+        <a:latin typeface="+mn-lt"/>
+        <a:ea typeface="+mn-ea"/>
+        <a:cs typeface="+mn-cs"/>
+      </a:defRPr>
+    </a:lvl5pPr>
+    <a:lvl6pPr marL="2286000" algn="l" defTabSz="914400" rtl="0" eaLnBrk="1" latinLnBrk="0" hangingPunct="1">
+      <a:defRPr sz="1200" kern="1200">
+        <a:solidFill>
+          <a:schemeClr val="tx1"/>
+        </a:solidFill>
+        <a:latin typeface="+mn-lt"/>
+        <a:ea typeface="+mn-ea"/>
+        <a:cs typeface="+mn-cs"/>
+      </a:defRPr>
+    </a:lvl6pPr>
+    <a:lvl7pPr marL="2743200" algn="l" defTabSz="914400" rtl="0" eaLnBrk="1" latinLnBrk="0" hangingPunct="1">
+      <a:defRPr sz="1200" kern="1200">
+        <a:solidFill>
+          <a:schemeClr val="tx1"/>
+        </a:solidFill>
+        <a:latin typeface="+mn-lt"/>
+        <a:ea typeface="+mn-ea"/>
+        <a:cs typeface="+mn-cs"/>
+      </a:defRPr>
+    </a:lvl7pPr>
+    <a:lvl8pPr marL="3200400" algn="l" defTabSz="914400" rtl="0" eaLnBrk="1" latinLnBrk="0" hangingPunct="1">
+      <a:defRPr sz="1200" kern="1200">
+        <a:solidFill>
+          <a:schemeClr val="tx1"/>
+        </a:solidFill>
+        <a:latin typeface="+mn-lt"/>
+        <a:ea typeface="+mn-ea"/>
+        <a:cs typeface="+mn-cs"/>
+      </a:defRPr>
+    </a:lvl8pPr>
+    <a:lvl9pPr marL="3657600" algn="l" defTabSz="914400" rtl="0" eaLnBrk="1" latinLnBrk="0" hangingPunct="1">
+      <a:defRPr sz="1200" kern="1200">
+        <a:solidFill>
+          <a:schemeClr val="tx1"/>
+        </a:solidFill>
+        <a:latin typeface="+mn-lt"/>
+        <a:ea typeface="+mn-ea"/>
+        <a:cs typeface="+mn-cs"/>
+      </a:defRPr>
+    </a:lvl9pPr>
+  </p:notesStyle>
 </p:notesMaster>
 </file>
 
 <file path=ppt/notesSlides/notesSlide1.xml><?xml version="1.0" encoding="utf-8"?>
-<p:notes xmlns:a="http://schemas.openxmlformats.org/drawingml/2006/main" xmlns:r="http://schemas.openxmlformats.org/officeDocument/2006/relationships" xmlns:mc="http://schemas.openxmlformats.org/markup-compatibility/2006" xmlns:mv="urn:schemas-microsoft-com:mac:vml" xmlns:p="http://schemas.openxmlformats.org/presentationml/2006/main" xmlns:c="http://schemas.openxmlformats.org/drawingml/2006/chart" xmlns:dgm="http://schemas.openxmlformats.org/drawingml/2006/diagram" xmlns:o="urn:schemas-microsoft-com:office:office" xmlns:v="urn:schemas-microsoft-com:vml" xmlns:pvml="urn:schemas-microsoft-com:office:powerpoint" xmlns:com="http://schemas.openxmlformats.org/drawingml/2006/compatibility" xmlns:p14="http://schemas.microsoft.com/office/powerpoint/2010/main" showMasterPhAnim="0" showMasterSp="0">
+<p:notes xmlns:a="http://schemas.openxmlformats.org/drawingml/2006/main" xmlns:r="http://schemas.openxmlformats.org/officeDocument/2006/relationships" xmlns:p="http://schemas.openxmlformats.org/presentationml/2006/main" showMasterSp="0" showMasterPhAnim="0">
   <p:cSld>
     <p:spTree>
       <p:nvGrpSpPr>
-        <p:cNvPr id="33" name="Shape 33"/>
+        <p:cNvPr id="1" name="Shape 33"/>
         <p:cNvGrpSpPr/>
         <p:nvPr/>
       </p:nvGrpSpPr>
@@ -405,9 +518,11 @@
       <p:sp>
         <p:nvSpPr>
           <p:cNvPr id="34" name="Shape 34"/>
-          <p:cNvSpPr/>
+          <p:cNvSpPr>
+            <a:spLocks noGrp="1" noRot="1" noChangeAspect="1"/>
+          </p:cNvSpPr>
           <p:nvPr>
-            <p:ph idx="2" type="sldImg"/>
+            <p:ph type="sldImg" idx="2"/>
           </p:nvPr>
         </p:nvSpPr>
         <p:spPr>
@@ -416,8 +531,13 @@
             <a:ext cx="6096299" cy="3429000"/>
           </a:xfrm>
           <a:custGeom>
+            <a:avLst/>
+            <a:gdLst/>
+            <a:ahLst/>
+            <a:cxnLst/>
+            <a:rect l="0" t="0" r="0" b="0"/>
             <a:pathLst>
-              <a:path extrusionOk="0" h="120000" w="120000">
+              <a:path w="120000" h="120000" extrusionOk="0">
                 <a:moveTo>
                   <a:pt x="0" y="0"/>
                 </a:moveTo>
@@ -435,23 +555,25 @@
             </a:pathLst>
           </a:custGeom>
           <a:noFill/>
-          <a:ln cap="flat" w="9525">
+          <a:ln w="9525" cap="flat">
             <a:solidFill>
               <a:srgbClr val="000000"/>
             </a:solidFill>
             <a:prstDash val="solid"/>
             <a:round/>
-            <a:headEnd len="med" w="med" type="none"/>
-            <a:tailEnd len="med" w="med" type="none"/>
+            <a:headEnd type="none" w="med" len="med"/>
+            <a:tailEnd type="none" w="med" len="med"/>
           </a:ln>
         </p:spPr>
       </p:sp>
       <p:sp>
         <p:nvSpPr>
           <p:cNvPr id="35" name="Shape 35"/>
-          <p:cNvSpPr txBox="1"/>
+          <p:cNvSpPr txBox="1">
+            <a:spLocks noGrp="1"/>
+          </p:cNvSpPr>
           <p:nvPr>
-            <p:ph idx="1" type="body"/>
+            <p:ph type="body" idx="1"/>
           </p:nvPr>
         </p:nvSpPr>
         <p:spPr>
@@ -464,7 +586,7 @@
           </a:prstGeom>
         </p:spPr>
         <p:txBody>
-          <a:bodyPr anchorCtr="0" anchor="t" bIns="91425" lIns="91425" rIns="91425" tIns="91425">
+          <a:bodyPr lIns="91425" tIns="91425" rIns="91425" bIns="91425" anchor="t" anchorCtr="0">
             <a:noAutofit/>
           </a:bodyPr>
           <a:lstStyle/>
@@ -475,9 +597,6 @@
               </a:spcBef>
               <a:buNone/>
             </a:pPr>
-            <a:r>
-              <a:t/>
-            </a:r>
             <a:endParaRPr/>
           </a:p>
         </p:txBody>
@@ -491,11 +610,11 @@
 </file>
 
 <file path=ppt/notesSlides/notesSlide10.xml><?xml version="1.0" encoding="utf-8"?>
-<p:notes xmlns:a="http://schemas.openxmlformats.org/drawingml/2006/main" xmlns:r="http://schemas.openxmlformats.org/officeDocument/2006/relationships" xmlns:mc="http://schemas.openxmlformats.org/markup-compatibility/2006" xmlns:mv="urn:schemas-microsoft-com:mac:vml" xmlns:p="http://schemas.openxmlformats.org/presentationml/2006/main" xmlns:c="http://schemas.openxmlformats.org/drawingml/2006/chart" xmlns:dgm="http://schemas.openxmlformats.org/drawingml/2006/diagram" xmlns:o="urn:schemas-microsoft-com:office:office" xmlns:v="urn:schemas-microsoft-com:vml" xmlns:pvml="urn:schemas-microsoft-com:office:powerpoint" xmlns:com="http://schemas.openxmlformats.org/drawingml/2006/compatibility" xmlns:p14="http://schemas.microsoft.com/office/powerpoint/2010/main" showMasterPhAnim="0" showMasterSp="0">
+<p:notes xmlns:a="http://schemas.openxmlformats.org/drawingml/2006/main" xmlns:r="http://schemas.openxmlformats.org/officeDocument/2006/relationships" xmlns:p="http://schemas.openxmlformats.org/presentationml/2006/main" showMasterSp="0" showMasterPhAnim="0">
   <p:cSld>
     <p:spTree>
       <p:nvGrpSpPr>
-        <p:cNvPr id="92" name="Shape 92"/>
+        <p:cNvPr id="1" name="Shape 92"/>
         <p:cNvGrpSpPr/>
         <p:nvPr/>
       </p:nvGrpSpPr>
@@ -510,9 +629,11 @@
       <p:sp>
         <p:nvSpPr>
           <p:cNvPr id="93" name="Shape 93"/>
-          <p:cNvSpPr/>
+          <p:cNvSpPr>
+            <a:spLocks noGrp="1" noRot="1" noChangeAspect="1"/>
+          </p:cNvSpPr>
           <p:nvPr>
-            <p:ph idx="2" type="sldImg"/>
+            <p:ph type="sldImg" idx="2"/>
           </p:nvPr>
         </p:nvSpPr>
         <p:spPr>
@@ -521,8 +642,13 @@
             <a:ext cx="6096299" cy="3429000"/>
           </a:xfrm>
           <a:custGeom>
+            <a:avLst/>
+            <a:gdLst/>
+            <a:ahLst/>
+            <a:cxnLst/>
+            <a:rect l="0" t="0" r="0" b="0"/>
             <a:pathLst>
-              <a:path extrusionOk="0" h="120000" w="120000">
+              <a:path w="120000" h="120000" extrusionOk="0">
                 <a:moveTo>
                   <a:pt x="0" y="0"/>
                 </a:moveTo>
@@ -540,23 +666,25 @@
             </a:pathLst>
           </a:custGeom>
           <a:noFill/>
-          <a:ln cap="flat" w="9525">
+          <a:ln w="9525" cap="flat">
             <a:solidFill>
               <a:srgbClr val="000000"/>
             </a:solidFill>
             <a:prstDash val="solid"/>
             <a:round/>
-            <a:headEnd len="med" w="med" type="none"/>
-            <a:tailEnd len="med" w="med" type="none"/>
+            <a:headEnd type="none" w="med" len="med"/>
+            <a:tailEnd type="none" w="med" len="med"/>
           </a:ln>
         </p:spPr>
       </p:sp>
       <p:sp>
         <p:nvSpPr>
           <p:cNvPr id="94" name="Shape 94"/>
-          <p:cNvSpPr txBox="1"/>
+          <p:cNvSpPr txBox="1">
+            <a:spLocks noGrp="1"/>
+          </p:cNvSpPr>
           <p:nvPr>
-            <p:ph idx="1" type="body"/>
+            <p:ph type="body" idx="1"/>
           </p:nvPr>
         </p:nvSpPr>
         <p:spPr>
@@ -569,7 +697,7 @@
           </a:prstGeom>
         </p:spPr>
         <p:txBody>
-          <a:bodyPr anchorCtr="0" anchor="t" bIns="91425" lIns="91425" rIns="91425" tIns="91425">
+          <a:bodyPr lIns="91425" tIns="91425" rIns="91425" bIns="91425" anchor="t" anchorCtr="0">
             <a:noAutofit/>
           </a:bodyPr>
           <a:lstStyle/>
@@ -580,9 +708,6 @@
               </a:spcBef>
               <a:buNone/>
             </a:pPr>
-            <a:r>
-              <a:t/>
-            </a:r>
             <a:endParaRPr/>
           </a:p>
         </p:txBody>
@@ -596,11 +721,11 @@
 </file>
 
 <file path=ppt/notesSlides/notesSlide11.xml><?xml version="1.0" encoding="utf-8"?>
-<p:notes xmlns:a="http://schemas.openxmlformats.org/drawingml/2006/main" xmlns:r="http://schemas.openxmlformats.org/officeDocument/2006/relationships" xmlns:mc="http://schemas.openxmlformats.org/markup-compatibility/2006" xmlns:mv="urn:schemas-microsoft-com:mac:vml" xmlns:p="http://schemas.openxmlformats.org/presentationml/2006/main" xmlns:c="http://schemas.openxmlformats.org/drawingml/2006/chart" xmlns:dgm="http://schemas.openxmlformats.org/drawingml/2006/diagram" xmlns:o="urn:schemas-microsoft-com:office:office" xmlns:v="urn:schemas-microsoft-com:vml" xmlns:pvml="urn:schemas-microsoft-com:office:powerpoint" xmlns:com="http://schemas.openxmlformats.org/drawingml/2006/compatibility" xmlns:p14="http://schemas.microsoft.com/office/powerpoint/2010/main" showMasterPhAnim="0" showMasterSp="0">
+<p:notes xmlns:a="http://schemas.openxmlformats.org/drawingml/2006/main" xmlns:r="http://schemas.openxmlformats.org/officeDocument/2006/relationships" xmlns:p="http://schemas.openxmlformats.org/presentationml/2006/main" showMasterSp="0" showMasterPhAnim="0">
   <p:cSld>
     <p:spTree>
       <p:nvGrpSpPr>
-        <p:cNvPr id="98" name="Shape 98"/>
+        <p:cNvPr id="1" name="Shape 98"/>
         <p:cNvGrpSpPr/>
         <p:nvPr/>
       </p:nvGrpSpPr>
@@ -615,19 +740,26 @@
       <p:sp>
         <p:nvSpPr>
           <p:cNvPr id="99" name="Shape 99"/>
-          <p:cNvSpPr/>
+          <p:cNvSpPr>
+            <a:spLocks noGrp="1" noRot="1" noChangeAspect="1"/>
+          </p:cNvSpPr>
           <p:nvPr>
-            <p:ph idx="2" type="sldImg"/>
+            <p:ph type="sldImg" idx="2"/>
           </p:nvPr>
         </p:nvSpPr>
         <p:spPr>
           <a:xfrm>
-            <a:off x="381187" y="685800"/>
-            <a:ext cx="6096299" cy="3429000"/>
+            <a:off x="381000" y="685800"/>
+            <a:ext cx="6096000" cy="3429000"/>
           </a:xfrm>
           <a:custGeom>
+            <a:avLst/>
+            <a:gdLst/>
+            <a:ahLst/>
+            <a:cxnLst/>
+            <a:rect l="0" t="0" r="0" b="0"/>
             <a:pathLst>
-              <a:path extrusionOk="0" h="120000" w="120000">
+              <a:path w="120000" h="120000" extrusionOk="0">
                 <a:moveTo>
                   <a:pt x="0" y="0"/>
                 </a:moveTo>
@@ -645,23 +777,25 @@
             </a:pathLst>
           </a:custGeom>
           <a:noFill/>
-          <a:ln cap="flat" w="9525">
+          <a:ln w="9525" cap="flat">
             <a:solidFill>
               <a:srgbClr val="000000"/>
             </a:solidFill>
             <a:prstDash val="solid"/>
             <a:round/>
-            <a:headEnd len="med" w="med" type="none"/>
-            <a:tailEnd len="med" w="med" type="none"/>
+            <a:headEnd type="none" w="med" len="med"/>
+            <a:tailEnd type="none" w="med" len="med"/>
           </a:ln>
         </p:spPr>
       </p:sp>
       <p:sp>
         <p:nvSpPr>
           <p:cNvPr id="100" name="Shape 100"/>
-          <p:cNvSpPr txBox="1"/>
+          <p:cNvSpPr txBox="1">
+            <a:spLocks noGrp="1"/>
+          </p:cNvSpPr>
           <p:nvPr>
-            <p:ph idx="1" type="body"/>
+            <p:ph type="body" idx="1"/>
           </p:nvPr>
         </p:nvSpPr>
         <p:spPr>
@@ -674,7 +808,7 @@
           </a:prstGeom>
         </p:spPr>
         <p:txBody>
-          <a:bodyPr anchorCtr="0" anchor="t" bIns="91425" lIns="91425" rIns="91425" tIns="91425">
+          <a:bodyPr lIns="91425" tIns="91425" rIns="91425" bIns="91425" anchor="t" anchorCtr="0">
             <a:noAutofit/>
           </a:bodyPr>
           <a:lstStyle/>
@@ -685,9 +819,6 @@
               </a:spcBef>
               <a:buNone/>
             </a:pPr>
-            <a:r>
-              <a:t/>
-            </a:r>
             <a:endParaRPr/>
           </a:p>
         </p:txBody>
@@ -701,11 +832,11 @@
 </file>
 
 <file path=ppt/notesSlides/notesSlide2.xml><?xml version="1.0" encoding="utf-8"?>
-<p:notes xmlns:a="http://schemas.openxmlformats.org/drawingml/2006/main" xmlns:r="http://schemas.openxmlformats.org/officeDocument/2006/relationships" xmlns:mc="http://schemas.openxmlformats.org/markup-compatibility/2006" xmlns:mv="urn:schemas-microsoft-com:mac:vml" xmlns:p="http://schemas.openxmlformats.org/presentationml/2006/main" xmlns:c="http://schemas.openxmlformats.org/drawingml/2006/chart" xmlns:dgm="http://schemas.openxmlformats.org/drawingml/2006/diagram" xmlns:o="urn:schemas-microsoft-com:office:office" xmlns:v="urn:schemas-microsoft-com:vml" xmlns:pvml="urn:schemas-microsoft-com:office:powerpoint" xmlns:com="http://schemas.openxmlformats.org/drawingml/2006/compatibility" xmlns:p14="http://schemas.microsoft.com/office/powerpoint/2010/main" showMasterPhAnim="0" showMasterSp="0">
+<p:notes xmlns:a="http://schemas.openxmlformats.org/drawingml/2006/main" xmlns:r="http://schemas.openxmlformats.org/officeDocument/2006/relationships" xmlns:p="http://schemas.openxmlformats.org/presentationml/2006/main" showMasterSp="0" showMasterPhAnim="0">
   <p:cSld>
     <p:spTree>
       <p:nvGrpSpPr>
-        <p:cNvPr id="39" name="Shape 39"/>
+        <p:cNvPr id="1" name="Shape 39"/>
         <p:cNvGrpSpPr/>
         <p:nvPr/>
       </p:nvGrpSpPr>
@@ -720,9 +851,11 @@
       <p:sp>
         <p:nvSpPr>
           <p:cNvPr id="40" name="Shape 40"/>
-          <p:cNvSpPr/>
+          <p:cNvSpPr>
+            <a:spLocks noGrp="1" noRot="1" noChangeAspect="1"/>
+          </p:cNvSpPr>
           <p:nvPr>
-            <p:ph idx="2" type="sldImg"/>
+            <p:ph type="sldImg" idx="2"/>
           </p:nvPr>
         </p:nvSpPr>
         <p:spPr>
@@ -731,8 +864,13 @@
             <a:ext cx="6096299" cy="3429000"/>
           </a:xfrm>
           <a:custGeom>
+            <a:avLst/>
+            <a:gdLst/>
+            <a:ahLst/>
+            <a:cxnLst/>
+            <a:rect l="0" t="0" r="0" b="0"/>
             <a:pathLst>
-              <a:path extrusionOk="0" h="120000" w="120000">
+              <a:path w="120000" h="120000" extrusionOk="0">
                 <a:moveTo>
                   <a:pt x="0" y="0"/>
                 </a:moveTo>
@@ -750,23 +888,25 @@
             </a:pathLst>
           </a:custGeom>
           <a:noFill/>
-          <a:ln cap="flat" w="9525">
+          <a:ln w="9525" cap="flat">
             <a:solidFill>
               <a:srgbClr val="000000"/>
             </a:solidFill>
             <a:prstDash val="solid"/>
             <a:round/>
-            <a:headEnd len="med" w="med" type="none"/>
-            <a:tailEnd len="med" w="med" type="none"/>
+            <a:headEnd type="none" w="med" len="med"/>
+            <a:tailEnd type="none" w="med" len="med"/>
           </a:ln>
         </p:spPr>
       </p:sp>
       <p:sp>
         <p:nvSpPr>
           <p:cNvPr id="41" name="Shape 41"/>
-          <p:cNvSpPr txBox="1"/>
+          <p:cNvSpPr txBox="1">
+            <a:spLocks noGrp="1"/>
+          </p:cNvSpPr>
           <p:nvPr>
-            <p:ph idx="1" type="body"/>
+            <p:ph type="body" idx="1"/>
           </p:nvPr>
         </p:nvSpPr>
         <p:spPr>
@@ -779,7 +919,7 @@
           </a:prstGeom>
         </p:spPr>
         <p:txBody>
-          <a:bodyPr anchorCtr="0" anchor="t" bIns="91425" lIns="91425" rIns="91425" tIns="91425">
+          <a:bodyPr lIns="91425" tIns="91425" rIns="91425" bIns="91425" anchor="t" anchorCtr="0">
             <a:noAutofit/>
           </a:bodyPr>
           <a:lstStyle/>
@@ -790,9 +930,6 @@
               </a:spcBef>
               <a:buNone/>
             </a:pPr>
-            <a:r>
-              <a:t/>
-            </a:r>
             <a:endParaRPr/>
           </a:p>
         </p:txBody>
@@ -806,11 +943,11 @@
 </file>
 
 <file path=ppt/notesSlides/notesSlide3.xml><?xml version="1.0" encoding="utf-8"?>
-<p:notes xmlns:a="http://schemas.openxmlformats.org/drawingml/2006/main" xmlns:r="http://schemas.openxmlformats.org/officeDocument/2006/relationships" xmlns:mc="http://schemas.openxmlformats.org/markup-compatibility/2006" xmlns:mv="urn:schemas-microsoft-com:mac:vml" xmlns:p="http://schemas.openxmlformats.org/presentationml/2006/main" xmlns:c="http://schemas.openxmlformats.org/drawingml/2006/chart" xmlns:dgm="http://schemas.openxmlformats.org/drawingml/2006/diagram" xmlns:o="urn:schemas-microsoft-com:office:office" xmlns:v="urn:schemas-microsoft-com:vml" xmlns:pvml="urn:schemas-microsoft-com:office:powerpoint" xmlns:com="http://schemas.openxmlformats.org/drawingml/2006/compatibility" xmlns:p14="http://schemas.microsoft.com/office/powerpoint/2010/main" showMasterPhAnim="0" showMasterSp="0">
+<p:notes xmlns:a="http://schemas.openxmlformats.org/drawingml/2006/main" xmlns:r="http://schemas.openxmlformats.org/officeDocument/2006/relationships" xmlns:p="http://schemas.openxmlformats.org/presentationml/2006/main" showMasterSp="0" showMasterPhAnim="0">
   <p:cSld>
     <p:spTree>
       <p:nvGrpSpPr>
-        <p:cNvPr id="45" name="Shape 45"/>
+        <p:cNvPr id="1" name="Shape 45"/>
         <p:cNvGrpSpPr/>
         <p:nvPr/>
       </p:nvGrpSpPr>
@@ -825,9 +962,11 @@
       <p:sp>
         <p:nvSpPr>
           <p:cNvPr id="46" name="Shape 46"/>
-          <p:cNvSpPr/>
+          <p:cNvSpPr>
+            <a:spLocks noGrp="1" noRot="1" noChangeAspect="1"/>
+          </p:cNvSpPr>
           <p:nvPr>
-            <p:ph idx="2" type="sldImg"/>
+            <p:ph type="sldImg" idx="2"/>
           </p:nvPr>
         </p:nvSpPr>
         <p:spPr>
@@ -836,8 +975,13 @@
             <a:ext cx="6096299" cy="3429000"/>
           </a:xfrm>
           <a:custGeom>
+            <a:avLst/>
+            <a:gdLst/>
+            <a:ahLst/>
+            <a:cxnLst/>
+            <a:rect l="0" t="0" r="0" b="0"/>
             <a:pathLst>
-              <a:path extrusionOk="0" h="120000" w="120000">
+              <a:path w="120000" h="120000" extrusionOk="0">
                 <a:moveTo>
                   <a:pt x="0" y="0"/>
                 </a:moveTo>
@@ -855,23 +999,25 @@
             </a:pathLst>
           </a:custGeom>
           <a:noFill/>
-          <a:ln cap="flat" w="9525">
+          <a:ln w="9525" cap="flat">
             <a:solidFill>
               <a:srgbClr val="000000"/>
             </a:solidFill>
             <a:prstDash val="solid"/>
             <a:round/>
-            <a:headEnd len="med" w="med" type="none"/>
-            <a:tailEnd len="med" w="med" type="none"/>
+            <a:headEnd type="none" w="med" len="med"/>
+            <a:tailEnd type="none" w="med" len="med"/>
           </a:ln>
         </p:spPr>
       </p:sp>
       <p:sp>
         <p:nvSpPr>
           <p:cNvPr id="47" name="Shape 47"/>
-          <p:cNvSpPr txBox="1"/>
+          <p:cNvSpPr txBox="1">
+            <a:spLocks noGrp="1"/>
+          </p:cNvSpPr>
           <p:nvPr>
-            <p:ph idx="1" type="body"/>
+            <p:ph type="body" idx="1"/>
           </p:nvPr>
         </p:nvSpPr>
         <p:spPr>
@@ -884,7 +1030,7 @@
           </a:prstGeom>
         </p:spPr>
         <p:txBody>
-          <a:bodyPr anchorCtr="0" anchor="t" bIns="91425" lIns="91425" rIns="91425" tIns="91425">
+          <a:bodyPr lIns="91425" tIns="91425" rIns="91425" bIns="91425" anchor="t" anchorCtr="0">
             <a:noAutofit/>
           </a:bodyPr>
           <a:lstStyle/>
@@ -911,11 +1057,11 @@
 </file>
 
 <file path=ppt/notesSlides/notesSlide4.xml><?xml version="1.0" encoding="utf-8"?>
-<p:notes xmlns:a="http://schemas.openxmlformats.org/drawingml/2006/main" xmlns:r="http://schemas.openxmlformats.org/officeDocument/2006/relationships" xmlns:mc="http://schemas.openxmlformats.org/markup-compatibility/2006" xmlns:mv="urn:schemas-microsoft-com:mac:vml" xmlns:p="http://schemas.openxmlformats.org/presentationml/2006/main" xmlns:c="http://schemas.openxmlformats.org/drawingml/2006/chart" xmlns:dgm="http://schemas.openxmlformats.org/drawingml/2006/diagram" xmlns:o="urn:schemas-microsoft-com:office:office" xmlns:v="urn:schemas-microsoft-com:vml" xmlns:pvml="urn:schemas-microsoft-com:office:powerpoint" xmlns:com="http://schemas.openxmlformats.org/drawingml/2006/compatibility" xmlns:p14="http://schemas.microsoft.com/office/powerpoint/2010/main" showMasterPhAnim="0" showMasterSp="0">
+<p:notes xmlns:a="http://schemas.openxmlformats.org/drawingml/2006/main" xmlns:r="http://schemas.openxmlformats.org/officeDocument/2006/relationships" xmlns:p="http://schemas.openxmlformats.org/presentationml/2006/main" showMasterSp="0" showMasterPhAnim="0">
   <p:cSld>
     <p:spTree>
       <p:nvGrpSpPr>
-        <p:cNvPr id="52" name="Shape 52"/>
+        <p:cNvPr id="1" name="Shape 52"/>
         <p:cNvGrpSpPr/>
         <p:nvPr/>
       </p:nvGrpSpPr>
@@ -930,9 +1076,11 @@
       <p:sp>
         <p:nvSpPr>
           <p:cNvPr id="53" name="Shape 53"/>
-          <p:cNvSpPr/>
+          <p:cNvSpPr>
+            <a:spLocks noGrp="1" noRot="1" noChangeAspect="1"/>
+          </p:cNvSpPr>
           <p:nvPr>
-            <p:ph idx="2" type="sldImg"/>
+            <p:ph type="sldImg" idx="2"/>
           </p:nvPr>
         </p:nvSpPr>
         <p:spPr>
@@ -941,8 +1089,13 @@
             <a:ext cx="6096299" cy="3429000"/>
           </a:xfrm>
           <a:custGeom>
+            <a:avLst/>
+            <a:gdLst/>
+            <a:ahLst/>
+            <a:cxnLst/>
+            <a:rect l="0" t="0" r="0" b="0"/>
             <a:pathLst>
-              <a:path extrusionOk="0" h="120000" w="120000">
+              <a:path w="120000" h="120000" extrusionOk="0">
                 <a:moveTo>
                   <a:pt x="0" y="0"/>
                 </a:moveTo>
@@ -960,23 +1113,25 @@
             </a:pathLst>
           </a:custGeom>
           <a:noFill/>
-          <a:ln cap="flat" w="9525">
+          <a:ln w="9525" cap="flat">
             <a:solidFill>
               <a:srgbClr val="000000"/>
             </a:solidFill>
             <a:prstDash val="solid"/>
             <a:round/>
-            <a:headEnd len="med" w="med" type="none"/>
-            <a:tailEnd len="med" w="med" type="none"/>
+            <a:headEnd type="none" w="med" len="med"/>
+            <a:tailEnd type="none" w="med" len="med"/>
           </a:ln>
         </p:spPr>
       </p:sp>
       <p:sp>
         <p:nvSpPr>
           <p:cNvPr id="54" name="Shape 54"/>
-          <p:cNvSpPr txBox="1"/>
+          <p:cNvSpPr txBox="1">
+            <a:spLocks noGrp="1"/>
+          </p:cNvSpPr>
           <p:nvPr>
-            <p:ph idx="1" type="body"/>
+            <p:ph type="body" idx="1"/>
           </p:nvPr>
         </p:nvSpPr>
         <p:spPr>
@@ -989,7 +1144,7 @@
           </a:prstGeom>
         </p:spPr>
         <p:txBody>
-          <a:bodyPr anchorCtr="0" anchor="t" bIns="91425" lIns="91425" rIns="91425" tIns="91425">
+          <a:bodyPr lIns="91425" tIns="91425" rIns="91425" bIns="91425" anchor="t" anchorCtr="0">
             <a:noAutofit/>
           </a:bodyPr>
           <a:lstStyle/>
@@ -1000,9 +1155,6 @@
               </a:spcBef>
               <a:buNone/>
             </a:pPr>
-            <a:r>
-              <a:t/>
-            </a:r>
             <a:endParaRPr/>
           </a:p>
         </p:txBody>
@@ -1016,11 +1168,11 @@
 </file>
 
 <file path=ppt/notesSlides/notesSlide5.xml><?xml version="1.0" encoding="utf-8"?>
-<p:notes xmlns:a="http://schemas.openxmlformats.org/drawingml/2006/main" xmlns:r="http://schemas.openxmlformats.org/officeDocument/2006/relationships" xmlns:mc="http://schemas.openxmlformats.org/markup-compatibility/2006" xmlns:mv="urn:schemas-microsoft-com:mac:vml" xmlns:p="http://schemas.openxmlformats.org/presentationml/2006/main" xmlns:c="http://schemas.openxmlformats.org/drawingml/2006/chart" xmlns:dgm="http://schemas.openxmlformats.org/drawingml/2006/diagram" xmlns:o="urn:schemas-microsoft-com:office:office" xmlns:v="urn:schemas-microsoft-com:vml" xmlns:pvml="urn:schemas-microsoft-com:office:powerpoint" xmlns:com="http://schemas.openxmlformats.org/drawingml/2006/compatibility" xmlns:p14="http://schemas.microsoft.com/office/powerpoint/2010/main" showMasterPhAnim="0" showMasterSp="0">
+<p:notes xmlns:a="http://schemas.openxmlformats.org/drawingml/2006/main" xmlns:r="http://schemas.openxmlformats.org/officeDocument/2006/relationships" xmlns:p="http://schemas.openxmlformats.org/presentationml/2006/main" showMasterSp="0" showMasterPhAnim="0">
   <p:cSld>
     <p:spTree>
       <p:nvGrpSpPr>
-        <p:cNvPr id="58" name="Shape 58"/>
+        <p:cNvPr id="1" name="Shape 58"/>
         <p:cNvGrpSpPr/>
         <p:nvPr/>
       </p:nvGrpSpPr>
@@ -1035,9 +1187,11 @@
       <p:sp>
         <p:nvSpPr>
           <p:cNvPr id="59" name="Shape 59"/>
-          <p:cNvSpPr/>
+          <p:cNvSpPr>
+            <a:spLocks noGrp="1" noRot="1" noChangeAspect="1"/>
+          </p:cNvSpPr>
           <p:nvPr>
-            <p:ph idx="2" type="sldImg"/>
+            <p:ph type="sldImg" idx="2"/>
           </p:nvPr>
         </p:nvSpPr>
         <p:spPr>
@@ -1046,8 +1200,13 @@
             <a:ext cx="6096299" cy="3429000"/>
           </a:xfrm>
           <a:custGeom>
+            <a:avLst/>
+            <a:gdLst/>
+            <a:ahLst/>
+            <a:cxnLst/>
+            <a:rect l="0" t="0" r="0" b="0"/>
             <a:pathLst>
-              <a:path extrusionOk="0" h="120000" w="120000">
+              <a:path w="120000" h="120000" extrusionOk="0">
                 <a:moveTo>
                   <a:pt x="0" y="0"/>
                 </a:moveTo>
@@ -1065,23 +1224,25 @@
             </a:pathLst>
           </a:custGeom>
           <a:noFill/>
-          <a:ln cap="flat" w="9525">
+          <a:ln w="9525" cap="flat">
             <a:solidFill>
               <a:srgbClr val="000000"/>
             </a:solidFill>
             <a:prstDash val="solid"/>
             <a:round/>
-            <a:headEnd len="med" w="med" type="none"/>
-            <a:tailEnd len="med" w="med" type="none"/>
+            <a:headEnd type="none" w="med" len="med"/>
+            <a:tailEnd type="none" w="med" len="med"/>
           </a:ln>
         </p:spPr>
       </p:sp>
       <p:sp>
         <p:nvSpPr>
           <p:cNvPr id="60" name="Shape 60"/>
-          <p:cNvSpPr txBox="1"/>
+          <p:cNvSpPr txBox="1">
+            <a:spLocks noGrp="1"/>
+          </p:cNvSpPr>
           <p:nvPr>
-            <p:ph idx="1" type="body"/>
+            <p:ph type="body" idx="1"/>
           </p:nvPr>
         </p:nvSpPr>
         <p:spPr>
@@ -1094,7 +1255,7 @@
           </a:prstGeom>
         </p:spPr>
         <p:txBody>
-          <a:bodyPr anchorCtr="0" anchor="t" bIns="91425" lIns="91425" rIns="91425" tIns="91425">
+          <a:bodyPr lIns="91425" tIns="91425" rIns="91425" bIns="91425" anchor="t" anchorCtr="0">
             <a:noAutofit/>
           </a:bodyPr>
           <a:lstStyle/>
@@ -1121,11 +1282,11 @@
 </file>
 
 <file path=ppt/notesSlides/notesSlide6.xml><?xml version="1.0" encoding="utf-8"?>
-<p:notes xmlns:a="http://schemas.openxmlformats.org/drawingml/2006/main" xmlns:r="http://schemas.openxmlformats.org/officeDocument/2006/relationships" xmlns:mc="http://schemas.openxmlformats.org/markup-compatibility/2006" xmlns:mv="urn:schemas-microsoft-com:mac:vml" xmlns:p="http://schemas.openxmlformats.org/presentationml/2006/main" xmlns:c="http://schemas.openxmlformats.org/drawingml/2006/chart" xmlns:dgm="http://schemas.openxmlformats.org/drawingml/2006/diagram" xmlns:o="urn:schemas-microsoft-com:office:office" xmlns:v="urn:schemas-microsoft-com:vml" xmlns:pvml="urn:schemas-microsoft-com:office:powerpoint" xmlns:com="http://schemas.openxmlformats.org/drawingml/2006/compatibility" xmlns:p14="http://schemas.microsoft.com/office/powerpoint/2010/main" showMasterPhAnim="0" showMasterSp="0">
+<p:notes xmlns:a="http://schemas.openxmlformats.org/drawingml/2006/main" xmlns:r="http://schemas.openxmlformats.org/officeDocument/2006/relationships" xmlns:p="http://schemas.openxmlformats.org/presentationml/2006/main" showMasterSp="0" showMasterPhAnim="0">
   <p:cSld>
     <p:spTree>
       <p:nvGrpSpPr>
-        <p:cNvPr id="66" name="Shape 66"/>
+        <p:cNvPr id="1" name="Shape 66"/>
         <p:cNvGrpSpPr/>
         <p:nvPr/>
       </p:nvGrpSpPr>
@@ -1140,9 +1301,11 @@
       <p:sp>
         <p:nvSpPr>
           <p:cNvPr id="67" name="Shape 67"/>
-          <p:cNvSpPr/>
+          <p:cNvSpPr>
+            <a:spLocks noGrp="1" noRot="1" noChangeAspect="1"/>
+          </p:cNvSpPr>
           <p:nvPr>
-            <p:ph idx="2" type="sldImg"/>
+            <p:ph type="sldImg" idx="2"/>
           </p:nvPr>
         </p:nvSpPr>
         <p:spPr>
@@ -1151,8 +1314,13 @@
             <a:ext cx="6096299" cy="3429000"/>
           </a:xfrm>
           <a:custGeom>
+            <a:avLst/>
+            <a:gdLst/>
+            <a:ahLst/>
+            <a:cxnLst/>
+            <a:rect l="0" t="0" r="0" b="0"/>
             <a:pathLst>
-              <a:path extrusionOk="0" h="120000" w="120000">
+              <a:path w="120000" h="120000" extrusionOk="0">
                 <a:moveTo>
                   <a:pt x="0" y="0"/>
                 </a:moveTo>
@@ -1170,23 +1338,25 @@
             </a:pathLst>
           </a:custGeom>
           <a:noFill/>
-          <a:ln cap="flat" w="9525">
+          <a:ln w="9525" cap="flat">
             <a:solidFill>
               <a:srgbClr val="000000"/>
             </a:solidFill>
             <a:prstDash val="solid"/>
             <a:round/>
-            <a:headEnd len="med" w="med" type="none"/>
-            <a:tailEnd len="med" w="med" type="none"/>
+            <a:headEnd type="none" w="med" len="med"/>
+            <a:tailEnd type="none" w="med" len="med"/>
           </a:ln>
         </p:spPr>
       </p:sp>
       <p:sp>
         <p:nvSpPr>
           <p:cNvPr id="68" name="Shape 68"/>
-          <p:cNvSpPr txBox="1"/>
+          <p:cNvSpPr txBox="1">
+            <a:spLocks noGrp="1"/>
+          </p:cNvSpPr>
           <p:nvPr>
-            <p:ph idx="1" type="body"/>
+            <p:ph type="body" idx="1"/>
           </p:nvPr>
         </p:nvSpPr>
         <p:spPr>
@@ -1199,7 +1369,7 @@
           </a:prstGeom>
         </p:spPr>
         <p:txBody>
-          <a:bodyPr anchorCtr="0" anchor="t" bIns="91425" lIns="91425" rIns="91425" tIns="91425">
+          <a:bodyPr lIns="91425" tIns="91425" rIns="91425" bIns="91425" anchor="t" anchorCtr="0">
             <a:noAutofit/>
           </a:bodyPr>
           <a:lstStyle/>
@@ -1210,9 +1380,6 @@
               </a:spcBef>
               <a:buNone/>
             </a:pPr>
-            <a:r>
-              <a:t/>
-            </a:r>
             <a:endParaRPr/>
           </a:p>
         </p:txBody>
@@ -1226,11 +1393,11 @@
 </file>
 
 <file path=ppt/notesSlides/notesSlide7.xml><?xml version="1.0" encoding="utf-8"?>
-<p:notes xmlns:a="http://schemas.openxmlformats.org/drawingml/2006/main" xmlns:r="http://schemas.openxmlformats.org/officeDocument/2006/relationships" xmlns:mc="http://schemas.openxmlformats.org/markup-compatibility/2006" xmlns:mv="urn:schemas-microsoft-com:mac:vml" xmlns:p="http://schemas.openxmlformats.org/presentationml/2006/main" xmlns:c="http://schemas.openxmlformats.org/drawingml/2006/chart" xmlns:dgm="http://schemas.openxmlformats.org/drawingml/2006/diagram" xmlns:o="urn:schemas-microsoft-com:office:office" xmlns:v="urn:schemas-microsoft-com:vml" xmlns:pvml="urn:schemas-microsoft-com:office:powerpoint" xmlns:com="http://schemas.openxmlformats.org/drawingml/2006/compatibility" xmlns:p14="http://schemas.microsoft.com/office/powerpoint/2010/main" showMasterPhAnim="0" showMasterSp="0">
+<p:notes xmlns:a="http://schemas.openxmlformats.org/drawingml/2006/main" xmlns:r="http://schemas.openxmlformats.org/officeDocument/2006/relationships" xmlns:p="http://schemas.openxmlformats.org/presentationml/2006/main" showMasterSp="0" showMasterPhAnim="0">
   <p:cSld>
     <p:spTree>
       <p:nvGrpSpPr>
-        <p:cNvPr id="73" name="Shape 73"/>
+        <p:cNvPr id="1" name="Shape 73"/>
         <p:cNvGrpSpPr/>
         <p:nvPr/>
       </p:nvGrpSpPr>
@@ -1245,9 +1412,11 @@
       <p:sp>
         <p:nvSpPr>
           <p:cNvPr id="74" name="Shape 74"/>
-          <p:cNvSpPr/>
+          <p:cNvSpPr>
+            <a:spLocks noGrp="1" noRot="1" noChangeAspect="1"/>
+          </p:cNvSpPr>
           <p:nvPr>
-            <p:ph idx="2" type="sldImg"/>
+            <p:ph type="sldImg" idx="2"/>
           </p:nvPr>
         </p:nvSpPr>
         <p:spPr>
@@ -1256,8 +1425,13 @@
             <a:ext cx="6096299" cy="3429000"/>
           </a:xfrm>
           <a:custGeom>
+            <a:avLst/>
+            <a:gdLst/>
+            <a:ahLst/>
+            <a:cxnLst/>
+            <a:rect l="0" t="0" r="0" b="0"/>
             <a:pathLst>
-              <a:path extrusionOk="0" h="120000" w="120000">
+              <a:path w="120000" h="120000" extrusionOk="0">
                 <a:moveTo>
                   <a:pt x="0" y="0"/>
                 </a:moveTo>
@@ -1275,23 +1449,25 @@
             </a:pathLst>
           </a:custGeom>
           <a:noFill/>
-          <a:ln cap="flat" w="9525">
+          <a:ln w="9525" cap="flat">
             <a:solidFill>
               <a:srgbClr val="000000"/>
             </a:solidFill>
             <a:prstDash val="solid"/>
             <a:round/>
-            <a:headEnd len="med" w="med" type="none"/>
-            <a:tailEnd len="med" w="med" type="none"/>
+            <a:headEnd type="none" w="med" len="med"/>
+            <a:tailEnd type="none" w="med" len="med"/>
           </a:ln>
         </p:spPr>
       </p:sp>
       <p:sp>
         <p:nvSpPr>
           <p:cNvPr id="75" name="Shape 75"/>
-          <p:cNvSpPr txBox="1"/>
+          <p:cNvSpPr txBox="1">
+            <a:spLocks noGrp="1"/>
+          </p:cNvSpPr>
           <p:nvPr>
-            <p:ph idx="1" type="body"/>
+            <p:ph type="body" idx="1"/>
           </p:nvPr>
         </p:nvSpPr>
         <p:spPr>
@@ -1304,7 +1480,7 @@
           </a:prstGeom>
         </p:spPr>
         <p:txBody>
-          <a:bodyPr anchorCtr="0" anchor="t" bIns="91425" lIns="91425" rIns="91425" tIns="91425">
+          <a:bodyPr lIns="91425" tIns="91425" rIns="91425" bIns="91425" anchor="t" anchorCtr="0">
             <a:noAutofit/>
           </a:bodyPr>
           <a:lstStyle/>
@@ -1315,9 +1491,6 @@
               </a:spcBef>
               <a:buNone/>
             </a:pPr>
-            <a:r>
-              <a:t/>
-            </a:r>
             <a:endParaRPr/>
           </a:p>
         </p:txBody>
@@ -1331,11 +1504,11 @@
 </file>
 
 <file path=ppt/notesSlides/notesSlide8.xml><?xml version="1.0" encoding="utf-8"?>
-<p:notes xmlns:a="http://schemas.openxmlformats.org/drawingml/2006/main" xmlns:r="http://schemas.openxmlformats.org/officeDocument/2006/relationships" xmlns:mc="http://schemas.openxmlformats.org/markup-compatibility/2006" xmlns:mv="urn:schemas-microsoft-com:mac:vml" xmlns:p="http://schemas.openxmlformats.org/presentationml/2006/main" xmlns:c="http://schemas.openxmlformats.org/drawingml/2006/chart" xmlns:dgm="http://schemas.openxmlformats.org/drawingml/2006/diagram" xmlns:o="urn:schemas-microsoft-com:office:office" xmlns:v="urn:schemas-microsoft-com:vml" xmlns:pvml="urn:schemas-microsoft-com:office:powerpoint" xmlns:com="http://schemas.openxmlformats.org/drawingml/2006/compatibility" xmlns:p14="http://schemas.microsoft.com/office/powerpoint/2010/main" showMasterPhAnim="0" showMasterSp="0">
+<p:notes xmlns:a="http://schemas.openxmlformats.org/drawingml/2006/main" xmlns:r="http://schemas.openxmlformats.org/officeDocument/2006/relationships" xmlns:p="http://schemas.openxmlformats.org/presentationml/2006/main" showMasterSp="0" showMasterPhAnim="0">
   <p:cSld>
     <p:spTree>
       <p:nvGrpSpPr>
-        <p:cNvPr id="79" name="Shape 79"/>
+        <p:cNvPr id="1" name="Shape 79"/>
         <p:cNvGrpSpPr/>
         <p:nvPr/>
       </p:nvGrpSpPr>
@@ -1350,9 +1523,11 @@
       <p:sp>
         <p:nvSpPr>
           <p:cNvPr id="80" name="Shape 80"/>
-          <p:cNvSpPr/>
+          <p:cNvSpPr>
+            <a:spLocks noGrp="1" noRot="1" noChangeAspect="1"/>
+          </p:cNvSpPr>
           <p:nvPr>
-            <p:ph idx="2" type="sldImg"/>
+            <p:ph type="sldImg" idx="2"/>
           </p:nvPr>
         </p:nvSpPr>
         <p:spPr>
@@ -1361,8 +1536,13 @@
             <a:ext cx="6096299" cy="3429000"/>
           </a:xfrm>
           <a:custGeom>
+            <a:avLst/>
+            <a:gdLst/>
+            <a:ahLst/>
+            <a:cxnLst/>
+            <a:rect l="0" t="0" r="0" b="0"/>
             <a:pathLst>
-              <a:path extrusionOk="0" h="120000" w="120000">
+              <a:path w="120000" h="120000" extrusionOk="0">
                 <a:moveTo>
                   <a:pt x="0" y="0"/>
                 </a:moveTo>
@@ -1380,23 +1560,25 @@
             </a:pathLst>
           </a:custGeom>
           <a:noFill/>
-          <a:ln cap="flat" w="9525">
+          <a:ln w="9525" cap="flat">
             <a:solidFill>
               <a:srgbClr val="000000"/>
             </a:solidFill>
             <a:prstDash val="solid"/>
             <a:round/>
-            <a:headEnd len="med" w="med" type="none"/>
-            <a:tailEnd len="med" w="med" type="none"/>
+            <a:headEnd type="none" w="med" len="med"/>
+            <a:tailEnd type="none" w="med" len="med"/>
           </a:ln>
         </p:spPr>
       </p:sp>
       <p:sp>
         <p:nvSpPr>
           <p:cNvPr id="81" name="Shape 81"/>
-          <p:cNvSpPr txBox="1"/>
+          <p:cNvSpPr txBox="1">
+            <a:spLocks noGrp="1"/>
+          </p:cNvSpPr>
           <p:nvPr>
-            <p:ph idx="1" type="body"/>
+            <p:ph type="body" idx="1"/>
           </p:nvPr>
         </p:nvSpPr>
         <p:spPr>
@@ -1409,7 +1591,7 @@
           </a:prstGeom>
         </p:spPr>
         <p:txBody>
-          <a:bodyPr anchorCtr="0" anchor="t" bIns="91425" lIns="91425" rIns="91425" tIns="91425">
+          <a:bodyPr lIns="91425" tIns="91425" rIns="91425" bIns="91425" anchor="t" anchorCtr="0">
             <a:noAutofit/>
           </a:bodyPr>
           <a:lstStyle/>
@@ -1420,9 +1602,6 @@
               </a:spcBef>
               <a:buNone/>
             </a:pPr>
-            <a:r>
-              <a:t/>
-            </a:r>
             <a:endParaRPr/>
           </a:p>
         </p:txBody>
@@ -1436,11 +1615,11 @@
 </file>
 
 <file path=ppt/notesSlides/notesSlide9.xml><?xml version="1.0" encoding="utf-8"?>
-<p:notes xmlns:a="http://schemas.openxmlformats.org/drawingml/2006/main" xmlns:r="http://schemas.openxmlformats.org/officeDocument/2006/relationships" xmlns:mc="http://schemas.openxmlformats.org/markup-compatibility/2006" xmlns:mv="urn:schemas-microsoft-com:mac:vml" xmlns:p="http://schemas.openxmlformats.org/presentationml/2006/main" xmlns:c="http://schemas.openxmlformats.org/drawingml/2006/chart" xmlns:dgm="http://schemas.openxmlformats.org/drawingml/2006/diagram" xmlns:o="urn:schemas-microsoft-com:office:office" xmlns:v="urn:schemas-microsoft-com:vml" xmlns:pvml="urn:schemas-microsoft-com:office:powerpoint" xmlns:com="http://schemas.openxmlformats.org/drawingml/2006/compatibility" xmlns:p14="http://schemas.microsoft.com/office/powerpoint/2010/main" showMasterPhAnim="0" showMasterSp="0">
+<p:notes xmlns:a="http://schemas.openxmlformats.org/drawingml/2006/main" xmlns:r="http://schemas.openxmlformats.org/officeDocument/2006/relationships" xmlns:p="http://schemas.openxmlformats.org/presentationml/2006/main" showMasterSp="0" showMasterPhAnim="0">
   <p:cSld>
     <p:spTree>
       <p:nvGrpSpPr>
-        <p:cNvPr id="86" name="Shape 86"/>
+        <p:cNvPr id="1" name="Shape 86"/>
         <p:cNvGrpSpPr/>
         <p:nvPr/>
       </p:nvGrpSpPr>
@@ -1455,9 +1634,11 @@
       <p:sp>
         <p:nvSpPr>
           <p:cNvPr id="87" name="Shape 87"/>
-          <p:cNvSpPr/>
+          <p:cNvSpPr>
+            <a:spLocks noGrp="1" noRot="1" noChangeAspect="1"/>
+          </p:cNvSpPr>
           <p:nvPr>
-            <p:ph idx="2" type="sldImg"/>
+            <p:ph type="sldImg" idx="2"/>
           </p:nvPr>
         </p:nvSpPr>
         <p:spPr>
@@ -1466,8 +1647,13 @@
             <a:ext cx="6096299" cy="3429000"/>
           </a:xfrm>
           <a:custGeom>
+            <a:avLst/>
+            <a:gdLst/>
+            <a:ahLst/>
+            <a:cxnLst/>
+            <a:rect l="0" t="0" r="0" b="0"/>
             <a:pathLst>
-              <a:path extrusionOk="0" h="120000" w="120000">
+              <a:path w="120000" h="120000" extrusionOk="0">
                 <a:moveTo>
                   <a:pt x="0" y="0"/>
                 </a:moveTo>
@@ -1485,23 +1671,25 @@
             </a:pathLst>
           </a:custGeom>
           <a:noFill/>
-          <a:ln cap="flat" w="9525">
+          <a:ln w="9525" cap="flat">
             <a:solidFill>
               <a:srgbClr val="000000"/>
             </a:solidFill>
             <a:prstDash val="solid"/>
             <a:round/>
-            <a:headEnd len="med" w="med" type="none"/>
-            <a:tailEnd len="med" w="med" type="none"/>
+            <a:headEnd type="none" w="med" len="med"/>
+            <a:tailEnd type="none" w="med" len="med"/>
           </a:ln>
         </p:spPr>
       </p:sp>
       <p:sp>
         <p:nvSpPr>
           <p:cNvPr id="88" name="Shape 88"/>
-          <p:cNvSpPr txBox="1"/>
+          <p:cNvSpPr txBox="1">
+            <a:spLocks noGrp="1"/>
+          </p:cNvSpPr>
           <p:nvPr>
-            <p:ph idx="1" type="body"/>
+            <p:ph type="body" idx="1"/>
           </p:nvPr>
         </p:nvSpPr>
         <p:spPr>
@@ -1514,7 +1702,7 @@
           </a:prstGeom>
         </p:spPr>
         <p:txBody>
-          <a:bodyPr anchorCtr="0" anchor="t" bIns="91425" lIns="91425" rIns="91425" tIns="91425">
+          <a:bodyPr lIns="91425" tIns="91425" rIns="91425" bIns="91425" anchor="t" anchorCtr="0">
             <a:noAutofit/>
           </a:bodyPr>
           <a:lstStyle/>
@@ -1525,9 +1713,6 @@
               </a:spcBef>
               <a:buNone/>
             </a:pPr>
-            <a:r>
-              <a:t/>
-            </a:r>
             <a:endParaRPr/>
           </a:p>
         </p:txBody>
@@ -1541,11 +1726,11 @@
 </file>
 
 <file path=ppt/slideLayouts/slideLayout1.xml><?xml version="1.0" encoding="utf-8"?>
-<p:sldLayout xmlns:a="http://schemas.openxmlformats.org/drawingml/2006/main" xmlns:r="http://schemas.openxmlformats.org/officeDocument/2006/relationships" xmlns:mc="http://schemas.openxmlformats.org/markup-compatibility/2006" xmlns:mv="urn:schemas-microsoft-com:mac:vml" xmlns:p="http://schemas.openxmlformats.org/presentationml/2006/main" xmlns:c="http://schemas.openxmlformats.org/drawingml/2006/chart" xmlns:dgm="http://schemas.openxmlformats.org/drawingml/2006/diagram" xmlns:o="urn:schemas-microsoft-com:office:office" xmlns:v="urn:schemas-microsoft-com:vml" xmlns:pvml="urn:schemas-microsoft-com:office:powerpoint" xmlns:com="http://schemas.openxmlformats.org/drawingml/2006/compatibility" xmlns:p14="http://schemas.microsoft.com/office/powerpoint/2010/main" type="title">
+<p:sldLayout xmlns:a="http://schemas.openxmlformats.org/drawingml/2006/main" xmlns:r="http://schemas.openxmlformats.org/officeDocument/2006/relationships" xmlns:p="http://schemas.openxmlformats.org/presentationml/2006/main" type="title">
   <p:cSld name="Title Slide">
     <p:spTree>
       <p:nvGrpSpPr>
-        <p:cNvPr id="8" name="Shape 8"/>
+        <p:cNvPr id="1" name="Shape 8"/>
         <p:cNvGrpSpPr/>
         <p:nvPr/>
       </p:nvGrpSpPr>
@@ -1560,7 +1745,9 @@
       <p:sp>
         <p:nvSpPr>
           <p:cNvPr id="9" name="Shape 9"/>
-          <p:cNvSpPr txBox="1"/>
+          <p:cNvSpPr txBox="1">
+            <a:spLocks noGrp="1"/>
+          </p:cNvSpPr>
           <p:nvPr>
             <p:ph type="ctrTitle"/>
           </p:nvPr>
@@ -1575,7 +1762,7 @@
           </a:prstGeom>
         </p:spPr>
         <p:txBody>
-          <a:bodyPr anchorCtr="0" anchor="b" bIns="91425" lIns="91425" rIns="91425" tIns="91425"/>
+          <a:bodyPr lIns="91425" tIns="91425" rIns="91425" bIns="91425" anchor="b" anchorCtr="0"/>
           <a:lstStyle>
             <a:lvl1pPr algn="ctr">
               <a:spcBef>
@@ -1641,15 +1828,19 @@
               <a:defRPr sz="4800"/>
             </a:lvl9pPr>
           </a:lstStyle>
-          <a:p/>
+          <a:p>
+            <a:endParaRPr/>
+          </a:p>
         </p:txBody>
       </p:sp>
       <p:sp>
         <p:nvSpPr>
           <p:cNvPr id="10" name="Shape 10"/>
-          <p:cNvSpPr txBox="1"/>
+          <p:cNvSpPr txBox="1">
+            <a:spLocks noGrp="1"/>
+          </p:cNvSpPr>
           <p:nvPr>
-            <p:ph idx="1" type="subTitle"/>
+            <p:ph type="subTitle" idx="1"/>
           </p:nvPr>
         </p:nvSpPr>
         <p:spPr>
@@ -1662,7 +1853,7 @@
           </a:prstGeom>
         </p:spPr>
         <p:txBody>
-          <a:bodyPr anchorCtr="0" anchor="t" bIns="91425" lIns="91425" rIns="91425" tIns="91425"/>
+          <a:bodyPr lIns="91425" tIns="91425" rIns="91425" bIns="91425" anchor="t" anchorCtr="0"/>
           <a:lstStyle>
             <a:lvl1pPr algn="ctr">
               <a:spcBef>
@@ -1799,15 +1990,19 @@
               </a:defRPr>
             </a:lvl9pPr>
           </a:lstStyle>
-          <a:p/>
+          <a:p>
+            <a:endParaRPr/>
+          </a:p>
         </p:txBody>
       </p:sp>
       <p:sp>
         <p:nvSpPr>
           <p:cNvPr id="11" name="Shape 11"/>
-          <p:cNvSpPr txBox="1"/>
+          <p:cNvSpPr txBox="1">
+            <a:spLocks noGrp="1"/>
+          </p:cNvSpPr>
           <p:nvPr>
-            <p:ph idx="12" type="sldNum"/>
+            <p:ph type="sldNum" idx="12"/>
           </p:nvPr>
         </p:nvSpPr>
         <p:spPr>
@@ -1820,7 +2015,7 @@
           </a:prstGeom>
         </p:spPr>
         <p:txBody>
-          <a:bodyPr anchorCtr="0" anchor="ctr" bIns="91425" lIns="91425" rIns="91425" tIns="91425">
+          <a:bodyPr lIns="91425" tIns="91425" rIns="91425" bIns="91425" anchor="ctr" anchorCtr="0">
             <a:noAutofit/>
           </a:bodyPr>
           <a:lstStyle>
@@ -1843,6 +2038,7 @@
               <a:rPr lang="en"/>
               <a:t>‹#›</a:t>
             </a:fld>
+            <a:endParaRPr lang="en"/>
           </a:p>
         </p:txBody>
       </p:sp>
@@ -1855,11 +2051,11 @@
 </file>
 
 <file path=ppt/slideLayouts/slideLayout2.xml><?xml version="1.0" encoding="utf-8"?>
-<p:sldLayout xmlns:a="http://schemas.openxmlformats.org/drawingml/2006/main" xmlns:r="http://schemas.openxmlformats.org/officeDocument/2006/relationships" xmlns:mc="http://schemas.openxmlformats.org/markup-compatibility/2006" xmlns:mv="urn:schemas-microsoft-com:mac:vml" xmlns:p="http://schemas.openxmlformats.org/presentationml/2006/main" xmlns:c="http://schemas.openxmlformats.org/drawingml/2006/chart" xmlns:dgm="http://schemas.openxmlformats.org/drawingml/2006/diagram" xmlns:o="urn:schemas-microsoft-com:office:office" xmlns:v="urn:schemas-microsoft-com:vml" xmlns:pvml="urn:schemas-microsoft-com:office:powerpoint" xmlns:com="http://schemas.openxmlformats.org/drawingml/2006/compatibility" xmlns:p14="http://schemas.microsoft.com/office/powerpoint/2010/main" type="tx">
+<p:sldLayout xmlns:a="http://schemas.openxmlformats.org/drawingml/2006/main" xmlns:r="http://schemas.openxmlformats.org/officeDocument/2006/relationships" xmlns:p="http://schemas.openxmlformats.org/presentationml/2006/main" type="tx">
   <p:cSld name="Title and Body">
     <p:spTree>
       <p:nvGrpSpPr>
-        <p:cNvPr id="12" name="Shape 12"/>
+        <p:cNvPr id="1" name="Shape 12"/>
         <p:cNvGrpSpPr/>
         <p:nvPr/>
       </p:nvGrpSpPr>
@@ -1874,7 +2070,9 @@
       <p:sp>
         <p:nvSpPr>
           <p:cNvPr id="13" name="Shape 13"/>
-          <p:cNvSpPr txBox="1"/>
+          <p:cNvSpPr txBox="1">
+            <a:spLocks noGrp="1"/>
+          </p:cNvSpPr>
           <p:nvPr>
             <p:ph type="title"/>
           </p:nvPr>
@@ -1889,7 +2087,7 @@
           </a:prstGeom>
         </p:spPr>
         <p:txBody>
-          <a:bodyPr anchorCtr="0" anchor="b" bIns="91425" lIns="91425" rIns="91425" tIns="91425"/>
+          <a:bodyPr lIns="91425" tIns="91425" rIns="91425" bIns="91425" anchor="b" anchorCtr="0"/>
           <a:lstStyle>
             <a:lvl1pPr>
               <a:spcBef>
@@ -1946,15 +2144,19 @@
               <a:defRPr/>
             </a:lvl9pPr>
           </a:lstStyle>
-          <a:p/>
+          <a:p>
+            <a:endParaRPr/>
+          </a:p>
         </p:txBody>
       </p:sp>
       <p:sp>
         <p:nvSpPr>
           <p:cNvPr id="14" name="Shape 14"/>
-          <p:cNvSpPr txBox="1"/>
+          <p:cNvSpPr txBox="1">
+            <a:spLocks noGrp="1"/>
+          </p:cNvSpPr>
           <p:nvPr>
-            <p:ph idx="1" type="body"/>
+            <p:ph type="body" idx="1"/>
           </p:nvPr>
         </p:nvSpPr>
         <p:spPr>
@@ -1967,7 +2169,7 @@
           </a:prstGeom>
         </p:spPr>
         <p:txBody>
-          <a:bodyPr anchorCtr="0" anchor="t" bIns="91425" lIns="91425" rIns="91425" tIns="91425"/>
+          <a:bodyPr lIns="91425" tIns="91425" rIns="91425" bIns="91425" anchor="t" anchorCtr="0"/>
           <a:lstStyle>
             <a:lvl1pPr>
               <a:spcBef>
@@ -2024,15 +2226,19 @@
               <a:defRPr/>
             </a:lvl9pPr>
           </a:lstStyle>
-          <a:p/>
+          <a:p>
+            <a:endParaRPr/>
+          </a:p>
         </p:txBody>
       </p:sp>
       <p:sp>
         <p:nvSpPr>
           <p:cNvPr id="15" name="Shape 15"/>
-          <p:cNvSpPr txBox="1"/>
+          <p:cNvSpPr txBox="1">
+            <a:spLocks noGrp="1"/>
+          </p:cNvSpPr>
           <p:nvPr>
-            <p:ph idx="12" type="sldNum"/>
+            <p:ph type="sldNum" idx="12"/>
           </p:nvPr>
         </p:nvSpPr>
         <p:spPr>
@@ -2045,7 +2251,7 @@
           </a:prstGeom>
         </p:spPr>
         <p:txBody>
-          <a:bodyPr anchorCtr="0" anchor="ctr" bIns="91425" lIns="91425" rIns="91425" tIns="91425">
+          <a:bodyPr lIns="91425" tIns="91425" rIns="91425" bIns="91425" anchor="ctr" anchorCtr="0">
             <a:noAutofit/>
           </a:bodyPr>
           <a:lstStyle>
@@ -2068,6 +2274,7 @@
               <a:rPr lang="en"/>
               <a:t>‹#›</a:t>
             </a:fld>
+            <a:endParaRPr lang="en"/>
           </a:p>
         </p:txBody>
       </p:sp>
@@ -2080,11 +2287,11 @@
 </file>
 
 <file path=ppt/slideLayouts/slideLayout3.xml><?xml version="1.0" encoding="utf-8"?>
-<p:sldLayout xmlns:a="http://schemas.openxmlformats.org/drawingml/2006/main" xmlns:r="http://schemas.openxmlformats.org/officeDocument/2006/relationships" xmlns:mc="http://schemas.openxmlformats.org/markup-compatibility/2006" xmlns:mv="urn:schemas-microsoft-com:mac:vml" xmlns:p="http://schemas.openxmlformats.org/presentationml/2006/main" xmlns:c="http://schemas.openxmlformats.org/drawingml/2006/chart" xmlns:dgm="http://schemas.openxmlformats.org/drawingml/2006/diagram" xmlns:o="urn:schemas-microsoft-com:office:office" xmlns:v="urn:schemas-microsoft-com:vml" xmlns:pvml="urn:schemas-microsoft-com:office:powerpoint" xmlns:com="http://schemas.openxmlformats.org/drawingml/2006/compatibility" xmlns:p14="http://schemas.microsoft.com/office/powerpoint/2010/main" type="twoColTx">
+<p:sldLayout xmlns:a="http://schemas.openxmlformats.org/drawingml/2006/main" xmlns:r="http://schemas.openxmlformats.org/officeDocument/2006/relationships" xmlns:p="http://schemas.openxmlformats.org/presentationml/2006/main" type="twoColTx">
   <p:cSld name="Title and Two Columns">
     <p:spTree>
       <p:nvGrpSpPr>
-        <p:cNvPr id="16" name="Shape 16"/>
+        <p:cNvPr id="1" name="Shape 16"/>
         <p:cNvGrpSpPr/>
         <p:nvPr/>
       </p:nvGrpSpPr>
@@ -2099,7 +2306,9 @@
       <p:sp>
         <p:nvSpPr>
           <p:cNvPr id="17" name="Shape 17"/>
-          <p:cNvSpPr txBox="1"/>
+          <p:cNvSpPr txBox="1">
+            <a:spLocks noGrp="1"/>
+          </p:cNvSpPr>
           <p:nvPr>
             <p:ph type="title"/>
           </p:nvPr>
@@ -2114,7 +2323,7 @@
           </a:prstGeom>
         </p:spPr>
         <p:txBody>
-          <a:bodyPr anchorCtr="0" anchor="b" bIns="91425" lIns="91425" rIns="91425" tIns="91425"/>
+          <a:bodyPr lIns="91425" tIns="91425" rIns="91425" bIns="91425" anchor="b" anchorCtr="0"/>
           <a:lstStyle>
             <a:lvl1pPr>
               <a:spcBef>
@@ -2171,15 +2380,19 @@
               <a:defRPr/>
             </a:lvl9pPr>
           </a:lstStyle>
-          <a:p/>
+          <a:p>
+            <a:endParaRPr/>
+          </a:p>
         </p:txBody>
       </p:sp>
       <p:sp>
         <p:nvSpPr>
           <p:cNvPr id="18" name="Shape 18"/>
-          <p:cNvSpPr txBox="1"/>
+          <p:cNvSpPr txBox="1">
+            <a:spLocks noGrp="1"/>
+          </p:cNvSpPr>
           <p:nvPr>
-            <p:ph idx="1" type="body"/>
+            <p:ph type="body" idx="1"/>
           </p:nvPr>
         </p:nvSpPr>
         <p:spPr>
@@ -2192,7 +2405,7 @@
           </a:prstGeom>
         </p:spPr>
         <p:txBody>
-          <a:bodyPr anchorCtr="0" anchor="t" bIns="91425" lIns="91425" rIns="91425" tIns="91425"/>
+          <a:bodyPr lIns="91425" tIns="91425" rIns="91425" bIns="91425" anchor="t" anchorCtr="0"/>
           <a:lstStyle>
             <a:lvl1pPr>
               <a:spcBef>
@@ -2249,15 +2462,19 @@
               <a:defRPr/>
             </a:lvl9pPr>
           </a:lstStyle>
-          <a:p/>
+          <a:p>
+            <a:endParaRPr/>
+          </a:p>
         </p:txBody>
       </p:sp>
       <p:sp>
         <p:nvSpPr>
           <p:cNvPr id="19" name="Shape 19"/>
-          <p:cNvSpPr txBox="1"/>
+          <p:cNvSpPr txBox="1">
+            <a:spLocks noGrp="1"/>
+          </p:cNvSpPr>
           <p:nvPr>
-            <p:ph idx="2" type="body"/>
+            <p:ph type="body" idx="2"/>
           </p:nvPr>
         </p:nvSpPr>
         <p:spPr>
@@ -2270,7 +2487,7 @@
           </a:prstGeom>
         </p:spPr>
         <p:txBody>
-          <a:bodyPr anchorCtr="0" anchor="t" bIns="91425" lIns="91425" rIns="91425" tIns="91425"/>
+          <a:bodyPr lIns="91425" tIns="91425" rIns="91425" bIns="91425" anchor="t" anchorCtr="0"/>
           <a:lstStyle>
             <a:lvl1pPr>
               <a:spcBef>
@@ -2327,15 +2544,19 @@
               <a:defRPr/>
             </a:lvl9pPr>
           </a:lstStyle>
-          <a:p/>
+          <a:p>
+            <a:endParaRPr/>
+          </a:p>
         </p:txBody>
       </p:sp>
       <p:sp>
         <p:nvSpPr>
           <p:cNvPr id="20" name="Shape 20"/>
-          <p:cNvSpPr txBox="1"/>
+          <p:cNvSpPr txBox="1">
+            <a:spLocks noGrp="1"/>
+          </p:cNvSpPr>
           <p:nvPr>
-            <p:ph idx="12" type="sldNum"/>
+            <p:ph type="sldNum" idx="12"/>
           </p:nvPr>
         </p:nvSpPr>
         <p:spPr>
@@ -2348,7 +2569,7 @@
           </a:prstGeom>
         </p:spPr>
         <p:txBody>
-          <a:bodyPr anchorCtr="0" anchor="ctr" bIns="91425" lIns="91425" rIns="91425" tIns="91425">
+          <a:bodyPr lIns="91425" tIns="91425" rIns="91425" bIns="91425" anchor="ctr" anchorCtr="0">
             <a:noAutofit/>
           </a:bodyPr>
           <a:lstStyle>
@@ -2371,6 +2592,7 @@
               <a:rPr lang="en"/>
               <a:t>‹#›</a:t>
             </a:fld>
+            <a:endParaRPr lang="en"/>
           </a:p>
         </p:txBody>
       </p:sp>
@@ -2383,11 +2605,11 @@
 </file>
 
 <file path=ppt/slideLayouts/slideLayout4.xml><?xml version="1.0" encoding="utf-8"?>
-<p:sldLayout xmlns:a="http://schemas.openxmlformats.org/drawingml/2006/main" xmlns:r="http://schemas.openxmlformats.org/officeDocument/2006/relationships" xmlns:mc="http://schemas.openxmlformats.org/markup-compatibility/2006" xmlns:mv="urn:schemas-microsoft-com:mac:vml" xmlns:p="http://schemas.openxmlformats.org/presentationml/2006/main" xmlns:c="http://schemas.openxmlformats.org/drawingml/2006/chart" xmlns:dgm="http://schemas.openxmlformats.org/drawingml/2006/diagram" xmlns:o="urn:schemas-microsoft-com:office:office" xmlns:v="urn:schemas-microsoft-com:vml" xmlns:pvml="urn:schemas-microsoft-com:office:powerpoint" xmlns:com="http://schemas.openxmlformats.org/drawingml/2006/compatibility" xmlns:p14="http://schemas.microsoft.com/office/powerpoint/2010/main" type="titleOnly">
+<p:sldLayout xmlns:a="http://schemas.openxmlformats.org/drawingml/2006/main" xmlns:r="http://schemas.openxmlformats.org/officeDocument/2006/relationships" xmlns:p="http://schemas.openxmlformats.org/presentationml/2006/main" type="titleOnly">
   <p:cSld name="Title Only">
     <p:spTree>
       <p:nvGrpSpPr>
-        <p:cNvPr id="21" name="Shape 21"/>
+        <p:cNvPr id="1" name="Shape 21"/>
         <p:cNvGrpSpPr/>
         <p:nvPr/>
       </p:nvGrpSpPr>
@@ -2402,7 +2624,9 @@
       <p:sp>
         <p:nvSpPr>
           <p:cNvPr id="22" name="Shape 22"/>
-          <p:cNvSpPr txBox="1"/>
+          <p:cNvSpPr txBox="1">
+            <a:spLocks noGrp="1"/>
+          </p:cNvSpPr>
           <p:nvPr>
             <p:ph type="title"/>
           </p:nvPr>
@@ -2417,7 +2641,7 @@
           </a:prstGeom>
         </p:spPr>
         <p:txBody>
-          <a:bodyPr anchorCtr="0" anchor="b" bIns="91425" lIns="91425" rIns="91425" tIns="91425"/>
+          <a:bodyPr lIns="91425" tIns="91425" rIns="91425" bIns="91425" anchor="b" anchorCtr="0"/>
           <a:lstStyle>
             <a:lvl1pPr>
               <a:spcBef>
@@ -2474,15 +2698,19 @@
               <a:defRPr/>
             </a:lvl9pPr>
           </a:lstStyle>
-          <a:p/>
+          <a:p>
+            <a:endParaRPr/>
+          </a:p>
         </p:txBody>
       </p:sp>
       <p:sp>
         <p:nvSpPr>
           <p:cNvPr id="23" name="Shape 23"/>
-          <p:cNvSpPr txBox="1"/>
+          <p:cNvSpPr txBox="1">
+            <a:spLocks noGrp="1"/>
+          </p:cNvSpPr>
           <p:nvPr>
-            <p:ph idx="12" type="sldNum"/>
+            <p:ph type="sldNum" idx="12"/>
           </p:nvPr>
         </p:nvSpPr>
         <p:spPr>
@@ -2495,7 +2723,7 @@
           </a:prstGeom>
         </p:spPr>
         <p:txBody>
-          <a:bodyPr anchorCtr="0" anchor="ctr" bIns="91425" lIns="91425" rIns="91425" tIns="91425">
+          <a:bodyPr lIns="91425" tIns="91425" rIns="91425" bIns="91425" anchor="ctr" anchorCtr="0">
             <a:noAutofit/>
           </a:bodyPr>
           <a:lstStyle>
@@ -2518,6 +2746,7 @@
               <a:rPr lang="en"/>
               <a:t>‹#›</a:t>
             </a:fld>
+            <a:endParaRPr lang="en"/>
           </a:p>
         </p:txBody>
       </p:sp>
@@ -2530,11 +2759,11 @@
 </file>
 
 <file path=ppt/slideLayouts/slideLayout5.xml><?xml version="1.0" encoding="utf-8"?>
-<p:sldLayout xmlns:a="http://schemas.openxmlformats.org/drawingml/2006/main" xmlns:r="http://schemas.openxmlformats.org/officeDocument/2006/relationships" xmlns:mc="http://schemas.openxmlformats.org/markup-compatibility/2006" xmlns:mv="urn:schemas-microsoft-com:mac:vml" xmlns:p="http://schemas.openxmlformats.org/presentationml/2006/main" xmlns:c="http://schemas.openxmlformats.org/drawingml/2006/chart" xmlns:dgm="http://schemas.openxmlformats.org/drawingml/2006/diagram" xmlns:o="urn:schemas-microsoft-com:office:office" xmlns:v="urn:schemas-microsoft-com:vml" xmlns:pvml="urn:schemas-microsoft-com:office:powerpoint" xmlns:com="http://schemas.openxmlformats.org/drawingml/2006/compatibility" xmlns:p14="http://schemas.microsoft.com/office/powerpoint/2010/main">
+<p:sldLayout xmlns:a="http://schemas.openxmlformats.org/drawingml/2006/main" xmlns:r="http://schemas.openxmlformats.org/officeDocument/2006/relationships" xmlns:p="http://schemas.openxmlformats.org/presentationml/2006/main">
   <p:cSld name="Caption">
     <p:spTree>
       <p:nvGrpSpPr>
-        <p:cNvPr id="24" name="Shape 24"/>
+        <p:cNvPr id="1" name="Shape 24"/>
         <p:cNvGrpSpPr/>
         <p:nvPr/>
       </p:nvGrpSpPr>
@@ -2549,9 +2778,11 @@
       <p:sp>
         <p:nvSpPr>
           <p:cNvPr id="25" name="Shape 25"/>
-          <p:cNvSpPr txBox="1"/>
+          <p:cNvSpPr txBox="1">
+            <a:spLocks noGrp="1"/>
+          </p:cNvSpPr>
           <p:nvPr>
-            <p:ph idx="1" type="body"/>
+            <p:ph type="body" idx="1"/>
           </p:nvPr>
         </p:nvSpPr>
         <p:spPr>
@@ -2564,7 +2795,7 @@
           </a:prstGeom>
         </p:spPr>
         <p:txBody>
-          <a:bodyPr anchorCtr="0" anchor="t" bIns="91425" lIns="91425" rIns="91425" tIns="91425"/>
+          <a:bodyPr lIns="91425" tIns="91425" rIns="91425" bIns="91425" anchor="t" anchorCtr="0"/>
           <a:lstStyle>
             <a:lvl1pPr algn="ctr">
               <a:spcBef>
@@ -2575,15 +2806,19 @@
               <a:defRPr sz="1800"/>
             </a:lvl1pPr>
           </a:lstStyle>
-          <a:p/>
+          <a:p>
+            <a:endParaRPr/>
+          </a:p>
         </p:txBody>
       </p:sp>
       <p:sp>
         <p:nvSpPr>
           <p:cNvPr id="26" name="Shape 26"/>
-          <p:cNvSpPr txBox="1"/>
+          <p:cNvSpPr txBox="1">
+            <a:spLocks noGrp="1"/>
+          </p:cNvSpPr>
           <p:nvPr>
-            <p:ph idx="12" type="sldNum"/>
+            <p:ph type="sldNum" idx="12"/>
           </p:nvPr>
         </p:nvSpPr>
         <p:spPr>
@@ -2596,7 +2831,7 @@
           </a:prstGeom>
         </p:spPr>
         <p:txBody>
-          <a:bodyPr anchorCtr="0" anchor="ctr" bIns="91425" lIns="91425" rIns="91425" tIns="91425">
+          <a:bodyPr lIns="91425" tIns="91425" rIns="91425" bIns="91425" anchor="ctr" anchorCtr="0">
             <a:noAutofit/>
           </a:bodyPr>
           <a:lstStyle>
@@ -2619,6 +2854,7 @@
               <a:rPr lang="en"/>
               <a:t>‹#›</a:t>
             </a:fld>
+            <a:endParaRPr lang="en"/>
           </a:p>
         </p:txBody>
       </p:sp>
@@ -2631,11 +2867,11 @@
 </file>
 
 <file path=ppt/slideLayouts/slideLayout6.xml><?xml version="1.0" encoding="utf-8"?>
-<p:sldLayout xmlns:a="http://schemas.openxmlformats.org/drawingml/2006/main" xmlns:r="http://schemas.openxmlformats.org/officeDocument/2006/relationships" xmlns:mc="http://schemas.openxmlformats.org/markup-compatibility/2006" xmlns:mv="urn:schemas-microsoft-com:mac:vml" xmlns:p="http://schemas.openxmlformats.org/presentationml/2006/main" xmlns:c="http://schemas.openxmlformats.org/drawingml/2006/chart" xmlns:dgm="http://schemas.openxmlformats.org/drawingml/2006/diagram" xmlns:o="urn:schemas-microsoft-com:office:office" xmlns:v="urn:schemas-microsoft-com:vml" xmlns:pvml="urn:schemas-microsoft-com:office:powerpoint" xmlns:com="http://schemas.openxmlformats.org/drawingml/2006/compatibility" xmlns:p14="http://schemas.microsoft.com/office/powerpoint/2010/main" type="blank">
+<p:sldLayout xmlns:a="http://schemas.openxmlformats.org/drawingml/2006/main" xmlns:r="http://schemas.openxmlformats.org/officeDocument/2006/relationships" xmlns:p="http://schemas.openxmlformats.org/presentationml/2006/main" type="blank">
   <p:cSld name="Blank">
     <p:spTree>
       <p:nvGrpSpPr>
-        <p:cNvPr id="27" name="Shape 27"/>
+        <p:cNvPr id="1" name="Shape 27"/>
         <p:cNvGrpSpPr/>
         <p:nvPr/>
       </p:nvGrpSpPr>
@@ -2650,9 +2886,11 @@
       <p:sp>
         <p:nvSpPr>
           <p:cNvPr id="28" name="Shape 28"/>
-          <p:cNvSpPr txBox="1"/>
+          <p:cNvSpPr txBox="1">
+            <a:spLocks noGrp="1"/>
+          </p:cNvSpPr>
           <p:nvPr>
-            <p:ph idx="12" type="sldNum"/>
+            <p:ph type="sldNum" idx="12"/>
           </p:nvPr>
         </p:nvSpPr>
         <p:spPr>
@@ -2665,7 +2903,7 @@
           </a:prstGeom>
         </p:spPr>
         <p:txBody>
-          <a:bodyPr anchorCtr="0" anchor="ctr" bIns="91425" lIns="91425" rIns="91425" tIns="91425">
+          <a:bodyPr lIns="91425" tIns="91425" rIns="91425" bIns="91425" anchor="ctr" anchorCtr="0">
             <a:noAutofit/>
           </a:bodyPr>
           <a:lstStyle>
@@ -2688,6 +2926,7 @@
               <a:rPr lang="en"/>
               <a:t>‹#›</a:t>
             </a:fld>
+            <a:endParaRPr lang="en"/>
           </a:p>
         </p:txBody>
       </p:sp>
@@ -2700,18 +2939,19 @@
 </file>
 
 <file path=ppt/slideMasters/slideMaster1.xml><?xml version="1.0" encoding="utf-8"?>
-<p:sldMaster xmlns:a="http://schemas.openxmlformats.org/drawingml/2006/main" xmlns:r="http://schemas.openxmlformats.org/officeDocument/2006/relationships" xmlns:mc="http://schemas.openxmlformats.org/markup-compatibility/2006" xmlns:mv="urn:schemas-microsoft-com:mac:vml" xmlns:p="http://schemas.openxmlformats.org/presentationml/2006/main" xmlns:c="http://schemas.openxmlformats.org/drawingml/2006/chart" xmlns:dgm="http://schemas.openxmlformats.org/drawingml/2006/diagram" xmlns:o="urn:schemas-microsoft-com:office:office" xmlns:v="urn:schemas-microsoft-com:vml" xmlns:pvml="urn:schemas-microsoft-com:office:powerpoint" xmlns:com="http://schemas.openxmlformats.org/drawingml/2006/compatibility" xmlns:p14="http://schemas.microsoft.com/office/powerpoint/2010/main">
+<p:sldMaster xmlns:a="http://schemas.openxmlformats.org/drawingml/2006/main" xmlns:r="http://schemas.openxmlformats.org/officeDocument/2006/relationships" xmlns:p="http://schemas.openxmlformats.org/presentationml/2006/main">
   <p:cSld>
     <p:bg>
       <p:bgPr>
         <a:solidFill>
           <a:schemeClr val="lt1"/>
         </a:solidFill>
+        <a:effectLst/>
       </p:bgPr>
     </p:bg>
     <p:spTree>
       <p:nvGrpSpPr>
-        <p:cNvPr id="4" name="Shape 4"/>
+        <p:cNvPr id="1" name="Shape 4"/>
         <p:cNvGrpSpPr/>
         <p:nvPr/>
       </p:nvGrpSpPr>
@@ -2726,7 +2966,9 @@
       <p:sp>
         <p:nvSpPr>
           <p:cNvPr id="5" name="Shape 5"/>
-          <p:cNvSpPr txBox="1"/>
+          <p:cNvSpPr txBox="1">
+            <a:spLocks noGrp="1"/>
+          </p:cNvSpPr>
           <p:nvPr>
             <p:ph type="title"/>
           </p:nvPr>
@@ -2745,7 +2987,7 @@
           </a:ln>
         </p:spPr>
         <p:txBody>
-          <a:bodyPr anchorCtr="0" anchor="b" bIns="91425" lIns="91425" rIns="91425" tIns="91425"/>
+          <a:bodyPr lIns="91425" tIns="91425" rIns="91425" bIns="91425" anchor="b" anchorCtr="0"/>
           <a:lstStyle>
             <a:lvl1pPr>
               <a:spcBef>
@@ -2756,7 +2998,7 @@
               </a:buClr>
               <a:buSzPct val="100000"/>
               <a:buNone/>
-              <a:defRPr b="1" sz="3600">
+              <a:defRPr sz="3600" b="1">
                 <a:solidFill>
                   <a:schemeClr val="dk1"/>
                 </a:solidFill>
@@ -2771,7 +3013,7 @@
               </a:buClr>
               <a:buSzPct val="100000"/>
               <a:buNone/>
-              <a:defRPr b="1" sz="3600">
+              <a:defRPr sz="3600" b="1">
                 <a:solidFill>
                   <a:schemeClr val="dk1"/>
                 </a:solidFill>
@@ -2786,7 +3028,7 @@
               </a:buClr>
               <a:buSzPct val="100000"/>
               <a:buNone/>
-              <a:defRPr b="1" sz="3600">
+              <a:defRPr sz="3600" b="1">
                 <a:solidFill>
                   <a:schemeClr val="dk1"/>
                 </a:solidFill>
@@ -2801,7 +3043,7 @@
               </a:buClr>
               <a:buSzPct val="100000"/>
               <a:buNone/>
-              <a:defRPr b="1" sz="3600">
+              <a:defRPr sz="3600" b="1">
                 <a:solidFill>
                   <a:schemeClr val="dk1"/>
                 </a:solidFill>
@@ -2816,7 +3058,7 @@
               </a:buClr>
               <a:buSzPct val="100000"/>
               <a:buNone/>
-              <a:defRPr b="1" sz="3600">
+              <a:defRPr sz="3600" b="1">
                 <a:solidFill>
                   <a:schemeClr val="dk1"/>
                 </a:solidFill>
@@ -2831,7 +3073,7 @@
               </a:buClr>
               <a:buSzPct val="100000"/>
               <a:buNone/>
-              <a:defRPr b="1" sz="3600">
+              <a:defRPr sz="3600" b="1">
                 <a:solidFill>
                   <a:schemeClr val="dk1"/>
                 </a:solidFill>
@@ -2846,7 +3088,7 @@
               </a:buClr>
               <a:buSzPct val="100000"/>
               <a:buNone/>
-              <a:defRPr b="1" sz="3600">
+              <a:defRPr sz="3600" b="1">
                 <a:solidFill>
                   <a:schemeClr val="dk1"/>
                 </a:solidFill>
@@ -2861,7 +3103,7 @@
               </a:buClr>
               <a:buSzPct val="100000"/>
               <a:buNone/>
-              <a:defRPr b="1" sz="3600">
+              <a:defRPr sz="3600" b="1">
                 <a:solidFill>
                   <a:schemeClr val="dk1"/>
                 </a:solidFill>
@@ -2876,22 +3118,26 @@
               </a:buClr>
               <a:buSzPct val="100000"/>
               <a:buNone/>
-              <a:defRPr b="1" sz="3600">
+              <a:defRPr sz="3600" b="1">
                 <a:solidFill>
                   <a:schemeClr val="dk1"/>
                 </a:solidFill>
               </a:defRPr>
             </a:lvl9pPr>
           </a:lstStyle>
-          <a:p/>
+          <a:p>
+            <a:endParaRPr/>
+          </a:p>
         </p:txBody>
       </p:sp>
       <p:sp>
         <p:nvSpPr>
           <p:cNvPr id="6" name="Shape 6"/>
-          <p:cNvSpPr txBox="1"/>
+          <p:cNvSpPr txBox="1">
+            <a:spLocks noGrp="1"/>
+          </p:cNvSpPr>
           <p:nvPr>
-            <p:ph idx="1" type="body"/>
+            <p:ph type="body" idx="1"/>
           </p:nvPr>
         </p:nvSpPr>
         <p:spPr>
@@ -2908,7 +3154,7 @@
           </a:ln>
         </p:spPr>
         <p:txBody>
-          <a:bodyPr anchorCtr="0" anchor="t" bIns="91425" lIns="91425" rIns="91425" tIns="91425"/>
+          <a:bodyPr lIns="91425" tIns="91425" rIns="91425" bIns="91425" anchor="t" anchorCtr="0"/>
           <a:lstStyle>
             <a:lvl1pPr>
               <a:spcBef>
@@ -3037,15 +3283,19 @@
               </a:defRPr>
             </a:lvl9pPr>
           </a:lstStyle>
-          <a:p/>
+          <a:p>
+            <a:endParaRPr/>
+          </a:p>
         </p:txBody>
       </p:sp>
       <p:sp>
         <p:nvSpPr>
           <p:cNvPr id="7" name="Shape 7"/>
-          <p:cNvSpPr txBox="1"/>
+          <p:cNvSpPr txBox="1">
+            <a:spLocks noGrp="1"/>
+          </p:cNvSpPr>
           <p:nvPr>
-            <p:ph idx="12" type="sldNum"/>
+            <p:ph type="sldNum" idx="12"/>
           </p:nvPr>
         </p:nvSpPr>
         <p:spPr>
@@ -3062,7 +3312,7 @@
           </a:ln>
         </p:spPr>
         <p:txBody>
-          <a:bodyPr anchorCtr="0" anchor="ctr" bIns="91425" lIns="91425" rIns="91425" tIns="91425">
+          <a:bodyPr lIns="91425" tIns="91425" rIns="91425" bIns="91425" anchor="ctr" anchorCtr="0">
             <a:noAutofit/>
           </a:bodyPr>
           <a:lstStyle>
@@ -3089,12 +3339,13 @@
               <a:rPr lang="en"/>
               <a:t>‹#›</a:t>
             </a:fld>
+            <a:endParaRPr lang="en"/>
           </a:p>
         </p:txBody>
       </p:sp>
     </p:spTree>
   </p:cSld>
-  <p:clrMap accent1="accent1" accent2="accent2" accent3="accent3" accent4="accent4" accent5="accent5" accent6="accent6" bg1="lt1" bg2="dk2" tx1="dk1" tx2="lt2" folHlink="folHlink" hlink="hlink"/>
+  <p:clrMap bg1="lt1" tx1="dk1" bg2="dk2" tx2="lt2" accent1="accent1" accent2="accent2" accent3="accent3" accent4="accent4" accent5="accent5" accent6="accent6" hlink="hlink" folHlink="folHlink"/>
   <p:sldLayoutIdLst>
     <p:sldLayoutId id="2147483648" r:id="rId1"/>
     <p:sldLayoutId id="2147483649" r:id="rId2"/>
@@ -3103,10 +3354,10 @@
     <p:sldLayoutId id="2147483652" r:id="rId5"/>
     <p:sldLayoutId id="2147483653" r:id="rId6"/>
   </p:sldLayoutIdLst>
-  <p:hf dt="0" ftr="0" hdr="0" sldNum="0"/>
+  <p:hf sldNum="0" hdr="0" ftr="0" dt="0"/>
   <p:txStyles>
     <p:titleStyle>
-      <a:defPPr marR="0" rtl="0" algn="l">
+      <a:defPPr marR="0" algn="l" rtl="0">
         <a:lnSpc>
           <a:spcPct val="100000"/>
         </a:lnSpc>
@@ -3117,7 +3368,7 @@
           <a:spcPts val="0"/>
         </a:spcAft>
       </a:defPPr>
-      <a:lvl1pPr marR="0" rtl="0" algn="l">
+      <a:lvl1pPr marR="0" algn="l" rtl="0">
         <a:lnSpc>
           <a:spcPct val="100000"/>
         </a:lnSpc>
@@ -3128,7 +3379,7 @@
           <a:spcPts val="0"/>
         </a:spcAft>
         <a:buNone/>
-        <a:defRPr b="0" baseline="0" i="0" sz="1400" u="none" cap="none" strike="noStrike">
+        <a:defRPr sz="1400" b="0" i="0" u="none" strike="noStrike" cap="none" baseline="0">
           <a:solidFill>
             <a:srgbClr val="000000"/>
           </a:solidFill>
@@ -3139,7 +3390,7 @@
           <a:rtl val="0"/>
         </a:defRPr>
       </a:lvl1pPr>
-      <a:lvl2pPr marR="0" rtl="0" algn="l">
+      <a:lvl2pPr marR="0" algn="l" rtl="0">
         <a:lnSpc>
           <a:spcPct val="100000"/>
         </a:lnSpc>
@@ -3150,7 +3401,7 @@
           <a:spcPts val="0"/>
         </a:spcAft>
         <a:buNone/>
-        <a:defRPr b="0" baseline="0" i="0" sz="1400" u="none" cap="none" strike="noStrike">
+        <a:defRPr sz="1400" b="0" i="0" u="none" strike="noStrike" cap="none" baseline="0">
           <a:solidFill>
             <a:srgbClr val="000000"/>
           </a:solidFill>
@@ -3163,7 +3414,7 @@
       </a:lvl2pPr>
     </p:titleStyle>
     <p:bodyStyle>
-      <a:defPPr marR="0" rtl="0" algn="l">
+      <a:defPPr marR="0" algn="l" rtl="0">
         <a:lnSpc>
           <a:spcPct val="100000"/>
         </a:lnSpc>
@@ -3174,7 +3425,7 @@
           <a:spcPts val="0"/>
         </a:spcAft>
       </a:defPPr>
-      <a:lvl1pPr marR="0" rtl="0" algn="l">
+      <a:lvl1pPr marR="0" algn="l" rtl="0">
         <a:lnSpc>
           <a:spcPct val="100000"/>
         </a:lnSpc>
@@ -3185,7 +3436,7 @@
           <a:spcPts val="0"/>
         </a:spcAft>
         <a:buNone/>
-        <a:defRPr b="0" baseline="0" i="0" sz="1400" u="none" cap="none" strike="noStrike">
+        <a:defRPr sz="1400" b="0" i="0" u="none" strike="noStrike" cap="none" baseline="0">
           <a:solidFill>
             <a:srgbClr val="000000"/>
           </a:solidFill>
@@ -3196,7 +3447,7 @@
           <a:rtl val="0"/>
         </a:defRPr>
       </a:lvl1pPr>
-      <a:lvl2pPr marR="0" rtl="0" algn="l">
+      <a:lvl2pPr marR="0" algn="l" rtl="0">
         <a:lnSpc>
           <a:spcPct val="100000"/>
         </a:lnSpc>
@@ -3207,7 +3458,7 @@
           <a:spcPts val="0"/>
         </a:spcAft>
         <a:buNone/>
-        <a:defRPr b="0" baseline="0" i="0" sz="1400" u="none" cap="none" strike="noStrike">
+        <a:defRPr sz="1400" b="0" i="0" u="none" strike="noStrike" cap="none" baseline="0">
           <a:solidFill>
             <a:srgbClr val="000000"/>
           </a:solidFill>
@@ -3218,7 +3469,7 @@
           <a:rtl val="0"/>
         </a:defRPr>
       </a:lvl2pPr>
-      <a:lvl3pPr marR="0" rtl="0" algn="l">
+      <a:lvl3pPr marR="0" algn="l" rtl="0">
         <a:lnSpc>
           <a:spcPct val="100000"/>
         </a:lnSpc>
@@ -3229,7 +3480,7 @@
           <a:spcPts val="0"/>
         </a:spcAft>
         <a:buNone/>
-        <a:defRPr b="0" baseline="0" i="0" sz="1400" u="none" cap="none" strike="noStrike">
+        <a:defRPr sz="1400" b="0" i="0" u="none" strike="noStrike" cap="none" baseline="0">
           <a:solidFill>
             <a:srgbClr val="000000"/>
           </a:solidFill>
@@ -3240,7 +3491,7 @@
           <a:rtl val="0"/>
         </a:defRPr>
       </a:lvl3pPr>
-      <a:lvl4pPr marR="0" rtl="0" algn="l">
+      <a:lvl4pPr marR="0" algn="l" rtl="0">
         <a:lnSpc>
           <a:spcPct val="100000"/>
         </a:lnSpc>
@@ -3251,7 +3502,7 @@
           <a:spcPts val="0"/>
         </a:spcAft>
         <a:buNone/>
-        <a:defRPr b="0" baseline="0" i="0" sz="1400" u="none" cap="none" strike="noStrike">
+        <a:defRPr sz="1400" b="0" i="0" u="none" strike="noStrike" cap="none" baseline="0">
           <a:solidFill>
             <a:srgbClr val="000000"/>
           </a:solidFill>
@@ -3262,7 +3513,7 @@
           <a:rtl val="0"/>
         </a:defRPr>
       </a:lvl4pPr>
-      <a:lvl5pPr marR="0" rtl="0" algn="l">
+      <a:lvl5pPr marR="0" algn="l" rtl="0">
         <a:lnSpc>
           <a:spcPct val="100000"/>
         </a:lnSpc>
@@ -3273,7 +3524,7 @@
           <a:spcPts val="0"/>
         </a:spcAft>
         <a:buNone/>
-        <a:defRPr b="0" baseline="0" i="0" sz="1400" u="none" cap="none" strike="noStrike">
+        <a:defRPr sz="1400" b="0" i="0" u="none" strike="noStrike" cap="none" baseline="0">
           <a:solidFill>
             <a:srgbClr val="000000"/>
           </a:solidFill>
@@ -3284,7 +3535,7 @@
           <a:rtl val="0"/>
         </a:defRPr>
       </a:lvl5pPr>
-      <a:lvl6pPr marR="0" rtl="0" algn="l">
+      <a:lvl6pPr marR="0" algn="l" rtl="0">
         <a:lnSpc>
           <a:spcPct val="100000"/>
         </a:lnSpc>
@@ -3295,7 +3546,7 @@
           <a:spcPts val="0"/>
         </a:spcAft>
         <a:buNone/>
-        <a:defRPr b="0" baseline="0" i="0" sz="1400" u="none" cap="none" strike="noStrike">
+        <a:defRPr sz="1400" b="0" i="0" u="none" strike="noStrike" cap="none" baseline="0">
           <a:solidFill>
             <a:srgbClr val="000000"/>
           </a:solidFill>
@@ -3306,7 +3557,7 @@
           <a:rtl val="0"/>
         </a:defRPr>
       </a:lvl6pPr>
-      <a:lvl7pPr marR="0" rtl="0" algn="l">
+      <a:lvl7pPr marR="0" algn="l" rtl="0">
         <a:lnSpc>
           <a:spcPct val="100000"/>
         </a:lnSpc>
@@ -3317,7 +3568,7 @@
           <a:spcPts val="0"/>
         </a:spcAft>
         <a:buNone/>
-        <a:defRPr b="0" baseline="0" i="0" sz="1400" u="none" cap="none" strike="noStrike">
+        <a:defRPr sz="1400" b="0" i="0" u="none" strike="noStrike" cap="none" baseline="0">
           <a:solidFill>
             <a:srgbClr val="000000"/>
           </a:solidFill>
@@ -3328,7 +3579,7 @@
           <a:rtl val="0"/>
         </a:defRPr>
       </a:lvl7pPr>
-      <a:lvl8pPr marR="0" rtl="0" algn="l">
+      <a:lvl8pPr marR="0" algn="l" rtl="0">
         <a:lnSpc>
           <a:spcPct val="100000"/>
         </a:lnSpc>
@@ -3339,7 +3590,7 @@
           <a:spcPts val="0"/>
         </a:spcAft>
         <a:buNone/>
-        <a:defRPr b="0" baseline="0" i="0" sz="1400" u="none" cap="none" strike="noStrike">
+        <a:defRPr sz="1400" b="0" i="0" u="none" strike="noStrike" cap="none" baseline="0">
           <a:solidFill>
             <a:srgbClr val="000000"/>
           </a:solidFill>
@@ -3350,7 +3601,7 @@
           <a:rtl val="0"/>
         </a:defRPr>
       </a:lvl8pPr>
-      <a:lvl9pPr marR="0" rtl="0" algn="l">
+      <a:lvl9pPr marR="0" algn="l" rtl="0">
         <a:lnSpc>
           <a:spcPct val="100000"/>
         </a:lnSpc>
@@ -3361,7 +3612,7 @@
           <a:spcPts val="0"/>
         </a:spcAft>
         <a:buNone/>
-        <a:defRPr b="0" baseline="0" i="0" sz="1400" u="none" cap="none" strike="noStrike">
+        <a:defRPr sz="1400" b="0" i="0" u="none" strike="noStrike" cap="none" baseline="0">
           <a:solidFill>
             <a:srgbClr val="000000"/>
           </a:solidFill>
@@ -3374,7 +3625,7 @@
       </a:lvl9pPr>
     </p:bodyStyle>
     <p:otherStyle>
-      <a:defPPr marR="0" rtl="0" algn="l">
+      <a:defPPr marR="0" algn="l" rtl="0">
         <a:lnSpc>
           <a:spcPct val="100000"/>
         </a:lnSpc>
@@ -3385,7 +3636,7 @@
           <a:spcPts val="0"/>
         </a:spcAft>
       </a:defPPr>
-      <a:lvl1pPr marR="0" rtl="0" algn="l">
+      <a:lvl1pPr marR="0" algn="l" rtl="0">
         <a:lnSpc>
           <a:spcPct val="100000"/>
         </a:lnSpc>
@@ -3396,7 +3647,7 @@
           <a:spcPts val="0"/>
         </a:spcAft>
         <a:buNone/>
-        <a:defRPr b="0" baseline="0" i="0" sz="1400" u="none" cap="none" strike="noStrike">
+        <a:defRPr sz="1400" b="0" i="0" u="none" strike="noStrike" cap="none" baseline="0">
           <a:solidFill>
             <a:srgbClr val="000000"/>
           </a:solidFill>
@@ -3407,7 +3658,7 @@
           <a:rtl val="0"/>
         </a:defRPr>
       </a:lvl1pPr>
-      <a:lvl2pPr marR="0" rtl="0" algn="l">
+      <a:lvl2pPr marR="0" algn="l" rtl="0">
         <a:lnSpc>
           <a:spcPct val="100000"/>
         </a:lnSpc>
@@ -3418,7 +3669,7 @@
           <a:spcPts val="0"/>
         </a:spcAft>
         <a:buNone/>
-        <a:defRPr b="0" baseline="0" i="0" sz="1400" u="none" cap="none" strike="noStrike">
+        <a:defRPr sz="1400" b="0" i="0" u="none" strike="noStrike" cap="none" baseline="0">
           <a:solidFill>
             <a:srgbClr val="000000"/>
           </a:solidFill>
@@ -3429,7 +3680,7 @@
           <a:rtl val="0"/>
         </a:defRPr>
       </a:lvl2pPr>
-      <a:lvl3pPr marR="0" rtl="0" algn="l">
+      <a:lvl3pPr marR="0" algn="l" rtl="0">
         <a:lnSpc>
           <a:spcPct val="100000"/>
         </a:lnSpc>
@@ -3440,7 +3691,7 @@
           <a:spcPts val="0"/>
         </a:spcAft>
         <a:buNone/>
-        <a:defRPr b="0" baseline="0" i="0" sz="1400" u="none" cap="none" strike="noStrike">
+        <a:defRPr sz="1400" b="0" i="0" u="none" strike="noStrike" cap="none" baseline="0">
           <a:solidFill>
             <a:srgbClr val="000000"/>
           </a:solidFill>
@@ -3451,7 +3702,7 @@
           <a:rtl val="0"/>
         </a:defRPr>
       </a:lvl3pPr>
-      <a:lvl4pPr marR="0" rtl="0" algn="l">
+      <a:lvl4pPr marR="0" algn="l" rtl="0">
         <a:lnSpc>
           <a:spcPct val="100000"/>
         </a:lnSpc>
@@ -3462,7 +3713,7 @@
           <a:spcPts val="0"/>
         </a:spcAft>
         <a:buNone/>
-        <a:defRPr b="0" baseline="0" i="0" sz="1400" u="none" cap="none" strike="noStrike">
+        <a:defRPr sz="1400" b="0" i="0" u="none" strike="noStrike" cap="none" baseline="0">
           <a:solidFill>
             <a:srgbClr val="000000"/>
           </a:solidFill>
@@ -3473,7 +3724,7 @@
           <a:rtl val="0"/>
         </a:defRPr>
       </a:lvl4pPr>
-      <a:lvl5pPr marR="0" rtl="0" algn="l">
+      <a:lvl5pPr marR="0" algn="l" rtl="0">
         <a:lnSpc>
           <a:spcPct val="100000"/>
         </a:lnSpc>
@@ -3484,7 +3735,7 @@
           <a:spcPts val="0"/>
         </a:spcAft>
         <a:buNone/>
-        <a:defRPr b="0" baseline="0" i="0" sz="1400" u="none" cap="none" strike="noStrike">
+        <a:defRPr sz="1400" b="0" i="0" u="none" strike="noStrike" cap="none" baseline="0">
           <a:solidFill>
             <a:srgbClr val="000000"/>
           </a:solidFill>
@@ -3495,7 +3746,7 @@
           <a:rtl val="0"/>
         </a:defRPr>
       </a:lvl5pPr>
-      <a:lvl6pPr marR="0" rtl="0" algn="l">
+      <a:lvl6pPr marR="0" algn="l" rtl="0">
         <a:lnSpc>
           <a:spcPct val="100000"/>
         </a:lnSpc>
@@ -3506,7 +3757,7 @@
           <a:spcPts val="0"/>
         </a:spcAft>
         <a:buNone/>
-        <a:defRPr b="0" baseline="0" i="0" sz="1400" u="none" cap="none" strike="noStrike">
+        <a:defRPr sz="1400" b="0" i="0" u="none" strike="noStrike" cap="none" baseline="0">
           <a:solidFill>
             <a:srgbClr val="000000"/>
           </a:solidFill>
@@ -3517,7 +3768,7 @@
           <a:rtl val="0"/>
         </a:defRPr>
       </a:lvl6pPr>
-      <a:lvl7pPr marR="0" rtl="0" algn="l">
+      <a:lvl7pPr marR="0" algn="l" rtl="0">
         <a:lnSpc>
           <a:spcPct val="100000"/>
         </a:lnSpc>
@@ -3528,7 +3779,7 @@
           <a:spcPts val="0"/>
         </a:spcAft>
         <a:buNone/>
-        <a:defRPr b="0" baseline="0" i="0" sz="1400" u="none" cap="none" strike="noStrike">
+        <a:defRPr sz="1400" b="0" i="0" u="none" strike="noStrike" cap="none" baseline="0">
           <a:solidFill>
             <a:srgbClr val="000000"/>
           </a:solidFill>
@@ -3539,7 +3790,7 @@
           <a:rtl val="0"/>
         </a:defRPr>
       </a:lvl7pPr>
-      <a:lvl8pPr marR="0" rtl="0" algn="l">
+      <a:lvl8pPr marR="0" algn="l" rtl="0">
         <a:lnSpc>
           <a:spcPct val="100000"/>
         </a:lnSpc>
@@ -3550,7 +3801,7 @@
           <a:spcPts val="0"/>
         </a:spcAft>
         <a:buNone/>
-        <a:defRPr b="0" baseline="0" i="0" sz="1400" u="none" cap="none" strike="noStrike">
+        <a:defRPr sz="1400" b="0" i="0" u="none" strike="noStrike" cap="none" baseline="0">
           <a:solidFill>
             <a:srgbClr val="000000"/>
           </a:solidFill>
@@ -3561,7 +3812,7 @@
           <a:rtl val="0"/>
         </a:defRPr>
       </a:lvl8pPr>
-      <a:lvl9pPr marR="0" rtl="0" algn="l">
+      <a:lvl9pPr marR="0" algn="l" rtl="0">
         <a:lnSpc>
           <a:spcPct val="100000"/>
         </a:lnSpc>
@@ -3572,7 +3823,7 @@
           <a:spcPts val="0"/>
         </a:spcAft>
         <a:buNone/>
-        <a:defRPr b="0" baseline="0" i="0" sz="1400" u="none" cap="none" strike="noStrike">
+        <a:defRPr sz="1400" b="0" i="0" u="none" strike="noStrike" cap="none" baseline="0">
           <a:solidFill>
             <a:srgbClr val="000000"/>
           </a:solidFill>
@@ -3589,11 +3840,11 @@
 </file>
 
 <file path=ppt/slides/slide1.xml><?xml version="1.0" encoding="utf-8"?>
-<p:sld xmlns:a="http://schemas.openxmlformats.org/drawingml/2006/main" xmlns:r="http://schemas.openxmlformats.org/officeDocument/2006/relationships" xmlns:mc="http://schemas.openxmlformats.org/markup-compatibility/2006" xmlns:mv="urn:schemas-microsoft-com:mac:vml" xmlns:p="http://schemas.openxmlformats.org/presentationml/2006/main" xmlns:c="http://schemas.openxmlformats.org/drawingml/2006/chart" xmlns:dgm="http://schemas.openxmlformats.org/drawingml/2006/diagram" xmlns:o="urn:schemas-microsoft-com:office:office" xmlns:v="urn:schemas-microsoft-com:vml" xmlns:pvml="urn:schemas-microsoft-com:office:powerpoint" xmlns:com="http://schemas.openxmlformats.org/drawingml/2006/compatibility" xmlns:p14="http://schemas.microsoft.com/office/powerpoint/2010/main">
+<p:sld xmlns:a="http://schemas.openxmlformats.org/drawingml/2006/main" xmlns:r="http://schemas.openxmlformats.org/officeDocument/2006/relationships" xmlns:p="http://schemas.openxmlformats.org/presentationml/2006/main">
   <p:cSld>
     <p:spTree>
       <p:nvGrpSpPr>
-        <p:cNvPr id="29" name="Shape 29"/>
+        <p:cNvPr id="1" name="Shape 29"/>
         <p:cNvGrpSpPr/>
         <p:nvPr/>
       </p:nvGrpSpPr>
@@ -3615,7 +3866,7 @@
           <a:blip r:embed="rId3">
             <a:alphaModFix/>
           </a:blip>
-          <a:srcRect b="0" l="0" r="0" t="13948"/>
+          <a:srcRect t="13948"/>
           <a:stretch/>
         </p:blipFill>
         <p:spPr>
@@ -3635,7 +3886,9 @@
       <p:sp>
         <p:nvSpPr>
           <p:cNvPr id="31" name="Shape 31"/>
-          <p:cNvSpPr txBox="1"/>
+          <p:cNvSpPr txBox="1">
+            <a:spLocks noGrp="1"/>
+          </p:cNvSpPr>
           <p:nvPr>
             <p:ph type="ctrTitle"/>
           </p:nvPr>
@@ -3650,7 +3903,7 @@
           </a:prstGeom>
         </p:spPr>
         <p:txBody>
-          <a:bodyPr anchorCtr="0" anchor="b" bIns="91425" lIns="91425" rIns="91425" tIns="91425">
+          <a:bodyPr lIns="91425" tIns="91425" rIns="91425" bIns="91425" anchor="b" anchorCtr="0">
             <a:noAutofit/>
           </a:bodyPr>
           <a:lstStyle/>
@@ -3675,9 +3928,11 @@
       <p:sp>
         <p:nvSpPr>
           <p:cNvPr id="32" name="Shape 32"/>
-          <p:cNvSpPr txBox="1"/>
+          <p:cNvSpPr txBox="1">
+            <a:spLocks noGrp="1"/>
+          </p:cNvSpPr>
           <p:nvPr>
-            <p:ph idx="1" type="subTitle"/>
+            <p:ph type="subTitle" idx="1"/>
           </p:nvPr>
         </p:nvSpPr>
         <p:spPr>
@@ -3690,12 +3945,12 @@
           </a:prstGeom>
         </p:spPr>
         <p:txBody>
-          <a:bodyPr anchorCtr="0" anchor="t" bIns="91425" lIns="91425" rIns="91425" tIns="91425">
+          <a:bodyPr lIns="91425" tIns="91425" rIns="91425" bIns="91425" anchor="t" anchorCtr="0">
             <a:noAutofit/>
           </a:bodyPr>
           <a:lstStyle/>
           <a:p>
-            <a:pPr indent="0" lvl="0" marL="914400" rtl="0" algn="l">
+            <a:pPr marL="914400" lvl="0" indent="0" algn="l" rtl="0">
               <a:lnSpc>
                 <a:spcPct val="115000"/>
               </a:lnSpc>
@@ -3773,9 +4028,6 @@
               </a:spcBef>
               <a:buNone/>
             </a:pPr>
-            <a:r>
-              <a:t/>
-            </a:r>
             <a:endParaRPr>
               <a:solidFill>
                 <a:srgbClr val="FFFFFF"/>
@@ -3796,11 +4048,11 @@
 </file>
 
 <file path=ppt/slides/slide10.xml><?xml version="1.0" encoding="utf-8"?>
-<p:sld xmlns:a="http://schemas.openxmlformats.org/drawingml/2006/main" xmlns:r="http://schemas.openxmlformats.org/officeDocument/2006/relationships" xmlns:mc="http://schemas.openxmlformats.org/markup-compatibility/2006" xmlns:mv="urn:schemas-microsoft-com:mac:vml" xmlns:p="http://schemas.openxmlformats.org/presentationml/2006/main" xmlns:c="http://schemas.openxmlformats.org/drawingml/2006/chart" xmlns:dgm="http://schemas.openxmlformats.org/drawingml/2006/diagram" xmlns:o="urn:schemas-microsoft-com:office:office" xmlns:v="urn:schemas-microsoft-com:vml" xmlns:pvml="urn:schemas-microsoft-com:office:powerpoint" xmlns:com="http://schemas.openxmlformats.org/drawingml/2006/compatibility" xmlns:p14="http://schemas.microsoft.com/office/powerpoint/2010/main">
+<p:sld xmlns:a="http://schemas.openxmlformats.org/drawingml/2006/main" xmlns:r="http://schemas.openxmlformats.org/officeDocument/2006/relationships" xmlns:p="http://schemas.openxmlformats.org/presentationml/2006/main">
   <p:cSld>
     <p:spTree>
       <p:nvGrpSpPr>
-        <p:cNvPr id="89" name="Shape 89"/>
+        <p:cNvPr id="1" name="Shape 89"/>
         <p:cNvGrpSpPr/>
         <p:nvPr/>
       </p:nvGrpSpPr>
@@ -3815,7 +4067,9 @@
       <p:sp>
         <p:nvSpPr>
           <p:cNvPr id="90" name="Shape 90"/>
-          <p:cNvSpPr txBox="1"/>
+          <p:cNvSpPr txBox="1">
+            <a:spLocks noGrp="1"/>
+          </p:cNvSpPr>
           <p:nvPr>
             <p:ph type="title"/>
           </p:nvPr>
@@ -3830,7 +4084,7 @@
           </a:prstGeom>
         </p:spPr>
         <p:txBody>
-          <a:bodyPr anchorCtr="0" anchor="b" bIns="91425" lIns="91425" rIns="91425" tIns="91425">
+          <a:bodyPr lIns="91425" tIns="91425" rIns="91425" bIns="91425" anchor="b" anchorCtr="0">
             <a:noAutofit/>
           </a:bodyPr>
           <a:lstStyle/>
@@ -3851,9 +4105,11 @@
       <p:sp>
         <p:nvSpPr>
           <p:cNvPr id="91" name="Shape 91"/>
-          <p:cNvSpPr txBox="1"/>
+          <p:cNvSpPr txBox="1">
+            <a:spLocks noGrp="1"/>
+          </p:cNvSpPr>
           <p:nvPr>
-            <p:ph idx="1" type="body"/>
+            <p:ph type="body" idx="1"/>
           </p:nvPr>
         </p:nvSpPr>
         <p:spPr>
@@ -3866,7 +4122,7 @@
           </a:prstGeom>
         </p:spPr>
         <p:txBody>
-          <a:bodyPr anchorCtr="0" anchor="t" bIns="91425" lIns="91425" rIns="91425" tIns="91425">
+          <a:bodyPr lIns="91425" tIns="91425" rIns="91425" bIns="91425" anchor="t" anchorCtr="0">
             <a:noAutofit/>
           </a:bodyPr>
           <a:lstStyle/>
@@ -3883,7 +4139,7 @@
             </a:r>
           </a:p>
           <a:p>
-            <a:pPr indent="-381000" lvl="0" marL="457200" rtl="0">
+            <a:pPr marL="457200" lvl="0" indent="-381000" rtl="0">
               <a:spcBef>
                 <a:spcPts val="0"/>
               </a:spcBef>
@@ -3900,7 +4156,7 @@
             </a:r>
           </a:p>
           <a:p>
-            <a:pPr indent="-381000" lvl="0" marL="457200" rtl="0">
+            <a:pPr marL="457200" lvl="0" indent="-381000" rtl="0">
               <a:spcBef>
                 <a:spcPts val="0"/>
               </a:spcBef>
@@ -3917,7 +4173,7 @@
             </a:r>
           </a:p>
           <a:p>
-            <a:pPr indent="-381000" lvl="0" marL="457200" rtl="0">
+            <a:pPr marL="457200" lvl="0" indent="-381000" rtl="0">
               <a:spcBef>
                 <a:spcPts val="0"/>
               </a:spcBef>
@@ -3946,7 +4202,7 @@
             </a:r>
           </a:p>
           <a:p>
-            <a:pPr indent="-374650" lvl="0" marL="457200" rtl="0">
+            <a:pPr marL="457200" lvl="0" indent="-374650" rtl="0">
               <a:spcBef>
                 <a:spcPts val="0"/>
               </a:spcBef>
@@ -3963,7 +4219,7 @@
             </a:r>
           </a:p>
           <a:p>
-            <a:pPr indent="-374650" lvl="0" marL="457200" rtl="0">
+            <a:pPr marL="457200" lvl="0" indent="-374650" rtl="0">
               <a:spcBef>
                 <a:spcPts val="0"/>
               </a:spcBef>
@@ -3980,7 +4236,7 @@
             </a:r>
           </a:p>
           <a:p>
-            <a:pPr indent="-374650" lvl="0" marL="457200" rtl="0">
+            <a:pPr marL="457200" lvl="0" indent="-374650" rtl="0">
               <a:spcBef>
                 <a:spcPts val="0"/>
               </a:spcBef>
@@ -3997,7 +4253,7 @@
             </a:r>
           </a:p>
           <a:p>
-            <a:pPr indent="-374650" lvl="0" marL="457200">
+            <a:pPr marL="457200" lvl="0" indent="-374650">
               <a:spcBef>
                 <a:spcPts val="0"/>
               </a:spcBef>
@@ -4027,11 +4283,11 @@
 </file>
 
 <file path=ppt/slides/slide11.xml><?xml version="1.0" encoding="utf-8"?>
-<p:sld xmlns:a="http://schemas.openxmlformats.org/drawingml/2006/main" xmlns:r="http://schemas.openxmlformats.org/officeDocument/2006/relationships" xmlns:mc="http://schemas.openxmlformats.org/markup-compatibility/2006" xmlns:mv="urn:schemas-microsoft-com:mac:vml" xmlns:p="http://schemas.openxmlformats.org/presentationml/2006/main" xmlns:c="http://schemas.openxmlformats.org/drawingml/2006/chart" xmlns:dgm="http://schemas.openxmlformats.org/drawingml/2006/diagram" xmlns:o="urn:schemas-microsoft-com:office:office" xmlns:v="urn:schemas-microsoft-com:vml" xmlns:pvml="urn:schemas-microsoft-com:office:powerpoint" xmlns:com="http://schemas.openxmlformats.org/drawingml/2006/compatibility" xmlns:p14="http://schemas.microsoft.com/office/powerpoint/2010/main">
+<p:sld xmlns:a="http://schemas.openxmlformats.org/drawingml/2006/main" xmlns:r="http://schemas.openxmlformats.org/officeDocument/2006/relationships" xmlns:p="http://schemas.openxmlformats.org/presentationml/2006/main">
   <p:cSld>
     <p:spTree>
       <p:nvGrpSpPr>
-        <p:cNvPr id="95" name="Shape 95"/>
+        <p:cNvPr id="1" name="Shape 95"/>
         <p:cNvGrpSpPr/>
         <p:nvPr/>
       </p:nvGrpSpPr>
@@ -4046,7 +4302,9 @@
       <p:sp>
         <p:nvSpPr>
           <p:cNvPr id="96" name="Shape 96"/>
-          <p:cNvSpPr txBox="1"/>
+          <p:cNvSpPr txBox="1">
+            <a:spLocks noGrp="1"/>
+          </p:cNvSpPr>
           <p:nvPr>
             <p:ph type="title"/>
           </p:nvPr>
@@ -4061,7 +4319,7 @@
           </a:prstGeom>
         </p:spPr>
         <p:txBody>
-          <a:bodyPr anchorCtr="0" anchor="b" bIns="91425" lIns="91425" rIns="91425" tIns="91425">
+          <a:bodyPr lIns="91425" tIns="91425" rIns="91425" bIns="91425" anchor="b" anchorCtr="0">
             <a:noAutofit/>
           </a:bodyPr>
           <a:lstStyle/>
@@ -4082,9 +4340,11 @@
       <p:sp>
         <p:nvSpPr>
           <p:cNvPr id="97" name="Shape 97"/>
-          <p:cNvSpPr txBox="1"/>
+          <p:cNvSpPr txBox="1">
+            <a:spLocks noGrp="1"/>
+          </p:cNvSpPr>
           <p:nvPr>
-            <p:ph idx="1" type="body"/>
+            <p:ph type="body" idx="1"/>
           </p:nvPr>
         </p:nvSpPr>
         <p:spPr>
@@ -4097,12 +4357,12 @@
           </a:prstGeom>
         </p:spPr>
         <p:txBody>
-          <a:bodyPr anchorCtr="0" anchor="t" bIns="91425" lIns="91425" rIns="91425" tIns="91425">
+          <a:bodyPr lIns="91425" tIns="91425" rIns="91425" bIns="91425" anchor="t" anchorCtr="0">
             <a:noAutofit/>
           </a:bodyPr>
           <a:lstStyle/>
           <a:p>
-            <a:pPr indent="-381000" lvl="0" marL="457200" rtl="0">
+            <a:pPr marL="457200" lvl="0" indent="-381000" rtl="0">
               <a:spcBef>
                 <a:spcPts val="0"/>
               </a:spcBef>
@@ -4114,7 +4374,7 @@
               <a:buChar char="●"/>
             </a:pPr>
             <a:r>
-              <a:rPr lang="en" sz="2400"/>
+              <a:rPr lang="en" sz="2400" dirty="0"/>
               <a:t>Basic game that allow people from all backgrounds and skill levels to play.</a:t>
             </a:r>
           </a:p>
@@ -4125,10 +4385,7 @@
               </a:spcBef>
               <a:buNone/>
             </a:pPr>
-            <a:r>
-              <a:t/>
-            </a:r>
-            <a:endParaRPr sz="2400"/>
+            <a:endParaRPr sz="2400" dirty="0"/>
           </a:p>
           <a:p>
             <a:pPr rtl="0">
@@ -4137,10 +4394,7 @@
               </a:spcBef>
               <a:buNone/>
             </a:pPr>
-            <a:r>
-              <a:t/>
-            </a:r>
-            <a:endParaRPr sz="2400"/>
+            <a:endParaRPr sz="2400" dirty="0"/>
           </a:p>
           <a:p>
             <a:pPr rtl="0">
@@ -4149,10 +4403,7 @@
               </a:spcBef>
               <a:buNone/>
             </a:pPr>
-            <a:r>
-              <a:t/>
-            </a:r>
-            <a:endParaRPr sz="2400"/>
+            <a:endParaRPr sz="2400" dirty="0"/>
           </a:p>
           <a:p>
             <a:pPr lvl="0" rtl="0">
@@ -4161,13 +4412,10 @@
               </a:spcBef>
               <a:buNone/>
             </a:pPr>
-            <a:r>
-              <a:t/>
-            </a:r>
-            <a:endParaRPr sz="2400"/>
-          </a:p>
-          <a:p>
-            <a:pPr indent="-381000" lvl="0" marL="457200">
+            <a:endParaRPr sz="2400" dirty="0"/>
+          </a:p>
+          <a:p>
+            <a:pPr marL="457200" lvl="0" indent="-381000">
               <a:spcBef>
                 <a:spcPts val="0"/>
               </a:spcBef>
@@ -4179,12 +4427,39 @@
               <a:buChar char="●"/>
             </a:pPr>
             <a:r>
-              <a:rPr lang="en" sz="2400"/>
+              <a:rPr lang="en" sz="2400" dirty="0"/>
               <a:t>Generates awareness of dangers while using the internet, and details on these.</a:t>
             </a:r>
           </a:p>
         </p:txBody>
       </p:sp>
+      <p:pic>
+        <p:nvPicPr>
+          <p:cNvPr id="4" name="Shape 98"/>
+          <p:cNvPicPr preferRelativeResize="0"/>
+          <p:nvPr/>
+        </p:nvPicPr>
+        <p:blipFill rotWithShape="1">
+          <a:blip r:embed="rId3">
+            <a:alphaModFix/>
+          </a:blip>
+          <a:srcRect l="26611" t="11208" r="26742" b="6978"/>
+          <a:stretch/>
+        </p:blipFill>
+        <p:spPr>
+          <a:xfrm>
+            <a:off x="4860032" y="1779662"/>
+            <a:ext cx="1562170" cy="1720147"/>
+          </a:xfrm>
+          <a:prstGeom prst="rect">
+            <a:avLst/>
+          </a:prstGeom>
+          <a:noFill/>
+          <a:ln>
+            <a:noFill/>
+          </a:ln>
+        </p:spPr>
+      </p:pic>
     </p:spTree>
   </p:cSld>
   <p:clrMapOvr>
@@ -4197,11 +4472,11 @@
 </file>
 
 <file path=ppt/slides/slide2.xml><?xml version="1.0" encoding="utf-8"?>
-<p:sld xmlns:a="http://schemas.openxmlformats.org/drawingml/2006/main" xmlns:r="http://schemas.openxmlformats.org/officeDocument/2006/relationships" xmlns:mc="http://schemas.openxmlformats.org/markup-compatibility/2006" xmlns:mv="urn:schemas-microsoft-com:mac:vml" xmlns:p="http://schemas.openxmlformats.org/presentationml/2006/main" xmlns:c="http://schemas.openxmlformats.org/drawingml/2006/chart" xmlns:dgm="http://schemas.openxmlformats.org/drawingml/2006/diagram" xmlns:o="urn:schemas-microsoft-com:office:office" xmlns:v="urn:schemas-microsoft-com:vml" xmlns:pvml="urn:schemas-microsoft-com:office:powerpoint" xmlns:com="http://schemas.openxmlformats.org/drawingml/2006/compatibility" xmlns:p14="http://schemas.microsoft.com/office/powerpoint/2010/main">
+<p:sld xmlns:a="http://schemas.openxmlformats.org/drawingml/2006/main" xmlns:r="http://schemas.openxmlformats.org/officeDocument/2006/relationships" xmlns:p="http://schemas.openxmlformats.org/presentationml/2006/main">
   <p:cSld>
     <p:spTree>
       <p:nvGrpSpPr>
-        <p:cNvPr id="36" name="Shape 36"/>
+        <p:cNvPr id="1" name="Shape 36"/>
         <p:cNvGrpSpPr/>
         <p:nvPr/>
       </p:nvGrpSpPr>
@@ -4216,7 +4491,9 @@
       <p:sp>
         <p:nvSpPr>
           <p:cNvPr id="37" name="Shape 37"/>
-          <p:cNvSpPr txBox="1"/>
+          <p:cNvSpPr txBox="1">
+            <a:spLocks noGrp="1"/>
+          </p:cNvSpPr>
           <p:nvPr>
             <p:ph type="title"/>
           </p:nvPr>
@@ -4231,7 +4508,7 @@
           </a:prstGeom>
         </p:spPr>
         <p:txBody>
-          <a:bodyPr anchorCtr="0" anchor="b" bIns="91425" lIns="91425" rIns="91425" tIns="91425">
+          <a:bodyPr lIns="91425" tIns="91425" rIns="91425" bIns="91425" anchor="b" anchorCtr="0">
             <a:noAutofit/>
           </a:bodyPr>
           <a:lstStyle/>
@@ -4252,9 +4529,11 @@
       <p:sp>
         <p:nvSpPr>
           <p:cNvPr id="38" name="Shape 38"/>
-          <p:cNvSpPr txBox="1"/>
+          <p:cNvSpPr txBox="1">
+            <a:spLocks noGrp="1"/>
+          </p:cNvSpPr>
           <p:nvPr>
-            <p:ph idx="1" type="body"/>
+            <p:ph type="body" idx="1"/>
           </p:nvPr>
         </p:nvSpPr>
         <p:spPr>
@@ -4267,7 +4546,7 @@
           </a:prstGeom>
         </p:spPr>
         <p:txBody>
-          <a:bodyPr anchorCtr="0" anchor="t" bIns="91425" lIns="91425" rIns="91425" tIns="91425">
+          <a:bodyPr lIns="91425" tIns="91425" rIns="91425" bIns="91425" anchor="t" anchorCtr="0">
             <a:noAutofit/>
           </a:bodyPr>
           <a:lstStyle/>
@@ -4321,11 +4600,11 @@
 </file>
 
 <file path=ppt/slides/slide3.xml><?xml version="1.0" encoding="utf-8"?>
-<p:sld xmlns:a="http://schemas.openxmlformats.org/drawingml/2006/main" xmlns:r="http://schemas.openxmlformats.org/officeDocument/2006/relationships" xmlns:mc="http://schemas.openxmlformats.org/markup-compatibility/2006" xmlns:mv="urn:schemas-microsoft-com:mac:vml" xmlns:p="http://schemas.openxmlformats.org/presentationml/2006/main" xmlns:c="http://schemas.openxmlformats.org/drawingml/2006/chart" xmlns:dgm="http://schemas.openxmlformats.org/drawingml/2006/diagram" xmlns:o="urn:schemas-microsoft-com:office:office" xmlns:v="urn:schemas-microsoft-com:vml" xmlns:pvml="urn:schemas-microsoft-com:office:powerpoint" xmlns:com="http://schemas.openxmlformats.org/drawingml/2006/compatibility" xmlns:p14="http://schemas.microsoft.com/office/powerpoint/2010/main">
+<p:sld xmlns:a="http://schemas.openxmlformats.org/drawingml/2006/main" xmlns:r="http://schemas.openxmlformats.org/officeDocument/2006/relationships" xmlns:p="http://schemas.openxmlformats.org/presentationml/2006/main">
   <p:cSld>
     <p:spTree>
       <p:nvGrpSpPr>
-        <p:cNvPr id="42" name="Shape 42"/>
+        <p:cNvPr id="1" name="Shape 42"/>
         <p:cNvGrpSpPr/>
         <p:nvPr/>
       </p:nvGrpSpPr>
@@ -4340,7 +4619,9 @@
       <p:sp>
         <p:nvSpPr>
           <p:cNvPr id="43" name="Shape 43"/>
-          <p:cNvSpPr txBox="1"/>
+          <p:cNvSpPr txBox="1">
+            <a:spLocks noGrp="1"/>
+          </p:cNvSpPr>
           <p:nvPr>
             <p:ph type="title"/>
           </p:nvPr>
@@ -4355,7 +4636,7 @@
           </a:prstGeom>
         </p:spPr>
         <p:txBody>
-          <a:bodyPr anchorCtr="0" anchor="b" bIns="91425" lIns="91425" rIns="91425" tIns="91425">
+          <a:bodyPr lIns="91425" tIns="91425" rIns="91425" bIns="91425" anchor="b" anchorCtr="0">
             <a:noAutofit/>
           </a:bodyPr>
           <a:lstStyle/>
@@ -4376,9 +4657,11 @@
       <p:sp>
         <p:nvSpPr>
           <p:cNvPr id="44" name="Shape 44"/>
-          <p:cNvSpPr txBox="1"/>
+          <p:cNvSpPr txBox="1">
+            <a:spLocks noGrp="1"/>
+          </p:cNvSpPr>
           <p:nvPr>
-            <p:ph idx="1" type="body"/>
+            <p:ph type="body" idx="1"/>
           </p:nvPr>
         </p:nvSpPr>
         <p:spPr>
@@ -4391,7 +4674,7 @@
           </a:prstGeom>
         </p:spPr>
         <p:txBody>
-          <a:bodyPr anchorCtr="0" anchor="t" bIns="91425" lIns="91425" rIns="91425" tIns="91425">
+          <a:bodyPr lIns="91425" tIns="91425" rIns="91425" bIns="91425" anchor="t" anchorCtr="0">
             <a:noAutofit/>
           </a:bodyPr>
           <a:lstStyle/>
@@ -4450,9 +4733,6 @@
               </a:spcBef>
               <a:buNone/>
             </a:pPr>
-            <a:r>
-              <a:t/>
-            </a:r>
             <a:endParaRPr sz="1800"/>
           </a:p>
           <a:p>
@@ -4517,11 +4797,11 @@
 </file>
 
 <file path=ppt/slides/slide4.xml><?xml version="1.0" encoding="utf-8"?>
-<p:sld xmlns:a="http://schemas.openxmlformats.org/drawingml/2006/main" xmlns:r="http://schemas.openxmlformats.org/officeDocument/2006/relationships" xmlns:mc="http://schemas.openxmlformats.org/markup-compatibility/2006" xmlns:mv="urn:schemas-microsoft-com:mac:vml" xmlns:p="http://schemas.openxmlformats.org/presentationml/2006/main" xmlns:c="http://schemas.openxmlformats.org/drawingml/2006/chart" xmlns:dgm="http://schemas.openxmlformats.org/drawingml/2006/diagram" xmlns:o="urn:schemas-microsoft-com:office:office" xmlns:v="urn:schemas-microsoft-com:vml" xmlns:pvml="urn:schemas-microsoft-com:office:powerpoint" xmlns:com="http://schemas.openxmlformats.org/drawingml/2006/compatibility" xmlns:p14="http://schemas.microsoft.com/office/powerpoint/2010/main">
+<p:sld xmlns:a="http://schemas.openxmlformats.org/drawingml/2006/main" xmlns:r="http://schemas.openxmlformats.org/officeDocument/2006/relationships" xmlns:p="http://schemas.openxmlformats.org/presentationml/2006/main">
   <p:cSld>
     <p:spTree>
       <p:nvGrpSpPr>
-        <p:cNvPr id="48" name="Shape 48"/>
+        <p:cNvPr id="1" name="Shape 48"/>
         <p:cNvGrpSpPr/>
         <p:nvPr/>
       </p:nvGrpSpPr>
@@ -4536,7 +4816,9 @@
       <p:sp>
         <p:nvSpPr>
           <p:cNvPr id="49" name="Shape 49"/>
-          <p:cNvSpPr txBox="1"/>
+          <p:cNvSpPr txBox="1">
+            <a:spLocks noGrp="1"/>
+          </p:cNvSpPr>
           <p:nvPr>
             <p:ph type="title"/>
           </p:nvPr>
@@ -4551,7 +4833,7 @@
           </a:prstGeom>
         </p:spPr>
         <p:txBody>
-          <a:bodyPr anchorCtr="0" anchor="b" bIns="91425" lIns="91425" rIns="91425" tIns="91425">
+          <a:bodyPr lIns="91425" tIns="91425" rIns="91425" bIns="91425" anchor="b" anchorCtr="0">
             <a:noAutofit/>
           </a:bodyPr>
           <a:lstStyle/>
@@ -4572,9 +4854,11 @@
       <p:sp>
         <p:nvSpPr>
           <p:cNvPr id="50" name="Shape 50"/>
-          <p:cNvSpPr txBox="1"/>
+          <p:cNvSpPr txBox="1">
+            <a:spLocks noGrp="1"/>
+          </p:cNvSpPr>
           <p:nvPr>
-            <p:ph idx="1" type="body"/>
+            <p:ph type="body" idx="1"/>
           </p:nvPr>
         </p:nvSpPr>
         <p:spPr>
@@ -4587,12 +4871,12 @@
           </a:prstGeom>
         </p:spPr>
         <p:txBody>
-          <a:bodyPr anchorCtr="0" anchor="t" bIns="91425" lIns="91425" rIns="91425" tIns="91425">
+          <a:bodyPr lIns="91425" tIns="91425" rIns="91425" bIns="91425" anchor="t" anchorCtr="0">
             <a:noAutofit/>
           </a:bodyPr>
           <a:lstStyle/>
           <a:p>
-            <a:pPr indent="-419100" lvl="0" marL="457200" rtl="0">
+            <a:pPr marL="457200" lvl="0" indent="-419100" rtl="0">
               <a:spcBef>
                 <a:spcPts val="0"/>
               </a:spcBef>
@@ -4609,7 +4893,7 @@
             </a:r>
           </a:p>
           <a:p>
-            <a:pPr indent="-419100" lvl="0" marL="457200" rtl="0">
+            <a:pPr marL="457200" lvl="0" indent="-419100" rtl="0">
               <a:spcBef>
                 <a:spcPts val="0"/>
               </a:spcBef>
@@ -4626,7 +4910,7 @@
             </a:r>
           </a:p>
           <a:p>
-            <a:pPr indent="-419100" lvl="0" marL="457200" rtl="0">
+            <a:pPr marL="457200" lvl="0" indent="-419100" rtl="0">
               <a:spcBef>
                 <a:spcPts val="0"/>
               </a:spcBef>
@@ -4643,7 +4927,7 @@
             </a:r>
           </a:p>
           <a:p>
-            <a:pPr indent="-419100" lvl="0" marL="457200" rtl="0">
+            <a:pPr marL="457200" lvl="0" indent="-419100" rtl="0">
               <a:spcBef>
                 <a:spcPts val="0"/>
               </a:spcBef>
@@ -4660,7 +4944,7 @@
             </a:r>
           </a:p>
           <a:p>
-            <a:pPr indent="-419100" lvl="0" marL="457200" rtl="0">
+            <a:pPr marL="457200" lvl="0" indent="-419100" rtl="0">
               <a:spcBef>
                 <a:spcPts val="0"/>
               </a:spcBef>
@@ -4677,7 +4961,7 @@
             </a:r>
           </a:p>
           <a:p>
-            <a:pPr indent="-419100" lvl="0" marL="457200">
+            <a:pPr marL="457200" lvl="0" indent="-419100">
               <a:spcBef>
                 <a:spcPts val="0"/>
               </a:spcBef>
@@ -4735,11 +5019,11 @@
 </file>
 
 <file path=ppt/slides/slide5.xml><?xml version="1.0" encoding="utf-8"?>
-<p:sld xmlns:a="http://schemas.openxmlformats.org/drawingml/2006/main" xmlns:r="http://schemas.openxmlformats.org/officeDocument/2006/relationships" xmlns:mc="http://schemas.openxmlformats.org/markup-compatibility/2006" xmlns:mv="urn:schemas-microsoft-com:mac:vml" xmlns:p="http://schemas.openxmlformats.org/presentationml/2006/main" xmlns:c="http://schemas.openxmlformats.org/drawingml/2006/chart" xmlns:dgm="http://schemas.openxmlformats.org/drawingml/2006/diagram" xmlns:o="urn:schemas-microsoft-com:office:office" xmlns:v="urn:schemas-microsoft-com:vml" xmlns:pvml="urn:schemas-microsoft-com:office:powerpoint" xmlns:com="http://schemas.openxmlformats.org/drawingml/2006/compatibility" xmlns:p14="http://schemas.microsoft.com/office/powerpoint/2010/main">
+<p:sld xmlns:a="http://schemas.openxmlformats.org/drawingml/2006/main" xmlns:r="http://schemas.openxmlformats.org/officeDocument/2006/relationships" xmlns:p="http://schemas.openxmlformats.org/presentationml/2006/main">
   <p:cSld>
     <p:spTree>
       <p:nvGrpSpPr>
-        <p:cNvPr id="55" name="Shape 55"/>
+        <p:cNvPr id="1" name="Shape 55"/>
         <p:cNvGrpSpPr/>
         <p:nvPr/>
       </p:nvGrpSpPr>
@@ -4754,7 +5038,9 @@
       <p:sp>
         <p:nvSpPr>
           <p:cNvPr id="56" name="Shape 56"/>
-          <p:cNvSpPr txBox="1"/>
+          <p:cNvSpPr txBox="1">
+            <a:spLocks noGrp="1"/>
+          </p:cNvSpPr>
           <p:nvPr>
             <p:ph type="title"/>
           </p:nvPr>
@@ -4769,7 +5055,7 @@
           </a:prstGeom>
         </p:spPr>
         <p:txBody>
-          <a:bodyPr anchorCtr="0" anchor="b" bIns="91425" lIns="91425" rIns="91425" tIns="91425">
+          <a:bodyPr lIns="91425" tIns="91425" rIns="91425" bIns="91425" anchor="b" anchorCtr="0">
             <a:noAutofit/>
           </a:bodyPr>
           <a:lstStyle/>
@@ -4790,9 +5076,11 @@
       <p:sp>
         <p:nvSpPr>
           <p:cNvPr id="57" name="Shape 57"/>
-          <p:cNvSpPr txBox="1"/>
+          <p:cNvSpPr txBox="1">
+            <a:spLocks noGrp="1"/>
+          </p:cNvSpPr>
           <p:nvPr>
-            <p:ph idx="1" type="body"/>
+            <p:ph type="body" idx="1"/>
           </p:nvPr>
         </p:nvSpPr>
         <p:spPr>
@@ -4805,12 +5093,12 @@
           </a:prstGeom>
         </p:spPr>
         <p:txBody>
-          <a:bodyPr anchorCtr="0" anchor="t" bIns="91425" lIns="91425" rIns="91425" tIns="91425">
+          <a:bodyPr lIns="91425" tIns="91425" rIns="91425" bIns="91425" anchor="t" anchorCtr="0">
             <a:noAutofit/>
           </a:bodyPr>
           <a:lstStyle/>
           <a:p>
-            <a:pPr indent="-419100" lvl="0" marL="457200" rtl="0">
+            <a:pPr marL="457200" lvl="0" indent="-419100" rtl="0">
               <a:spcBef>
                 <a:spcPts val="0"/>
               </a:spcBef>
@@ -4827,7 +5115,7 @@
             </a:r>
           </a:p>
           <a:p>
-            <a:pPr indent="-419100" lvl="0" marL="457200" rtl="0">
+            <a:pPr marL="457200" lvl="0" indent="-419100" rtl="0">
               <a:spcBef>
                 <a:spcPts val="0"/>
               </a:spcBef>
@@ -4844,7 +5132,7 @@
             </a:r>
           </a:p>
           <a:p>
-            <a:pPr indent="-419100" lvl="0" marL="457200" rtl="0">
+            <a:pPr marL="457200" lvl="0" indent="-419100" rtl="0">
               <a:spcBef>
                 <a:spcPts val="0"/>
               </a:spcBef>
@@ -4861,7 +5149,7 @@
             </a:r>
           </a:p>
           <a:p>
-            <a:pPr indent="-419100" lvl="0" marL="457200" rtl="0">
+            <a:pPr marL="457200" lvl="0" indent="-419100" rtl="0">
               <a:spcBef>
                 <a:spcPts val="0"/>
               </a:spcBef>
@@ -4878,7 +5166,7 @@
             </a:r>
           </a:p>
           <a:p>
-            <a:pPr indent="-419100" lvl="0" marL="457200" rtl="0">
+            <a:pPr marL="457200" lvl="0" indent="-419100" rtl="0">
               <a:spcBef>
                 <a:spcPts val="0"/>
               </a:spcBef>
@@ -4895,7 +5183,7 @@
             </a:r>
           </a:p>
           <a:p>
-            <a:pPr indent="-419100" lvl="0" marL="457200">
+            <a:pPr marL="457200" lvl="0" indent="-419100">
               <a:spcBef>
                 <a:spcPts val="0"/>
               </a:spcBef>
@@ -4925,11 +5213,11 @@
 </file>
 
 <file path=ppt/slides/slide6.xml><?xml version="1.0" encoding="utf-8"?>
-<p:sld xmlns:a="http://schemas.openxmlformats.org/drawingml/2006/main" xmlns:r="http://schemas.openxmlformats.org/officeDocument/2006/relationships" xmlns:mc="http://schemas.openxmlformats.org/markup-compatibility/2006" xmlns:mv="urn:schemas-microsoft-com:mac:vml" xmlns:p="http://schemas.openxmlformats.org/presentationml/2006/main" xmlns:c="http://schemas.openxmlformats.org/drawingml/2006/chart" xmlns:dgm="http://schemas.openxmlformats.org/drawingml/2006/diagram" xmlns:o="urn:schemas-microsoft-com:office:office" xmlns:v="urn:schemas-microsoft-com:vml" xmlns:pvml="urn:schemas-microsoft-com:office:powerpoint" xmlns:com="http://schemas.openxmlformats.org/drawingml/2006/compatibility" xmlns:p14="http://schemas.microsoft.com/office/powerpoint/2010/main">
+<p:sld xmlns:a="http://schemas.openxmlformats.org/drawingml/2006/main" xmlns:r="http://schemas.openxmlformats.org/officeDocument/2006/relationships" xmlns:p="http://schemas.openxmlformats.org/presentationml/2006/main">
   <p:cSld>
     <p:spTree>
       <p:nvGrpSpPr>
-        <p:cNvPr id="61" name="Shape 61"/>
+        <p:cNvPr id="1" name="Shape 61"/>
         <p:cNvGrpSpPr/>
         <p:nvPr/>
       </p:nvGrpSpPr>
@@ -4944,7 +5232,9 @@
       <p:sp>
         <p:nvSpPr>
           <p:cNvPr id="62" name="Shape 62"/>
-          <p:cNvSpPr txBox="1"/>
+          <p:cNvSpPr txBox="1">
+            <a:spLocks noGrp="1"/>
+          </p:cNvSpPr>
           <p:nvPr>
             <p:ph type="title"/>
           </p:nvPr>
@@ -4959,7 +5249,7 @@
           </a:prstGeom>
         </p:spPr>
         <p:txBody>
-          <a:bodyPr anchorCtr="0" anchor="b" bIns="91425" lIns="91425" rIns="91425" tIns="91425">
+          <a:bodyPr lIns="91425" tIns="91425" rIns="91425" bIns="91425" anchor="b" anchorCtr="0">
             <a:noAutofit/>
           </a:bodyPr>
           <a:lstStyle/>
@@ -5008,9 +5298,11 @@
       <p:sp>
         <p:nvSpPr>
           <p:cNvPr id="64" name="Shape 64"/>
-          <p:cNvSpPr txBox="1"/>
+          <p:cNvSpPr txBox="1">
+            <a:spLocks noGrp="1"/>
+          </p:cNvSpPr>
           <p:nvPr>
-            <p:ph idx="1" type="body"/>
+            <p:ph type="body" idx="1"/>
           </p:nvPr>
         </p:nvSpPr>
         <p:spPr>
@@ -5023,12 +5315,12 @@
           </a:prstGeom>
         </p:spPr>
         <p:txBody>
-          <a:bodyPr anchorCtr="0" anchor="t" bIns="91425" lIns="91425" rIns="91425" tIns="91425">
+          <a:bodyPr lIns="91425" tIns="91425" rIns="91425" bIns="91425" anchor="t" anchorCtr="0">
             <a:noAutofit/>
           </a:bodyPr>
           <a:lstStyle/>
           <a:p>
-            <a:pPr indent="-381000" lvl="0" marL="457200" rtl="0">
+            <a:pPr marL="457200" lvl="0" indent="-381000" rtl="0">
               <a:spcBef>
                 <a:spcPts val="0"/>
               </a:spcBef>
@@ -5051,9 +5343,6 @@
               </a:spcBef>
               <a:buNone/>
             </a:pPr>
-            <a:r>
-              <a:t/>
-            </a:r>
             <a:endParaRPr sz="2400"/>
           </a:p>
           <a:p>
@@ -5063,13 +5352,10 @@
               </a:spcBef>
               <a:buNone/>
             </a:pPr>
-            <a:r>
-              <a:t/>
-            </a:r>
             <a:endParaRPr sz="2400"/>
           </a:p>
           <a:p>
-            <a:pPr indent="-381000" lvl="0" marL="457200" rtl="0">
+            <a:pPr marL="457200" lvl="0" indent="-381000" rtl="0">
               <a:spcBef>
                 <a:spcPts val="0"/>
               </a:spcBef>
@@ -5090,9 +5376,11 @@
       <p:sp>
         <p:nvSpPr>
           <p:cNvPr id="65" name="Shape 65"/>
-          <p:cNvSpPr txBox="1"/>
+          <p:cNvSpPr txBox="1">
+            <a:spLocks noGrp="1"/>
+          </p:cNvSpPr>
           <p:nvPr>
-            <p:ph idx="2" type="body"/>
+            <p:ph type="body" idx="2"/>
           </p:nvPr>
         </p:nvSpPr>
         <p:spPr>
@@ -5105,7 +5393,7 @@
           </a:prstGeom>
         </p:spPr>
         <p:txBody>
-          <a:bodyPr anchorCtr="0" anchor="t" bIns="91425" lIns="91425" rIns="91425" tIns="91425">
+          <a:bodyPr lIns="91425" tIns="91425" rIns="91425" bIns="91425" anchor="t" anchorCtr="0">
             <a:noAutofit/>
           </a:bodyPr>
           <a:lstStyle/>
@@ -5128,9 +5416,6 @@
               </a:spcBef>
               <a:buNone/>
             </a:pPr>
-            <a:r>
-              <a:t/>
-            </a:r>
             <a:endParaRPr sz="2400"/>
           </a:p>
           <a:p>
@@ -5159,11 +5444,11 @@
 </file>
 
 <file path=ppt/slides/slide7.xml><?xml version="1.0" encoding="utf-8"?>
-<p:sld xmlns:a="http://schemas.openxmlformats.org/drawingml/2006/main" xmlns:r="http://schemas.openxmlformats.org/officeDocument/2006/relationships" xmlns:mc="http://schemas.openxmlformats.org/markup-compatibility/2006" xmlns:mv="urn:schemas-microsoft-com:mac:vml" xmlns:p="http://schemas.openxmlformats.org/presentationml/2006/main" xmlns:c="http://schemas.openxmlformats.org/drawingml/2006/chart" xmlns:dgm="http://schemas.openxmlformats.org/drawingml/2006/diagram" xmlns:o="urn:schemas-microsoft-com:office:office" xmlns:v="urn:schemas-microsoft-com:vml" xmlns:pvml="urn:schemas-microsoft-com:office:powerpoint" xmlns:com="http://schemas.openxmlformats.org/drawingml/2006/compatibility" xmlns:p14="http://schemas.microsoft.com/office/powerpoint/2010/main">
+<p:sld xmlns:a="http://schemas.openxmlformats.org/drawingml/2006/main" xmlns:r="http://schemas.openxmlformats.org/officeDocument/2006/relationships" xmlns:p="http://schemas.openxmlformats.org/presentationml/2006/main">
   <p:cSld>
     <p:spTree>
       <p:nvGrpSpPr>
-        <p:cNvPr id="69" name="Shape 69"/>
+        <p:cNvPr id="1" name="Shape 69"/>
         <p:cNvGrpSpPr/>
         <p:nvPr/>
       </p:nvGrpSpPr>
@@ -5178,7 +5463,9 @@
       <p:sp>
         <p:nvSpPr>
           <p:cNvPr id="70" name="Shape 70"/>
-          <p:cNvSpPr txBox="1"/>
+          <p:cNvSpPr txBox="1">
+            <a:spLocks noGrp="1"/>
+          </p:cNvSpPr>
           <p:nvPr>
             <p:ph type="title"/>
           </p:nvPr>
@@ -5193,7 +5480,7 @@
           </a:prstGeom>
         </p:spPr>
         <p:txBody>
-          <a:bodyPr anchorCtr="0" anchor="b" bIns="91425" lIns="91425" rIns="91425" tIns="91425">
+          <a:bodyPr lIns="91425" tIns="91425" rIns="91425" bIns="91425" anchor="b" anchorCtr="0">
             <a:noAutofit/>
           </a:bodyPr>
           <a:lstStyle/>
@@ -5214,9 +5501,11 @@
       <p:sp>
         <p:nvSpPr>
           <p:cNvPr id="71" name="Shape 71"/>
-          <p:cNvSpPr txBox="1"/>
+          <p:cNvSpPr txBox="1">
+            <a:spLocks noGrp="1"/>
+          </p:cNvSpPr>
           <p:nvPr>
-            <p:ph idx="1" type="body"/>
+            <p:ph type="body" idx="1"/>
           </p:nvPr>
         </p:nvSpPr>
         <p:spPr>
@@ -5229,7 +5518,7 @@
           </a:prstGeom>
         </p:spPr>
         <p:txBody>
-          <a:bodyPr anchorCtr="0" anchor="t" bIns="91425" lIns="91425" rIns="91425" tIns="91425">
+          <a:bodyPr lIns="91425" tIns="91425" rIns="91425" bIns="91425" anchor="t" anchorCtr="0">
             <a:noAutofit/>
           </a:bodyPr>
           <a:lstStyle/>
@@ -5307,9 +5596,6 @@
               <a:buFont typeface="Arial"/>
               <a:buNone/>
             </a:pPr>
-            <a:r>
-              <a:t/>
-            </a:r>
             <a:endParaRPr sz="1800"/>
           </a:p>
         </p:txBody>
@@ -5354,11 +5640,11 @@
 </file>
 
 <file path=ppt/slides/slide8.xml><?xml version="1.0" encoding="utf-8"?>
-<p:sld xmlns:a="http://schemas.openxmlformats.org/drawingml/2006/main" xmlns:r="http://schemas.openxmlformats.org/officeDocument/2006/relationships" xmlns:mc="http://schemas.openxmlformats.org/markup-compatibility/2006" xmlns:mv="urn:schemas-microsoft-com:mac:vml" xmlns:p="http://schemas.openxmlformats.org/presentationml/2006/main" xmlns:c="http://schemas.openxmlformats.org/drawingml/2006/chart" xmlns:dgm="http://schemas.openxmlformats.org/drawingml/2006/diagram" xmlns:o="urn:schemas-microsoft-com:office:office" xmlns:v="urn:schemas-microsoft-com:vml" xmlns:pvml="urn:schemas-microsoft-com:office:powerpoint" xmlns:com="http://schemas.openxmlformats.org/drawingml/2006/compatibility" xmlns:p14="http://schemas.microsoft.com/office/powerpoint/2010/main">
+<p:sld xmlns:a="http://schemas.openxmlformats.org/drawingml/2006/main" xmlns:r="http://schemas.openxmlformats.org/officeDocument/2006/relationships" xmlns:p="http://schemas.openxmlformats.org/presentationml/2006/main">
   <p:cSld>
     <p:spTree>
       <p:nvGrpSpPr>
-        <p:cNvPr id="76" name="Shape 76"/>
+        <p:cNvPr id="1" name="Shape 76"/>
         <p:cNvGrpSpPr/>
         <p:nvPr/>
       </p:nvGrpSpPr>
@@ -5373,7 +5659,9 @@
       <p:sp>
         <p:nvSpPr>
           <p:cNvPr id="77" name="Shape 77"/>
-          <p:cNvSpPr txBox="1"/>
+          <p:cNvSpPr txBox="1">
+            <a:spLocks noGrp="1"/>
+          </p:cNvSpPr>
           <p:nvPr>
             <p:ph type="title"/>
           </p:nvPr>
@@ -5388,7 +5676,7 @@
           </a:prstGeom>
         </p:spPr>
         <p:txBody>
-          <a:bodyPr anchorCtr="0" anchor="b" bIns="91425" lIns="91425" rIns="91425" tIns="91425">
+          <a:bodyPr lIns="91425" tIns="91425" rIns="91425" bIns="91425" anchor="b" anchorCtr="0">
             <a:noAutofit/>
           </a:bodyPr>
           <a:lstStyle/>
@@ -5446,11 +5734,11 @@
 </file>
 
 <file path=ppt/slides/slide9.xml><?xml version="1.0" encoding="utf-8"?>
-<p:sld xmlns:a="http://schemas.openxmlformats.org/drawingml/2006/main" xmlns:r="http://schemas.openxmlformats.org/officeDocument/2006/relationships" xmlns:mc="http://schemas.openxmlformats.org/markup-compatibility/2006" xmlns:mv="urn:schemas-microsoft-com:mac:vml" xmlns:p="http://schemas.openxmlformats.org/presentationml/2006/main" xmlns:c="http://schemas.openxmlformats.org/drawingml/2006/chart" xmlns:dgm="http://schemas.openxmlformats.org/drawingml/2006/diagram" xmlns:o="urn:schemas-microsoft-com:office:office" xmlns:v="urn:schemas-microsoft-com:vml" xmlns:pvml="urn:schemas-microsoft-com:office:powerpoint" xmlns:com="http://schemas.openxmlformats.org/drawingml/2006/compatibility" xmlns:p14="http://schemas.microsoft.com/office/powerpoint/2010/main">
+<p:sld xmlns:a="http://schemas.openxmlformats.org/drawingml/2006/main" xmlns:r="http://schemas.openxmlformats.org/officeDocument/2006/relationships" xmlns:p="http://schemas.openxmlformats.org/presentationml/2006/main">
   <p:cSld>
     <p:spTree>
       <p:nvGrpSpPr>
-        <p:cNvPr id="82" name="Shape 82"/>
+        <p:cNvPr id="1" name="Shape 82"/>
         <p:cNvGrpSpPr/>
         <p:nvPr/>
       </p:nvGrpSpPr>
@@ -5465,7 +5753,9 @@
       <p:sp>
         <p:nvSpPr>
           <p:cNvPr id="83" name="Shape 83"/>
-          <p:cNvSpPr txBox="1"/>
+          <p:cNvSpPr txBox="1">
+            <a:spLocks noGrp="1"/>
+          </p:cNvSpPr>
           <p:nvPr>
             <p:ph type="title"/>
           </p:nvPr>
@@ -5480,7 +5770,7 @@
           </a:prstGeom>
         </p:spPr>
         <p:txBody>
-          <a:bodyPr anchorCtr="0" anchor="b" bIns="91425" lIns="91425" rIns="91425" tIns="91425">
+          <a:bodyPr lIns="91425" tIns="91425" rIns="91425" bIns="91425" anchor="b" anchorCtr="0">
             <a:noAutofit/>
           </a:bodyPr>
           <a:lstStyle/>
@@ -5501,9 +5791,11 @@
       <p:sp>
         <p:nvSpPr>
           <p:cNvPr id="84" name="Shape 84"/>
-          <p:cNvSpPr txBox="1"/>
+          <p:cNvSpPr txBox="1">
+            <a:spLocks noGrp="1"/>
+          </p:cNvSpPr>
           <p:nvPr>
-            <p:ph idx="1" type="body"/>
+            <p:ph type="body" idx="1"/>
           </p:nvPr>
         </p:nvSpPr>
         <p:spPr>
@@ -5516,7 +5808,7 @@
           </a:prstGeom>
         </p:spPr>
         <p:txBody>
-          <a:bodyPr anchorCtr="0" anchor="t" bIns="91425" lIns="91425" rIns="91425" tIns="91425">
+          <a:bodyPr lIns="91425" tIns="91425" rIns="91425" bIns="91425" anchor="t" anchorCtr="0">
             <a:noAutofit/>
           </a:bodyPr>
           <a:lstStyle/>
@@ -5527,9 +5819,6 @@
               </a:spcBef>
               <a:buNone/>
             </a:pPr>
-            <a:r>
-              <a:t/>
-            </a:r>
             <a:endParaRPr/>
           </a:p>
         </p:txBody>
@@ -5574,7 +5863,286 @@
 </file>
 
 <file path=ppt/theme/theme1.xml><?xml version="1.0" encoding="utf-8"?>
-<a:theme xmlns:a="http://schemas.openxmlformats.org/drawingml/2006/main" xmlns:r="http://schemas.openxmlformats.org/officeDocument/2006/relationships" name="Custom Theme">
+<a:theme xmlns:a="http://schemas.openxmlformats.org/drawingml/2006/main" name="simple-light">
+  <a:themeElements>
+    <a:clrScheme name="Custom 347">
+      <a:dk1>
+        <a:srgbClr val="000000"/>
+      </a:dk1>
+      <a:lt1>
+        <a:srgbClr val="FFFFFF"/>
+      </a:lt1>
+      <a:dk2>
+        <a:srgbClr val="666666"/>
+      </a:dk2>
+      <a:lt2>
+        <a:srgbClr val="CCCCCC"/>
+      </a:lt2>
+      <a:accent1>
+        <a:srgbClr val="3A81BA"/>
+      </a:accent1>
+      <a:accent2>
+        <a:srgbClr val="D89F39"/>
+      </a:accent2>
+      <a:accent3>
+        <a:srgbClr val="8BAB42"/>
+      </a:accent3>
+      <a:accent4>
+        <a:srgbClr val="57A7B5"/>
+      </a:accent4>
+      <a:accent5>
+        <a:srgbClr val="8B81D2"/>
+      </a:accent5>
+      <a:accent6>
+        <a:srgbClr val="963334"/>
+      </a:accent6>
+      <a:hlink>
+        <a:srgbClr val="1155CC"/>
+      </a:hlink>
+      <a:folHlink>
+        <a:srgbClr val="6611CC"/>
+      </a:folHlink>
+    </a:clrScheme>
+    <a:fontScheme name="Office">
+      <a:majorFont>
+        <a:latin typeface="Arial"/>
+        <a:ea typeface=""/>
+        <a:cs typeface=""/>
+        <a:font script="Jpan" typeface="ＭＳ Ｐゴシック"/>
+        <a:font script="Hang" typeface="맑은 고딕"/>
+        <a:font script="Hans" typeface="宋体"/>
+        <a:font script="Hant" typeface="新細明體"/>
+        <a:font script="Arab" typeface="Times New Roman"/>
+        <a:font script="Hebr" typeface="Times New Roman"/>
+        <a:font script="Thai" typeface="Angsana New"/>
+        <a:font script="Ethi" typeface="Nyala"/>
+        <a:font script="Beng" typeface="Vrinda"/>
+        <a:font script="Gujr" typeface="Shruti"/>
+        <a:font script="Khmr" typeface="MoolBoran"/>
+        <a:font script="Knda" typeface="Tunga"/>
+        <a:font script="Guru" typeface="Raavi"/>
+        <a:font script="Cans" typeface="Euphemia"/>
+        <a:font script="Cher" typeface="Plantagenet Cherokee"/>
+        <a:font script="Yiii" typeface="Microsoft Yi Baiti"/>
+        <a:font script="Tibt" typeface="Microsoft Himalaya"/>
+        <a:font script="Thaa" typeface="MV Boli"/>
+        <a:font script="Deva" typeface="Mangal"/>
+        <a:font script="Telu" typeface="Gautami"/>
+        <a:font script="Taml" typeface="Latha"/>
+        <a:font script="Syrc" typeface="Estrangelo Edessa"/>
+        <a:font script="Orya" typeface="Kalinga"/>
+        <a:font script="Mlym" typeface="Kartika"/>
+        <a:font script="Laoo" typeface="DokChampa"/>
+        <a:font script="Sinh" typeface="Iskoola Pota"/>
+        <a:font script="Mong" typeface="Mongolian Baiti"/>
+        <a:font script="Viet" typeface="Times New Roman"/>
+        <a:font script="Uigh" typeface="Microsoft Uighur"/>
+      </a:majorFont>
+      <a:minorFont>
+        <a:latin typeface="Arial"/>
+        <a:ea typeface=""/>
+        <a:cs typeface=""/>
+        <a:font script="Jpan" typeface="ＭＳ Ｐゴシック"/>
+        <a:font script="Hang" typeface="맑은 고딕"/>
+        <a:font script="Hans" typeface="宋体"/>
+        <a:font script="Hant" typeface="新細明體"/>
+        <a:font script="Arab" typeface="Times New Roman"/>
+        <a:font script="Hebr" typeface="Times New Roman"/>
+        <a:font script="Thai" typeface="Angsana New"/>
+        <a:font script="Ethi" typeface="Nyala"/>
+        <a:font script="Beng" typeface="Vrinda"/>
+        <a:font script="Gujr" typeface="Shruti"/>
+        <a:font script="Khmr" typeface="MoolBoran"/>
+        <a:font script="Knda" typeface="Tunga"/>
+        <a:font script="Guru" typeface="Raavi"/>
+        <a:font script="Cans" typeface="Euphemia"/>
+        <a:font script="Cher" typeface="Plantagenet Cherokee"/>
+        <a:font script="Yiii" typeface="Microsoft Yi Baiti"/>
+        <a:font script="Tibt" typeface="Microsoft Himalaya"/>
+        <a:font script="Thaa" typeface="MV Boli"/>
+        <a:font script="Deva" typeface="Mangal"/>
+        <a:font script="Telu" typeface="Gautami"/>
+        <a:font script="Taml" typeface="Latha"/>
+        <a:font script="Syrc" typeface="Estrangelo Edessa"/>
+        <a:font script="Orya" typeface="Kalinga"/>
+        <a:font script="Mlym" typeface="Kartika"/>
+        <a:font script="Laoo" typeface="DokChampa"/>
+        <a:font script="Sinh" typeface="Iskoola Pota"/>
+        <a:font script="Mong" typeface="Mongolian Baiti"/>
+        <a:font script="Viet" typeface="Times New Roman"/>
+        <a:font script="Uigh" typeface="Microsoft Uighur"/>
+      </a:minorFont>
+    </a:fontScheme>
+    <a:fmtScheme name="Office">
+      <a:fillStyleLst>
+        <a:solidFill>
+          <a:schemeClr val="phClr"/>
+        </a:solidFill>
+        <a:gradFill rotWithShape="1">
+          <a:gsLst>
+            <a:gs pos="0">
+              <a:schemeClr val="phClr">
+                <a:tint val="50000"/>
+                <a:satMod val="300000"/>
+              </a:schemeClr>
+            </a:gs>
+            <a:gs pos="35000">
+              <a:schemeClr val="phClr">
+                <a:tint val="37000"/>
+                <a:satMod val="300000"/>
+              </a:schemeClr>
+            </a:gs>
+            <a:gs pos="100000">
+              <a:schemeClr val="phClr">
+                <a:tint val="15000"/>
+                <a:satMod val="350000"/>
+              </a:schemeClr>
+            </a:gs>
+          </a:gsLst>
+          <a:lin ang="16200000" scaled="1"/>
+        </a:gradFill>
+        <a:gradFill rotWithShape="1">
+          <a:gsLst>
+            <a:gs pos="0">
+              <a:schemeClr val="phClr">
+                <a:tint val="100000"/>
+                <a:shade val="100000"/>
+                <a:satMod val="130000"/>
+              </a:schemeClr>
+            </a:gs>
+            <a:gs pos="100000">
+              <a:schemeClr val="phClr">
+                <a:tint val="50000"/>
+                <a:shade val="100000"/>
+                <a:satMod val="350000"/>
+              </a:schemeClr>
+            </a:gs>
+          </a:gsLst>
+          <a:lin ang="16200000" scaled="0"/>
+        </a:gradFill>
+      </a:fillStyleLst>
+      <a:lnStyleLst>
+        <a:ln w="9525" cap="flat" cmpd="sng" algn="ctr">
+          <a:solidFill>
+            <a:schemeClr val="phClr">
+              <a:shade val="95000"/>
+              <a:satMod val="105000"/>
+            </a:schemeClr>
+          </a:solidFill>
+          <a:prstDash val="solid"/>
+        </a:ln>
+        <a:ln w="25400" cap="flat" cmpd="sng" algn="ctr">
+          <a:solidFill>
+            <a:schemeClr val="phClr"/>
+          </a:solidFill>
+          <a:prstDash val="solid"/>
+        </a:ln>
+        <a:ln w="38100" cap="flat" cmpd="sng" algn="ctr">
+          <a:solidFill>
+            <a:schemeClr val="phClr"/>
+          </a:solidFill>
+          <a:prstDash val="solid"/>
+        </a:ln>
+      </a:lnStyleLst>
+      <a:effectStyleLst>
+        <a:effectStyle>
+          <a:effectLst>
+            <a:outerShdw blurRad="40000" dist="20000" dir="5400000" rotWithShape="0">
+              <a:srgbClr val="000000">
+                <a:alpha val="38000"/>
+              </a:srgbClr>
+            </a:outerShdw>
+          </a:effectLst>
+        </a:effectStyle>
+        <a:effectStyle>
+          <a:effectLst>
+            <a:outerShdw blurRad="40000" dist="23000" dir="5400000" rotWithShape="0">
+              <a:srgbClr val="000000">
+                <a:alpha val="35000"/>
+              </a:srgbClr>
+            </a:outerShdw>
+          </a:effectLst>
+        </a:effectStyle>
+        <a:effectStyle>
+          <a:effectLst>
+            <a:outerShdw blurRad="40000" dist="23000" dir="5400000" rotWithShape="0">
+              <a:srgbClr val="000000">
+                <a:alpha val="35000"/>
+              </a:srgbClr>
+            </a:outerShdw>
+          </a:effectLst>
+          <a:scene3d>
+            <a:camera prst="orthographicFront">
+              <a:rot lat="0" lon="0" rev="0"/>
+            </a:camera>
+            <a:lightRig rig="threePt" dir="t">
+              <a:rot lat="0" lon="0" rev="1200000"/>
+            </a:lightRig>
+          </a:scene3d>
+          <a:sp3d>
+            <a:bevelT w="63500" h="25400"/>
+          </a:sp3d>
+        </a:effectStyle>
+      </a:effectStyleLst>
+      <a:bgFillStyleLst>
+        <a:solidFill>
+          <a:schemeClr val="phClr"/>
+        </a:solidFill>
+        <a:gradFill rotWithShape="1">
+          <a:gsLst>
+            <a:gs pos="0">
+              <a:schemeClr val="phClr">
+                <a:tint val="40000"/>
+                <a:satMod val="350000"/>
+              </a:schemeClr>
+            </a:gs>
+            <a:gs pos="40000">
+              <a:schemeClr val="phClr">
+                <a:tint val="45000"/>
+                <a:shade val="99000"/>
+                <a:satMod val="350000"/>
+              </a:schemeClr>
+            </a:gs>
+            <a:gs pos="100000">
+              <a:schemeClr val="phClr">
+                <a:shade val="20000"/>
+                <a:satMod val="255000"/>
+              </a:schemeClr>
+            </a:gs>
+          </a:gsLst>
+          <a:path path="circle">
+            <a:fillToRect l="50000" t="-80000" r="50000" b="180000"/>
+          </a:path>
+        </a:gradFill>
+        <a:gradFill rotWithShape="1">
+          <a:gsLst>
+            <a:gs pos="0">
+              <a:schemeClr val="phClr">
+                <a:tint val="80000"/>
+                <a:satMod val="300000"/>
+              </a:schemeClr>
+            </a:gs>
+            <a:gs pos="100000">
+              <a:schemeClr val="phClr">
+                <a:shade val="30000"/>
+                <a:satMod val="200000"/>
+              </a:schemeClr>
+            </a:gs>
+          </a:gsLst>
+          <a:path path="circle">
+            <a:fillToRect l="50000" t="50000" r="50000" b="50000"/>
+          </a:path>
+        </a:gradFill>
+      </a:bgFillStyleLst>
+    </a:fmtScheme>
+  </a:themeElements>
+  <a:objectDefaults/>
+  <a:extraClrSchemeLst/>
+</a:theme>
+</file>
+
+<file path=ppt/theme/theme2.xml><?xml version="1.0" encoding="utf-8"?>
+<a:theme xmlns:a="http://schemas.openxmlformats.org/drawingml/2006/main" name="Custom Theme">
   <a:themeElements>
     <a:clrScheme name="Default">
       <a:dk1>
@@ -5733,7 +6301,7 @@
         </a:gradFill>
       </a:fillStyleLst>
       <a:lnStyleLst>
-        <a:ln cap="flat" cmpd="sng" w="9525" algn="ctr">
+        <a:ln w="9525" cap="flat" cmpd="sng" algn="ctr">
           <a:solidFill>
             <a:schemeClr val="phClr">
               <a:shade val="95000"/>
@@ -5742,13 +6310,13 @@
           </a:solidFill>
           <a:prstDash val="solid"/>
         </a:ln>
-        <a:ln cap="flat" cmpd="sng" w="25400" algn="ctr">
+        <a:ln w="25400" cap="flat" cmpd="sng" algn="ctr">
           <a:solidFill>
             <a:schemeClr val="phClr"/>
           </a:solidFill>
           <a:prstDash val="solid"/>
         </a:ln>
-        <a:ln cap="flat" cmpd="sng" w="38100" algn="ctr">
+        <a:ln w="38100" cap="flat" cmpd="sng" algn="ctr">
           <a:solidFill>
             <a:schemeClr val="phClr"/>
           </a:solidFill>
@@ -5758,7 +6326,7 @@
       <a:effectStyleLst>
         <a:effectStyle>
           <a:effectLst>
-            <a:outerShdw blurRad="40000" rotWithShape="0" dir="5400000" dist="20000">
+            <a:outerShdw blurRad="40000" dist="20000" dir="5400000" rotWithShape="0">
               <a:srgbClr val="000000">
                 <a:alpha val="38000"/>
               </a:srgbClr>
@@ -5767,7 +6335,7 @@
         </a:effectStyle>
         <a:effectStyle>
           <a:effectLst>
-            <a:outerShdw blurRad="40000" rotWithShape="0" dir="5400000" dist="23000">
+            <a:outerShdw blurRad="40000" dist="23000" dir="5400000" rotWithShape="0">
               <a:srgbClr val="000000">
                 <a:alpha val="35000"/>
               </a:srgbClr>
@@ -5776,7 +6344,7 @@
         </a:effectStyle>
         <a:effectStyle>
           <a:effectLst>
-            <a:outerShdw blurRad="40000" rotWithShape="0" dir="5400000" dist="23000">
+            <a:outerShdw blurRad="40000" dist="23000" dir="5400000" rotWithShape="0">
               <a:srgbClr val="000000">
                 <a:alpha val="35000"/>
               </a:srgbClr>
@@ -5786,12 +6354,12 @@
             <a:camera prst="orthographicFront">
               <a:rot lat="0" lon="0" rev="0"/>
             </a:camera>
-            <a:lightRig dir="t" rig="threePt">
+            <a:lightRig rig="threePt" dir="t">
               <a:rot lat="0" lon="0" rev="1200000"/>
             </a:lightRig>
           </a:scene3d>
           <a:sp3d>
-            <a:bevelT h="25400" w="63500"/>
+            <a:bevelT w="63500" h="25400"/>
           </a:sp3d>
         </a:effectStyle>
       </a:effectStyleLst>
@@ -5822,7 +6390,7 @@
             </a:gs>
           </a:gsLst>
           <a:path path="circle">
-            <a:fillToRect b="180000" l="50000" r="50000" t="-80000"/>
+            <a:fillToRect l="50000" t="-80000" r="50000" b="180000"/>
           </a:path>
         </a:gradFill>
         <a:gradFill rotWithShape="1">
@@ -5841,605 +6409,13 @@
             </a:gs>
           </a:gsLst>
           <a:path path="circle">
-            <a:fillToRect b="50000" l="50000" r="50000" t="50000"/>
+            <a:fillToRect l="50000" t="50000" r="50000" b="50000"/>
           </a:path>
         </a:gradFill>
       </a:bgFillStyleLst>
     </a:fmtScheme>
   </a:themeElements>
-</a:theme>
-</file>
-
-<file path=ppt/theme/theme2.xml><?xml version="1.0" encoding="utf-8"?>
-<a:theme xmlns:a="http://schemas.openxmlformats.org/drawingml/2006/main" xmlns:r="http://schemas.openxmlformats.org/officeDocument/2006/relationships" name="simple-light">
-  <a:themeElements>
-    <a:clrScheme name="Custom 347">
-      <a:dk1>
-        <a:srgbClr val="000000"/>
-      </a:dk1>
-      <a:lt1>
-        <a:srgbClr val="FFFFFF"/>
-      </a:lt1>
-      <a:dk2>
-        <a:srgbClr val="666666"/>
-      </a:dk2>
-      <a:lt2>
-        <a:srgbClr val="CCCCCC"/>
-      </a:lt2>
-      <a:accent1>
-        <a:srgbClr val="3A81BA"/>
-      </a:accent1>
-      <a:accent2>
-        <a:srgbClr val="D89F39"/>
-      </a:accent2>
-      <a:accent3>
-        <a:srgbClr val="8BAB42"/>
-      </a:accent3>
-      <a:accent4>
-        <a:srgbClr val="57A7B5"/>
-      </a:accent4>
-      <a:accent5>
-        <a:srgbClr val="8B81D2"/>
-      </a:accent5>
-      <a:accent6>
-        <a:srgbClr val="963334"/>
-      </a:accent6>
-      <a:hlink>
-        <a:srgbClr val="1155CC"/>
-      </a:hlink>
-      <a:folHlink>
-        <a:srgbClr val="6611CC"/>
-      </a:folHlink>
-    </a:clrScheme>
-    <a:fontScheme name="Office">
-      <a:majorFont>
-        <a:latin typeface="Arial"/>
-        <a:ea typeface=""/>
-        <a:cs typeface=""/>
-        <a:font script="Jpan" typeface="ＭＳ Ｐゴシック"/>
-        <a:font script="Hang" typeface="맑은 고딕"/>
-        <a:font script="Hans" typeface="宋体"/>
-        <a:font script="Hant" typeface="新細明體"/>
-        <a:font script="Arab" typeface="Times New Roman"/>
-        <a:font script="Hebr" typeface="Times New Roman"/>
-        <a:font script="Thai" typeface="Angsana New"/>
-        <a:font script="Ethi" typeface="Nyala"/>
-        <a:font script="Beng" typeface="Vrinda"/>
-        <a:font script="Gujr" typeface="Shruti"/>
-        <a:font script="Khmr" typeface="MoolBoran"/>
-        <a:font script="Knda" typeface="Tunga"/>
-        <a:font script="Guru" typeface="Raavi"/>
-        <a:font script="Cans" typeface="Euphemia"/>
-        <a:font script="Cher" typeface="Plantagenet Cherokee"/>
-        <a:font script="Yiii" typeface="Microsoft Yi Baiti"/>
-        <a:font script="Tibt" typeface="Microsoft Himalaya"/>
-        <a:font script="Thaa" typeface="MV Boli"/>
-        <a:font script="Deva" typeface="Mangal"/>
-        <a:font script="Telu" typeface="Gautami"/>
-        <a:font script="Taml" typeface="Latha"/>
-        <a:font script="Syrc" typeface="Estrangelo Edessa"/>
-        <a:font script="Orya" typeface="Kalinga"/>
-        <a:font script="Mlym" typeface="Kartika"/>
-        <a:font script="Laoo" typeface="DokChampa"/>
-        <a:font script="Sinh" typeface="Iskoola Pota"/>
-        <a:font script="Mong" typeface="Mongolian Baiti"/>
-        <a:font script="Viet" typeface="Times New Roman"/>
-        <a:font script="Uigh" typeface="Microsoft Uighur"/>
-      </a:majorFont>
-      <a:minorFont>
-        <a:latin typeface="Arial"/>
-        <a:ea typeface=""/>
-        <a:cs typeface=""/>
-        <a:font script="Jpan" typeface="ＭＳ Ｐゴシック"/>
-        <a:font script="Hang" typeface="맑은 고딕"/>
-        <a:font script="Hans" typeface="宋体"/>
-        <a:font script="Hant" typeface="新細明體"/>
-        <a:font script="Arab" typeface="Times New Roman"/>
-        <a:font script="Hebr" typeface="Times New Roman"/>
-        <a:font script="Thai" typeface="Angsana New"/>
-        <a:font script="Ethi" typeface="Nyala"/>
-        <a:font script="Beng" typeface="Vrinda"/>
-        <a:font script="Gujr" typeface="Shruti"/>
-        <a:font script="Khmr" typeface="MoolBoran"/>
-        <a:font script="Knda" typeface="Tunga"/>
-        <a:font script="Guru" typeface="Raavi"/>
-        <a:font script="Cans" typeface="Euphemia"/>
-        <a:font script="Cher" typeface="Plantagenet Cherokee"/>
-        <a:font script="Yiii" typeface="Microsoft Yi Baiti"/>
-        <a:font script="Tibt" typeface="Microsoft Himalaya"/>
-        <a:font script="Thaa" typeface="MV Boli"/>
-        <a:font script="Deva" typeface="Mangal"/>
-        <a:font script="Telu" typeface="Gautami"/>
-        <a:font script="Taml" typeface="Latha"/>
-        <a:font script="Syrc" typeface="Estrangelo Edessa"/>
-        <a:font script="Orya" typeface="Kalinga"/>
-        <a:font script="Mlym" typeface="Kartika"/>
-        <a:font script="Laoo" typeface="DokChampa"/>
-        <a:font script="Sinh" typeface="Iskoola Pota"/>
-        <a:font script="Mong" typeface="Mongolian Baiti"/>
-        <a:font script="Viet" typeface="Times New Roman"/>
-        <a:font script="Uigh" typeface="Microsoft Uighur"/>
-      </a:minorFont>
-    </a:fontScheme>
-    <a:fmtScheme name="Office">
-      <a:fillStyleLst>
-        <a:solidFill>
-          <a:schemeClr val="phClr"/>
-        </a:solidFill>
-        <a:gradFill rotWithShape="1">
-          <a:gsLst>
-            <a:gs pos="0">
-              <a:schemeClr val="phClr">
-                <a:tint val="50000"/>
-                <a:satMod val="300000"/>
-              </a:schemeClr>
-            </a:gs>
-            <a:gs pos="35000">
-              <a:schemeClr val="phClr">
-                <a:tint val="37000"/>
-                <a:satMod val="300000"/>
-              </a:schemeClr>
-            </a:gs>
-            <a:gs pos="100000">
-              <a:schemeClr val="phClr">
-                <a:tint val="15000"/>
-                <a:satMod val="350000"/>
-              </a:schemeClr>
-            </a:gs>
-          </a:gsLst>
-          <a:lin ang="16200000" scaled="1"/>
-        </a:gradFill>
-        <a:gradFill rotWithShape="1">
-          <a:gsLst>
-            <a:gs pos="0">
-              <a:schemeClr val="phClr">
-                <a:tint val="100000"/>
-                <a:shade val="100000"/>
-                <a:satMod val="130000"/>
-              </a:schemeClr>
-            </a:gs>
-            <a:gs pos="100000">
-              <a:schemeClr val="phClr">
-                <a:tint val="50000"/>
-                <a:shade val="100000"/>
-                <a:satMod val="350000"/>
-              </a:schemeClr>
-            </a:gs>
-          </a:gsLst>
-          <a:lin ang="16200000" scaled="0"/>
-        </a:gradFill>
-      </a:fillStyleLst>
-      <a:lnStyleLst>
-        <a:ln cap="flat" cmpd="sng" w="9525" algn="ctr">
-          <a:solidFill>
-            <a:schemeClr val="phClr">
-              <a:shade val="95000"/>
-              <a:satMod val="105000"/>
-            </a:schemeClr>
-          </a:solidFill>
-          <a:prstDash val="solid"/>
-        </a:ln>
-        <a:ln cap="flat" cmpd="sng" w="25400" algn="ctr">
-          <a:solidFill>
-            <a:schemeClr val="phClr"/>
-          </a:solidFill>
-          <a:prstDash val="solid"/>
-        </a:ln>
-        <a:ln cap="flat" cmpd="sng" w="38100" algn="ctr">
-          <a:solidFill>
-            <a:schemeClr val="phClr"/>
-          </a:solidFill>
-          <a:prstDash val="solid"/>
-        </a:ln>
-      </a:lnStyleLst>
-      <a:effectStyleLst>
-        <a:effectStyle>
-          <a:effectLst>
-            <a:outerShdw blurRad="40000" rotWithShape="0" dir="5400000" dist="20000">
-              <a:srgbClr val="000000">
-                <a:alpha val="38000"/>
-              </a:srgbClr>
-            </a:outerShdw>
-          </a:effectLst>
-        </a:effectStyle>
-        <a:effectStyle>
-          <a:effectLst>
-            <a:outerShdw blurRad="40000" rotWithShape="0" dir="5400000" dist="23000">
-              <a:srgbClr val="000000">
-                <a:alpha val="35000"/>
-              </a:srgbClr>
-            </a:outerShdw>
-          </a:effectLst>
-        </a:effectStyle>
-        <a:effectStyle>
-          <a:effectLst>
-            <a:outerShdw blurRad="40000" rotWithShape="0" dir="5400000" dist="23000">
-              <a:srgbClr val="000000">
-                <a:alpha val="35000"/>
-              </a:srgbClr>
-            </a:outerShdw>
-          </a:effectLst>
-          <a:scene3d>
-            <a:camera prst="orthographicFront">
-              <a:rot lat="0" lon="0" rev="0"/>
-            </a:camera>
-            <a:lightRig dir="t" rig="threePt">
-              <a:rot lat="0" lon="0" rev="1200000"/>
-            </a:lightRig>
-          </a:scene3d>
-          <a:sp3d>
-            <a:bevelT h="25400" w="63500"/>
-          </a:sp3d>
-        </a:effectStyle>
-      </a:effectStyleLst>
-      <a:bgFillStyleLst>
-        <a:solidFill>
-          <a:schemeClr val="phClr"/>
-        </a:solidFill>
-        <a:gradFill rotWithShape="1">
-          <a:gsLst>
-            <a:gs pos="0">
-              <a:schemeClr val="phClr">
-                <a:tint val="40000"/>
-                <a:satMod val="350000"/>
-              </a:schemeClr>
-            </a:gs>
-            <a:gs pos="40000">
-              <a:schemeClr val="phClr">
-                <a:tint val="45000"/>
-                <a:shade val="99000"/>
-                <a:satMod val="350000"/>
-              </a:schemeClr>
-            </a:gs>
-            <a:gs pos="100000">
-              <a:schemeClr val="phClr">
-                <a:shade val="20000"/>
-                <a:satMod val="255000"/>
-              </a:schemeClr>
-            </a:gs>
-          </a:gsLst>
-          <a:path path="circle">
-            <a:fillToRect b="180000" l="50000" r="50000" t="-80000"/>
-          </a:path>
-        </a:gradFill>
-        <a:gradFill rotWithShape="1">
-          <a:gsLst>
-            <a:gs pos="0">
-              <a:schemeClr val="phClr">
-                <a:tint val="80000"/>
-                <a:satMod val="300000"/>
-              </a:schemeClr>
-            </a:gs>
-            <a:gs pos="100000">
-              <a:schemeClr val="phClr">
-                <a:shade val="30000"/>
-                <a:satMod val="200000"/>
-              </a:schemeClr>
-            </a:gs>
-          </a:gsLst>
-          <a:path path="circle">
-            <a:fillToRect b="50000" l="50000" r="50000" t="50000"/>
-          </a:path>
-        </a:gradFill>
-      </a:bgFillStyleLst>
-    </a:fmtScheme>
-  </a:themeElements>
-</a:theme>
-</file>
-
-<file path=ppt/theme/theme3.xml><?xml version="1.0" encoding="utf-8"?>
-<a:theme xmlns:a="http://schemas.openxmlformats.org/drawingml/2006/main" xmlns:r="http://schemas.openxmlformats.org/officeDocument/2006/relationships" name="Office Theme">
-  <a:themeElements>
-    <a:clrScheme name="Office">
-      <a:dk1>
-        <a:sysClr lastClr="000000" val="windowText"/>
-      </a:dk1>
-      <a:lt1>
-        <a:sysClr lastClr="FFFFFF" val="window"/>
-      </a:lt1>
-      <a:dk2>
-        <a:srgbClr val="1F497D"/>
-      </a:dk2>
-      <a:lt2>
-        <a:srgbClr val="EEECE1"/>
-      </a:lt2>
-      <a:accent1>
-        <a:srgbClr val="4F81BD"/>
-      </a:accent1>
-      <a:accent2>
-        <a:srgbClr val="C0504D"/>
-      </a:accent2>
-      <a:accent3>
-        <a:srgbClr val="9BBB59"/>
-      </a:accent3>
-      <a:accent4>
-        <a:srgbClr val="8064A2"/>
-      </a:accent4>
-      <a:accent5>
-        <a:srgbClr val="4BACC6"/>
-      </a:accent5>
-      <a:accent6>
-        <a:srgbClr val="F79646"/>
-      </a:accent6>
-      <a:hlink>
-        <a:srgbClr val="0000FF"/>
-      </a:hlink>
-      <a:folHlink>
-        <a:srgbClr val="800080"/>
-      </a:folHlink>
-    </a:clrScheme>
-    <a:fontScheme name="Office">
-      <a:majorFont>
-        <a:latin typeface="Arial"/>
-        <a:ea typeface=""/>
-        <a:cs typeface=""/>
-        <a:font script="Jpan" typeface="ＭＳ Ｐゴシック"/>
-        <a:font script="Hang" typeface="맑은 고딕"/>
-        <a:font script="Hans" typeface="宋体"/>
-        <a:font script="Hant" typeface="新細明體"/>
-        <a:font script="Arab" typeface="Times New Roman"/>
-        <a:font script="Hebr" typeface="Times New Roman"/>
-        <a:font script="Thai" typeface="Angsana New"/>
-        <a:font script="Ethi" typeface="Nyala"/>
-        <a:font script="Beng" typeface="Vrinda"/>
-        <a:font script="Gujr" typeface="Shruti"/>
-        <a:font script="Khmr" typeface="MoolBoran"/>
-        <a:font script="Knda" typeface="Tunga"/>
-        <a:font script="Guru" typeface="Raavi"/>
-        <a:font script="Cans" typeface="Euphemia"/>
-        <a:font script="Cher" typeface="Plantagenet Cherokee"/>
-        <a:font script="Yiii" typeface="Microsoft Yi Baiti"/>
-        <a:font script="Tibt" typeface="Microsoft Himalaya"/>
-        <a:font script="Thaa" typeface="MV Boli"/>
-        <a:font script="Deva" typeface="Mangal"/>
-        <a:font script="Telu" typeface="Gautami"/>
-        <a:font script="Taml" typeface="Latha"/>
-        <a:font script="Syrc" typeface="Estrangelo Edessa"/>
-        <a:font script="Orya" typeface="Kalinga"/>
-        <a:font script="Mlym" typeface="Kartika"/>
-        <a:font script="Laoo" typeface="DokChampa"/>
-        <a:font script="Sinh" typeface="Iskoola Pota"/>
-        <a:font script="Mong" typeface="Mongolian Baiti"/>
-        <a:font script="Viet" typeface="Times New Roman"/>
-        <a:font script="Uigh" typeface="Microsoft Uighur"/>
-      </a:majorFont>
-      <a:minorFont>
-        <a:latin typeface="Arial"/>
-        <a:ea typeface=""/>
-        <a:cs typeface=""/>
-        <a:font script="Jpan" typeface="ＭＳ Ｐゴシック"/>
-        <a:font script="Hang" typeface="맑은 고딕"/>
-        <a:font script="Hans" typeface="宋体"/>
-        <a:font script="Hant" typeface="新細明體"/>
-        <a:font script="Arab" typeface="Times New Roman"/>
-        <a:font script="Hebr" typeface="Times New Roman"/>
-        <a:font script="Thai" typeface="Angsana New"/>
-        <a:font script="Ethi" typeface="Nyala"/>
-        <a:font script="Beng" typeface="Vrinda"/>
-        <a:font script="Gujr" typeface="Shruti"/>
-        <a:font script="Khmr" typeface="MoolBoran"/>
-        <a:font script="Knda" typeface="Tunga"/>
-        <a:font script="Guru" typeface="Raavi"/>
-        <a:font script="Cans" typeface="Euphemia"/>
-        <a:font script="Cher" typeface="Plantagenet Cherokee"/>
-        <a:font script="Yiii" typeface="Microsoft Yi Baiti"/>
-        <a:font script="Tibt" typeface="Microsoft Himalaya"/>
-        <a:font script="Thaa" typeface="MV Boli"/>
-        <a:font script="Deva" typeface="Mangal"/>
-        <a:font script="Telu" typeface="Gautami"/>
-        <a:font script="Taml" typeface="Latha"/>
-        <a:font script="Syrc" typeface="Estrangelo Edessa"/>
-        <a:font script="Orya" typeface="Kalinga"/>
-        <a:font script="Mlym" typeface="Kartika"/>
-        <a:font script="Laoo" typeface="DokChampa"/>
-        <a:font script="Sinh" typeface="Iskoola Pota"/>
-        <a:font script="Mong" typeface="Mongolian Baiti"/>
-        <a:font script="Viet" typeface="Times New Roman"/>
-        <a:font script="Uigh" typeface="Microsoft Uighur"/>
-      </a:minorFont>
-    </a:fontScheme>
-    <a:fmtScheme name="Office">
-      <a:fillStyleLst>
-        <a:solidFill>
-          <a:schemeClr val="phClr"/>
-        </a:solidFill>
-        <a:gradFill rotWithShape="1">
-          <a:gsLst>
-            <a:gs pos="0">
-              <a:schemeClr val="phClr">
-                <a:tint val="50000"/>
-                <a:satMod val="300000"/>
-              </a:schemeClr>
-            </a:gs>
-            <a:gs pos="35000">
-              <a:schemeClr val="phClr">
-                <a:tint val="37000"/>
-                <a:satMod val="300000"/>
-              </a:schemeClr>
-            </a:gs>
-            <a:gs pos="100000">
-              <a:schemeClr val="phClr">
-                <a:tint val="15000"/>
-                <a:satMod val="350000"/>
-              </a:schemeClr>
-            </a:gs>
-          </a:gsLst>
-          <a:lin ang="16200000" scaled="1"/>
-        </a:gradFill>
-        <a:gradFill rotWithShape="1">
-          <a:gsLst>
-            <a:gs pos="0">
-              <a:schemeClr val="phClr">
-                <a:tint val="100000"/>
-                <a:shade val="100000"/>
-                <a:satMod val="130000"/>
-              </a:schemeClr>
-            </a:gs>
-            <a:gs pos="100000">
-              <a:schemeClr val="phClr">
-                <a:tint val="50000"/>
-                <a:shade val="100000"/>
-                <a:satMod val="350000"/>
-              </a:schemeClr>
-            </a:gs>
-          </a:gsLst>
-          <a:lin ang="16200000" scaled="0"/>
-        </a:gradFill>
-      </a:fillStyleLst>
-      <a:lnStyleLst>
-        <a:ln cap="flat" cmpd="sng" w="9525" algn="ctr">
-          <a:solidFill>
-            <a:schemeClr val="phClr">
-              <a:shade val="95000"/>
-              <a:satMod val="105000"/>
-            </a:schemeClr>
-          </a:solidFill>
-          <a:prstDash val="solid"/>
-        </a:ln>
-        <a:ln cap="flat" cmpd="sng" w="25400" algn="ctr">
-          <a:solidFill>
-            <a:schemeClr val="phClr"/>
-          </a:solidFill>
-          <a:prstDash val="solid"/>
-        </a:ln>
-        <a:ln cap="flat" cmpd="sng" w="38100" algn="ctr">
-          <a:solidFill>
-            <a:schemeClr val="phClr"/>
-          </a:solidFill>
-          <a:prstDash val="solid"/>
-        </a:ln>
-      </a:lnStyleLst>
-      <a:effectStyleLst>
-        <a:effectStyle>
-          <a:effectLst>
-            <a:outerShdw blurRad="40000" rotWithShape="0" dir="5400000" dist="20000">
-              <a:srgbClr val="000000">
-                <a:alpha val="38000"/>
-              </a:srgbClr>
-            </a:outerShdw>
-          </a:effectLst>
-        </a:effectStyle>
-        <a:effectStyle>
-          <a:effectLst>
-            <a:outerShdw blurRad="40000" rotWithShape="0" dir="5400000" dist="23000">
-              <a:srgbClr val="000000">
-                <a:alpha val="35000"/>
-              </a:srgbClr>
-            </a:outerShdw>
-          </a:effectLst>
-        </a:effectStyle>
-        <a:effectStyle>
-          <a:effectLst>
-            <a:outerShdw blurRad="40000" rotWithShape="0" dir="5400000" dist="23000">
-              <a:srgbClr val="000000">
-                <a:alpha val="35000"/>
-              </a:srgbClr>
-            </a:outerShdw>
-          </a:effectLst>
-          <a:scene3d>
-            <a:camera prst="orthographicFront">
-              <a:rot lat="0" lon="0" rev="0"/>
-            </a:camera>
-            <a:lightRig dir="t" rig="threePt">
-              <a:rot lat="0" lon="0" rev="1200000"/>
-            </a:lightRig>
-          </a:scene3d>
-          <a:sp3d>
-            <a:bevelT h="25400" w="63500"/>
-          </a:sp3d>
-        </a:effectStyle>
-      </a:effectStyleLst>
-      <a:bgFillStyleLst>
-        <a:solidFill>
-          <a:schemeClr val="phClr"/>
-        </a:solidFill>
-        <a:gradFill rotWithShape="1">
-          <a:gsLst>
-            <a:gs pos="0">
-              <a:schemeClr val="phClr">
-                <a:tint val="40000"/>
-                <a:satMod val="350000"/>
-              </a:schemeClr>
-            </a:gs>
-            <a:gs pos="40000">
-              <a:schemeClr val="phClr">
-                <a:tint val="45000"/>
-                <a:shade val="99000"/>
-                <a:satMod val="350000"/>
-              </a:schemeClr>
-            </a:gs>
-            <a:gs pos="100000">
-              <a:schemeClr val="phClr">
-                <a:shade val="20000"/>
-                <a:satMod val="255000"/>
-              </a:schemeClr>
-            </a:gs>
-          </a:gsLst>
-          <a:path path="circle">
-            <a:fillToRect b="180000" l="50000" r="50000" t="-80000"/>
-          </a:path>
-        </a:gradFill>
-        <a:gradFill rotWithShape="1">
-          <a:gsLst>
-            <a:gs pos="0">
-              <a:schemeClr val="phClr">
-                <a:tint val="80000"/>
-                <a:satMod val="300000"/>
-              </a:schemeClr>
-            </a:gs>
-            <a:gs pos="100000">
-              <a:schemeClr val="phClr">
-                <a:shade val="30000"/>
-                <a:satMod val="200000"/>
-              </a:schemeClr>
-            </a:gs>
-          </a:gsLst>
-          <a:path path="circle">
-            <a:fillToRect b="50000" l="50000" r="50000" t="50000"/>
-          </a:path>
-        </a:gradFill>
-      </a:bgFillStyleLst>
-    </a:fmtScheme>
-  </a:themeElements>
-  <a:objectDefaults>
-    <a:spDef>
-      <a:spPr/>
-      <a:bodyPr/>
-      <a:lstStyle/>
-      <a:style>
-        <a:lnRef idx="1">
-          <a:schemeClr val="accent1"/>
-        </a:lnRef>
-        <a:fillRef idx="3">
-          <a:schemeClr val="accent1"/>
-        </a:fillRef>
-        <a:effectRef idx="2">
-          <a:schemeClr val="accent1"/>
-        </a:effectRef>
-        <a:fontRef idx="minor">
-          <a:schemeClr val="lt1"/>
-        </a:fontRef>
-      </a:style>
-    </a:spDef>
-    <a:lnDef>
-      <a:spPr/>
-      <a:bodyPr/>
-      <a:lstStyle/>
-      <a:style>
-        <a:lnRef idx="2">
-          <a:schemeClr val="accent1"/>
-        </a:lnRef>
-        <a:fillRef idx="0">
-          <a:schemeClr val="accent1"/>
-        </a:fillRef>
-        <a:effectRef idx="1">
-          <a:schemeClr val="accent1"/>
-        </a:effectRef>
-        <a:fontRef idx="minor">
-          <a:schemeClr val="tx1"/>
-        </a:fontRef>
-      </a:style>
-    </a:lnDef>
-  </a:objectDefaults>
+  <a:objectDefaults/>
+  <a:extraClrSchemeLst/>
 </a:theme>
 </file>